--- a/bes3_n0_source.pptx
+++ b/bes3_n0_source.pptx
@@ -5,14 +5,14 @@
     <p:sldMasterId id="2147483648" r:id="rId1"/>
   </p:sldMasterIdLst>
   <p:notesMasterIdLst>
-    <p:notesMasterId r:id="rId17"/>
+    <p:notesMasterId r:id="rId23"/>
   </p:notesMasterIdLst>
   <p:sldIdLst>
     <p:sldId id="256" r:id="rId2"/>
     <p:sldId id="263" r:id="rId3"/>
     <p:sldId id="259" r:id="rId4"/>
     <p:sldId id="264" r:id="rId5"/>
-    <p:sldId id="269" r:id="rId6"/>
+    <p:sldId id="283" r:id="rId6"/>
     <p:sldId id="265" r:id="rId7"/>
     <p:sldId id="270" r:id="rId8"/>
     <p:sldId id="274" r:id="rId9"/>
@@ -22,12 +22,18 @@
     <p:sldId id="273" r:id="rId13"/>
     <p:sldId id="267" r:id="rId14"/>
     <p:sldId id="262" r:id="rId15"/>
-    <p:sldId id="268" r:id="rId16"/>
+    <p:sldId id="277" r:id="rId16"/>
+    <p:sldId id="278" r:id="rId17"/>
+    <p:sldId id="279" r:id="rId18"/>
+    <p:sldId id="280" r:id="rId19"/>
+    <p:sldId id="282" r:id="rId20"/>
+    <p:sldId id="281" r:id="rId21"/>
+    <p:sldId id="268" r:id="rId22"/>
   </p:sldIdLst>
   <p:sldSz cx="12192000" cy="6858000"/>
   <p:notesSz cx="6858000" cy="9144000"/>
   <p:custDataLst>
-    <p:tags r:id="rId18"/>
+    <p:tags r:id="rId24"/>
   </p:custDataLst>
   <p:defaultTextStyle>
     <a:defPPr>
@@ -255,7 +261,7 @@
           <a:p>
             <a:fld id="{A38AE9A9-4953-4162-B01A-C91545D9A857}" type="datetimeFigureOut">
               <a:rPr lang="zh-CN" altLang="en-US" smtClean="0"/>
-              <a:t>2023/1/14</a:t>
+              <a:t>2023/1/17</a:t>
             </a:fld>
             <a:endParaRPr lang="zh-CN" altLang="en-US"/>
           </a:p>
@@ -319,38 +325,37 @@
           <a:p>
             <a:pPr lvl="0"/>
             <a:r>
-              <a:rPr lang="zh-CN" altLang="en-US" smtClean="0"/>
+              <a:rPr lang="zh-CN" altLang="en-US"/>
               <a:t>编辑母版文本样式</a:t>
             </a:r>
           </a:p>
           <a:p>
             <a:pPr lvl="1"/>
             <a:r>
-              <a:rPr lang="zh-CN" altLang="en-US" smtClean="0"/>
+              <a:rPr lang="zh-CN" altLang="en-US"/>
               <a:t>第二级</a:t>
             </a:r>
           </a:p>
           <a:p>
             <a:pPr lvl="2"/>
             <a:r>
-              <a:rPr lang="zh-CN" altLang="en-US" smtClean="0"/>
+              <a:rPr lang="zh-CN" altLang="en-US"/>
               <a:t>第三级</a:t>
             </a:r>
           </a:p>
           <a:p>
             <a:pPr lvl="3"/>
             <a:r>
-              <a:rPr lang="zh-CN" altLang="en-US" smtClean="0"/>
+              <a:rPr lang="zh-CN" altLang="en-US"/>
               <a:t>第四级</a:t>
             </a:r>
           </a:p>
           <a:p>
             <a:pPr lvl="4"/>
             <a:r>
-              <a:rPr lang="zh-CN" altLang="en-US" smtClean="0"/>
+              <a:rPr lang="zh-CN" altLang="en-US"/>
               <a:t>第五级</a:t>
             </a:r>
-            <a:endParaRPr lang="zh-CN" altLang="en-US"/>
           </a:p>
         </p:txBody>
       </p:sp>
@@ -1019,7 +1024,7 @@
           </a:lstStyle>
           <a:p>
             <a:r>
-              <a:rPr lang="zh-CN" altLang="en-US" dirty="0" smtClean="0"/>
+              <a:rPr lang="zh-CN" altLang="en-US" dirty="0"/>
               <a:t>副标题</a:t>
             </a:r>
             <a:endParaRPr lang="en-US" altLang="zh-CN" dirty="0"/>
@@ -1060,10 +1065,9 @@
           </a:lstStyle>
           <a:p>
             <a:r>
-              <a:rPr lang="zh-CN" altLang="en-US" dirty="0" smtClean="0"/>
+              <a:rPr lang="zh-CN" altLang="en-US" dirty="0"/>
               <a:t>标题</a:t>
             </a:r>
-            <a:endParaRPr lang="zh-CN" altLang="en-US" dirty="0"/>
           </a:p>
         </p:txBody>
       </p:sp>
@@ -1077,13 +1081,6 @@
   <p:clrMapOvr>
     <a:masterClrMapping/>
   </p:clrMapOvr>
-  <p:timing>
-    <p:tnLst>
-      <p:par>
-        <p:cTn id="1" dur="indefinite" restart="never" nodeType="tmRoot"/>
-      </p:par>
-    </p:tnLst>
-  </p:timing>
 </p:sldLayout>
 </file>
 
@@ -1669,38 +1666,37 @@
           <a:p>
             <a:pPr lvl="0"/>
             <a:r>
-              <a:rPr lang="zh-CN" altLang="en-US" dirty="0" smtClean="0"/>
+              <a:rPr lang="zh-CN" altLang="en-US" dirty="0"/>
               <a:t>编辑母版文本样式</a:t>
             </a:r>
           </a:p>
           <a:p>
             <a:pPr lvl="1"/>
             <a:r>
-              <a:rPr lang="zh-CN" altLang="en-US" dirty="0" smtClean="0"/>
+              <a:rPr lang="zh-CN" altLang="en-US" dirty="0"/>
               <a:t>第二级</a:t>
             </a:r>
           </a:p>
           <a:p>
             <a:pPr lvl="2"/>
             <a:r>
-              <a:rPr lang="zh-CN" altLang="en-US" dirty="0" smtClean="0"/>
+              <a:rPr lang="zh-CN" altLang="en-US" dirty="0"/>
               <a:t>第三级</a:t>
             </a:r>
           </a:p>
           <a:p>
             <a:pPr lvl="3"/>
             <a:r>
-              <a:rPr lang="zh-CN" altLang="en-US" dirty="0" smtClean="0"/>
+              <a:rPr lang="zh-CN" altLang="en-US" dirty="0"/>
               <a:t>第四级</a:t>
             </a:r>
           </a:p>
           <a:p>
             <a:pPr lvl="4"/>
             <a:r>
-              <a:rPr lang="zh-CN" altLang="en-US" dirty="0" smtClean="0"/>
+              <a:rPr lang="zh-CN" altLang="en-US" dirty="0"/>
               <a:t>第五级</a:t>
             </a:r>
-            <a:endParaRPr lang="zh-CN" altLang="en-US" dirty="0"/>
           </a:p>
         </p:txBody>
       </p:sp>
@@ -1714,13 +1710,6 @@
   <p:clrMapOvr>
     <a:masterClrMapping/>
   </p:clrMapOvr>
-  <p:timing>
-    <p:tnLst>
-      <p:par>
-        <p:cTn id="1" dur="indefinite" restart="never" nodeType="tmRoot"/>
-      </p:par>
-    </p:tnLst>
-  </p:timing>
 </p:sldLayout>
 </file>
 
@@ -1868,7 +1857,7 @@
           </a:lstStyle>
           <a:p>
             <a:r>
-              <a:rPr lang="zh-CN" altLang="en-US" smtClean="0"/>
+              <a:rPr lang="zh-CN" altLang="en-US"/>
               <a:t>单击此处编辑母版标题样式</a:t>
             </a:r>
             <a:endParaRPr lang="zh-CN" altLang="en-US" dirty="0"/>
@@ -1908,7 +1897,7 @@
             <a:fld id="{8A91777A-9D00-456A-8AB0-A9098686DE3E}" type="datetime1">
               <a:rPr lang="zh-CN" altLang="en-US" smtClean="0"/>
               <a:pPr/>
-              <a:t>2023/1/14</a:t>
+              <a:t>2023/1/17</a:t>
             </a:fld>
             <a:endParaRPr lang="zh-CN" altLang="en-US" dirty="0"/>
           </a:p>
@@ -2045,35 +2034,35 @@
           <a:p>
             <a:pPr lvl="0"/>
             <a:r>
-              <a:rPr lang="zh-CN" altLang="en-US" smtClean="0"/>
+              <a:rPr lang="zh-CN" altLang="en-US"/>
               <a:t>编辑母版文本样式</a:t>
             </a:r>
           </a:p>
           <a:p>
             <a:pPr lvl="1"/>
             <a:r>
-              <a:rPr lang="zh-CN" altLang="en-US" smtClean="0"/>
+              <a:rPr lang="zh-CN" altLang="en-US"/>
               <a:t>第二级</a:t>
             </a:r>
           </a:p>
           <a:p>
             <a:pPr lvl="2"/>
             <a:r>
-              <a:rPr lang="zh-CN" altLang="en-US" smtClean="0"/>
+              <a:rPr lang="zh-CN" altLang="en-US"/>
               <a:t>第三级</a:t>
             </a:r>
           </a:p>
           <a:p>
             <a:pPr lvl="3"/>
             <a:r>
-              <a:rPr lang="zh-CN" altLang="en-US" smtClean="0"/>
+              <a:rPr lang="zh-CN" altLang="en-US"/>
               <a:t>第四级</a:t>
             </a:r>
           </a:p>
           <a:p>
             <a:pPr lvl="4"/>
             <a:r>
-              <a:rPr lang="zh-CN" altLang="en-US" smtClean="0"/>
+              <a:rPr lang="zh-CN" altLang="en-US"/>
               <a:t>第五级</a:t>
             </a:r>
             <a:endParaRPr lang="zh-CN" altLang="en-US" dirty="0"/>
@@ -2090,13 +2079,6 @@
   <p:clrMapOvr>
     <a:masterClrMapping/>
   </p:clrMapOvr>
-  <p:timing>
-    <p:tnLst>
-      <p:par>
-        <p:cTn id="1" dur="indefinite" restart="never" nodeType="tmRoot"/>
-      </p:par>
-    </p:tnLst>
-  </p:timing>
 </p:sldLayout>
 </file>
 
@@ -2244,7 +2226,7 @@
           </a:lstStyle>
           <a:p>
             <a:r>
-              <a:rPr lang="zh-CN" altLang="en-US" smtClean="0"/>
+              <a:rPr lang="zh-CN" altLang="en-US"/>
               <a:t>单击此处编辑母版标题样式</a:t>
             </a:r>
             <a:endParaRPr lang="zh-CN" altLang="en-US" dirty="0"/>
@@ -2284,7 +2266,7 @@
             <a:fld id="{8A91777A-9D00-456A-8AB0-A9098686DE3E}" type="datetime1">
               <a:rPr lang="zh-CN" altLang="en-US" smtClean="0"/>
               <a:pPr/>
-              <a:t>2023/1/14</a:t>
+              <a:t>2023/1/17</a:t>
             </a:fld>
             <a:endParaRPr lang="zh-CN" altLang="en-US" dirty="0"/>
           </a:p>
@@ -2385,35 +2367,35 @@
           <a:p>
             <a:pPr lvl="0"/>
             <a:r>
-              <a:rPr lang="zh-CN" altLang="en-US" smtClean="0"/>
+              <a:rPr lang="zh-CN" altLang="en-US"/>
               <a:t>编辑母版文本样式</a:t>
             </a:r>
           </a:p>
           <a:p>
             <a:pPr lvl="1"/>
             <a:r>
-              <a:rPr lang="zh-CN" altLang="en-US" smtClean="0"/>
+              <a:rPr lang="zh-CN" altLang="en-US"/>
               <a:t>第二级</a:t>
             </a:r>
           </a:p>
           <a:p>
             <a:pPr lvl="2"/>
             <a:r>
-              <a:rPr lang="zh-CN" altLang="en-US" smtClean="0"/>
+              <a:rPr lang="zh-CN" altLang="en-US"/>
               <a:t>第三级</a:t>
             </a:r>
           </a:p>
           <a:p>
             <a:pPr lvl="3"/>
             <a:r>
-              <a:rPr lang="zh-CN" altLang="en-US" smtClean="0"/>
+              <a:rPr lang="zh-CN" altLang="en-US"/>
               <a:t>第四级</a:t>
             </a:r>
           </a:p>
           <a:p>
             <a:pPr lvl="4"/>
             <a:r>
-              <a:rPr lang="zh-CN" altLang="en-US" smtClean="0"/>
+              <a:rPr lang="zh-CN" altLang="en-US"/>
               <a:t>第五级</a:t>
             </a:r>
             <a:endParaRPr lang="zh-CN" altLang="en-US" dirty="0"/>
@@ -2430,13 +2412,6 @@
   <p:clrMapOvr>
     <a:masterClrMapping/>
   </p:clrMapOvr>
-  <p:timing>
-    <p:tnLst>
-      <p:par>
-        <p:cTn id="1" dur="indefinite" restart="never" nodeType="tmRoot"/>
-      </p:par>
-    </p:tnLst>
-  </p:timing>
 </p:sldLayout>
 </file>
 
@@ -2473,7 +2448,7 @@
           <a:lstStyle/>
           <a:p>
             <a:r>
-              <a:rPr lang="zh-CN" altLang="en-US" smtClean="0"/>
+              <a:rPr lang="zh-CN" altLang="en-US"/>
               <a:t>单击此处编辑母版标题样式</a:t>
             </a:r>
             <a:endParaRPr lang="zh-CN" altLang="en-US" dirty="0"/>
@@ -2497,7 +2472,7 @@
           <a:p>
             <a:fld id="{0C113937-BF06-4992-A793-B29C1201D39C}" type="datetime1">
               <a:rPr lang="zh-CN" altLang="en-US" smtClean="0"/>
-              <a:t>2023/1/14</a:t>
+              <a:t>2023/1/17</a:t>
             </a:fld>
             <a:endParaRPr lang="zh-CN" altLang="en-US" dirty="0"/>
           </a:p>
@@ -2603,38 +2578,37 @@
           <a:p>
             <a:pPr lvl="0"/>
             <a:r>
-              <a:rPr lang="zh-CN" altLang="en-US" smtClean="0"/>
+              <a:rPr lang="zh-CN" altLang="en-US"/>
               <a:t>编辑母版文本样式</a:t>
             </a:r>
           </a:p>
           <a:p>
             <a:pPr lvl="1"/>
             <a:r>
-              <a:rPr lang="zh-CN" altLang="en-US" smtClean="0"/>
+              <a:rPr lang="zh-CN" altLang="en-US"/>
               <a:t>第二级</a:t>
             </a:r>
           </a:p>
           <a:p>
             <a:pPr lvl="2"/>
             <a:r>
-              <a:rPr lang="zh-CN" altLang="en-US" smtClean="0"/>
+              <a:rPr lang="zh-CN" altLang="en-US"/>
               <a:t>第三级</a:t>
             </a:r>
           </a:p>
           <a:p>
             <a:pPr lvl="3"/>
             <a:r>
-              <a:rPr lang="zh-CN" altLang="en-US" smtClean="0"/>
+              <a:rPr lang="zh-CN" altLang="en-US"/>
               <a:t>第四级</a:t>
             </a:r>
           </a:p>
           <a:p>
             <a:pPr lvl="4"/>
             <a:r>
-              <a:rPr lang="zh-CN" altLang="en-US" smtClean="0"/>
+              <a:rPr lang="zh-CN" altLang="en-US"/>
               <a:t>第五级</a:t>
             </a:r>
-            <a:endParaRPr lang="zh-CN" altLang="en-US"/>
           </a:p>
         </p:txBody>
       </p:sp>
@@ -2648,13 +2622,6 @@
   <p:clrMapOvr>
     <a:masterClrMapping/>
   </p:clrMapOvr>
-  <p:timing>
-    <p:tnLst>
-      <p:par>
-        <p:cTn id="1" dur="indefinite" restart="never" nodeType="tmRoot"/>
-      </p:par>
-    </p:tnLst>
-  </p:timing>
 </p:sldLayout>
 </file>
 
@@ -2691,7 +2658,7 @@
           <a:lstStyle/>
           <a:p>
             <a:r>
-              <a:rPr lang="zh-CN" altLang="en-US" smtClean="0"/>
+              <a:rPr lang="zh-CN" altLang="en-US"/>
               <a:t>单击此处编辑母版标题样式</a:t>
             </a:r>
             <a:endParaRPr lang="zh-CN" altLang="en-US" dirty="0"/>
@@ -2715,7 +2682,7 @@
           <a:p>
             <a:fld id="{0C113937-BF06-4992-A793-B29C1201D39C}" type="datetime1">
               <a:rPr lang="zh-CN" altLang="en-US" smtClean="0"/>
-              <a:t>2023/1/14</a:t>
+              <a:t>2023/1/17</a:t>
             </a:fld>
             <a:endParaRPr lang="zh-CN" altLang="en-US" dirty="0"/>
           </a:p>
@@ -2785,38 +2752,37 @@
           <a:p>
             <a:pPr lvl="0"/>
             <a:r>
-              <a:rPr lang="zh-CN" altLang="en-US" smtClean="0"/>
+              <a:rPr lang="zh-CN" altLang="en-US"/>
               <a:t>编辑母版文本样式</a:t>
             </a:r>
           </a:p>
           <a:p>
             <a:pPr lvl="1"/>
             <a:r>
-              <a:rPr lang="zh-CN" altLang="en-US" smtClean="0"/>
+              <a:rPr lang="zh-CN" altLang="en-US"/>
               <a:t>第二级</a:t>
             </a:r>
           </a:p>
           <a:p>
             <a:pPr lvl="2"/>
             <a:r>
-              <a:rPr lang="zh-CN" altLang="en-US" smtClean="0"/>
+              <a:rPr lang="zh-CN" altLang="en-US"/>
               <a:t>第三级</a:t>
             </a:r>
           </a:p>
           <a:p>
             <a:pPr lvl="3"/>
             <a:r>
-              <a:rPr lang="zh-CN" altLang="en-US" smtClean="0"/>
+              <a:rPr lang="zh-CN" altLang="en-US"/>
               <a:t>第四级</a:t>
             </a:r>
           </a:p>
           <a:p>
             <a:pPr lvl="4"/>
             <a:r>
-              <a:rPr lang="zh-CN" altLang="en-US" smtClean="0"/>
+              <a:rPr lang="zh-CN" altLang="en-US"/>
               <a:t>第五级</a:t>
             </a:r>
-            <a:endParaRPr lang="zh-CN" altLang="en-US"/>
           </a:p>
         </p:txBody>
       </p:sp>
@@ -2830,13 +2796,6 @@
   <p:clrMapOvr>
     <a:masterClrMapping/>
   </p:clrMapOvr>
-  <p:timing>
-    <p:tnLst>
-      <p:par>
-        <p:cTn id="1" dur="indefinite" restart="never" nodeType="tmRoot"/>
-      </p:par>
-    </p:tnLst>
-  </p:timing>
 </p:sldLayout>
 </file>
 
@@ -3301,7 +3260,7 @@
           <a:p>
             <a:pPr algn="r"/>
             <a:r>
-              <a:rPr lang="en-US" altLang="zh-CN" sz="4000" b="1" kern="1200" dirty="0" smtClean="0">
+              <a:rPr lang="en-US" altLang="zh-CN" sz="4000" b="1" kern="1200" dirty="0">
                 <a:solidFill>
                   <a:srgbClr val="3D67BD"/>
                 </a:solidFill>
@@ -3312,7 +3271,7 @@
               <a:t>THANKS</a:t>
             </a:r>
             <a:r>
-              <a:rPr lang="zh-CN" altLang="en-US" sz="4000" b="1" kern="1200" dirty="0" smtClean="0">
+              <a:rPr lang="zh-CN" altLang="en-US" sz="4000" b="1" kern="1200" dirty="0">
                 <a:solidFill>
                   <a:srgbClr val="3D67BD"/>
                 </a:solidFill>
@@ -3322,14 +3281,6 @@
               </a:rPr>
               <a:t>！</a:t>
             </a:r>
-            <a:endParaRPr lang="zh-CN" altLang="en-US" sz="4000" b="1" kern="1200" dirty="0">
-              <a:solidFill>
-                <a:srgbClr val="3D67BD"/>
-              </a:solidFill>
-              <a:latin typeface="微软雅黑" panose="020B0503020204020204" pitchFamily="34" charset="-122"/>
-              <a:ea typeface="微软雅黑" panose="020B0503020204020204" pitchFamily="34" charset="-122"/>
-              <a:cs typeface="+mj-cs"/>
-            </a:endParaRPr>
           </a:p>
         </p:txBody>
       </p:sp>
@@ -3343,13 +3294,6 @@
   <p:clrMapOvr>
     <a:masterClrMapping/>
   </p:clrMapOvr>
-  <p:timing>
-    <p:tnLst>
-      <p:par>
-        <p:cTn id="1" dur="indefinite" restart="never" nodeType="tmRoot"/>
-      </p:par>
-    </p:tnLst>
-  </p:timing>
 </p:sldLayout>
 </file>
 
@@ -3401,10 +3345,9 @@
           <a:lstStyle/>
           <a:p>
             <a:r>
-              <a:rPr lang="zh-CN" altLang="en-US" dirty="0" smtClean="0"/>
+              <a:rPr lang="zh-CN" altLang="en-US" dirty="0"/>
               <a:t>单击此处编辑母版标题样式</a:t>
             </a:r>
-            <a:endParaRPr lang="zh-CN" altLang="en-US" dirty="0"/>
           </a:p>
         </p:txBody>
       </p:sp>
@@ -3443,7 +3386,7 @@
           <a:p>
             <a:fld id="{0C113937-BF06-4992-A793-B29C1201D39C}" type="datetime1">
               <a:rPr lang="zh-CN" altLang="en-US" smtClean="0"/>
-              <a:t>2023/1/14</a:t>
+              <a:t>2023/1/17</a:t>
             </a:fld>
             <a:endParaRPr lang="zh-CN" altLang="en-US" dirty="0"/>
           </a:p>
@@ -3554,38 +3497,37 @@
           <a:p>
             <a:pPr lvl="0"/>
             <a:r>
-              <a:rPr lang="zh-CN" altLang="en-US" dirty="0" smtClean="0"/>
+              <a:rPr lang="zh-CN" altLang="en-US" dirty="0"/>
               <a:t>编辑母版文本样式</a:t>
             </a:r>
           </a:p>
           <a:p>
             <a:pPr lvl="1"/>
             <a:r>
-              <a:rPr lang="zh-CN" altLang="en-US" dirty="0" smtClean="0"/>
+              <a:rPr lang="zh-CN" altLang="en-US" dirty="0"/>
               <a:t>第二级</a:t>
             </a:r>
           </a:p>
           <a:p>
             <a:pPr lvl="2"/>
             <a:r>
-              <a:rPr lang="zh-CN" altLang="en-US" dirty="0" smtClean="0"/>
+              <a:rPr lang="zh-CN" altLang="en-US" dirty="0"/>
               <a:t>第三级</a:t>
             </a:r>
           </a:p>
           <a:p>
             <a:pPr lvl="3"/>
             <a:r>
-              <a:rPr lang="zh-CN" altLang="en-US" dirty="0" smtClean="0"/>
+              <a:rPr lang="zh-CN" altLang="en-US" dirty="0"/>
               <a:t>第四级</a:t>
             </a:r>
           </a:p>
           <a:p>
             <a:pPr lvl="4"/>
             <a:r>
-              <a:rPr lang="zh-CN" altLang="en-US" dirty="0" smtClean="0"/>
+              <a:rPr lang="zh-CN" altLang="en-US" dirty="0"/>
               <a:t>第五级</a:t>
             </a:r>
-            <a:endParaRPr lang="zh-CN" altLang="en-US" dirty="0"/>
           </a:p>
         </p:txBody>
       </p:sp>
@@ -3606,13 +3548,6 @@
     <p:sldLayoutId id="2147483656" r:id="rId6"/>
     <p:sldLayoutId id="2147483650" r:id="rId7"/>
   </p:sldLayoutIdLst>
-  <p:timing>
-    <p:tnLst>
-      <p:par>
-        <p:cTn id="1" dur="indefinite" restart="never" nodeType="tmRoot"/>
-      </p:par>
-    </p:tnLst>
-  </p:timing>
   <p:hf hdr="0" ftr="0"/>
   <p:txStyles>
     <p:titleStyle>
@@ -3976,10 +3911,9 @@
           <a:lstStyle/>
           <a:p>
             <a:r>
-              <a:rPr lang="zh-CN" altLang="en-US" dirty="0" smtClean="0"/>
+              <a:rPr lang="zh-CN" altLang="en-US" dirty="0"/>
               <a:t>苑思成</a:t>
             </a:r>
-            <a:endParaRPr lang="zh-CN" altLang="en-US" dirty="0"/>
           </a:p>
         </p:txBody>
       </p:sp>
@@ -3999,7 +3933,7 @@
           <a:lstStyle/>
           <a:p>
             <a:r>
-              <a:rPr lang="en-US" altLang="zh-CN" dirty="0" smtClean="0"/>
+              <a:rPr lang="en-US" altLang="zh-CN" dirty="0"/>
               <a:t>20230114</a:t>
             </a:r>
             <a:endParaRPr lang="zh-CN" altLang="en-US" dirty="0"/>
@@ -4041,18 +3975,17 @@
           <a:lstStyle/>
           <a:p>
             <a:r>
-              <a:rPr lang="zh-CN" altLang="en-US" dirty="0" smtClean="0"/>
+              <a:rPr lang="zh-CN" altLang="en-US" dirty="0"/>
               <a:t>基于</a:t>
             </a:r>
             <a:r>
-              <a:rPr lang="en-US" altLang="zh-CN" dirty="0" smtClean="0"/>
+              <a:rPr lang="en-US" altLang="zh-CN" dirty="0"/>
               <a:t>BESIII</a:t>
             </a:r>
             <a:r>
-              <a:rPr lang="zh-CN" altLang="en-US" dirty="0" smtClean="0"/>
+              <a:rPr lang="zh-CN" altLang="en-US" dirty="0"/>
               <a:t>的反中子源</a:t>
             </a:r>
-            <a:endParaRPr lang="zh-CN" altLang="en-US" dirty="0"/>
           </a:p>
         </p:txBody>
       </p:sp>
@@ -4066,13 +3999,6 @@
   <p:clrMapOvr>
     <a:masterClrMapping/>
   </p:clrMapOvr>
-  <p:timing>
-    <p:tnLst>
-      <p:par>
-        <p:cTn id="1" dur="indefinite" restart="never" nodeType="tmRoot"/>
-      </p:par>
-    </p:tnLst>
-  </p:timing>
 </p:sld>
 </file>
 
@@ -4112,23 +4038,15 @@
           <a:p>
             <a:r>
               <a:rPr lang="zh-CN" altLang="en-US" dirty="0"/>
-              <a:t>模拟研</a:t>
-            </a:r>
-            <a:r>
-              <a:rPr lang="zh-CN" altLang="en-US" dirty="0" smtClean="0"/>
-              <a:t>究 </a:t>
-            </a:r>
-            <a:r>
-              <a:rPr lang="en-US" altLang="zh-CN" dirty="0" smtClean="0"/>
+              <a:t>模拟研究 </a:t>
+            </a:r>
+            <a:r>
+              <a:rPr lang="en-US" altLang="zh-CN" dirty="0"/>
               <a:t>——</a:t>
             </a:r>
             <a:r>
               <a:rPr lang="zh-CN" altLang="en-US" dirty="0"/>
-              <a:t>反中子模</a:t>
-            </a:r>
-            <a:r>
-              <a:rPr lang="zh-CN" altLang="en-US" dirty="0" smtClean="0"/>
-              <a:t>拟</a:t>
+              <a:t>反中子模拟</a:t>
             </a:r>
             <a:endParaRPr lang="en-US" altLang="zh-CN" dirty="0"/>
           </a:p>
@@ -4151,79 +4069,67 @@
           <a:p>
             <a:r>
               <a:rPr lang="zh-CN" altLang="en-US" dirty="0"/>
-              <a:t>束</a:t>
-            </a:r>
-            <a:r>
-              <a:rPr lang="zh-CN" altLang="en-US" dirty="0" smtClean="0"/>
-              <a:t>流管外加入厚度</a:t>
-            </a:r>
-            <a:r>
-              <a:rPr lang="en-US" altLang="zh-CN" dirty="0" smtClean="0"/>
+              <a:t>束流管外加入厚度</a:t>
+            </a:r>
+            <a:r>
+              <a:rPr lang="en-US" altLang="zh-CN" dirty="0"/>
               <a:t>[0, 2, 4, …, 10]mm</a:t>
             </a:r>
             <a:r>
-              <a:rPr lang="zh-CN" altLang="en-US" dirty="0" smtClean="0"/>
+              <a:rPr lang="zh-CN" altLang="en-US" dirty="0"/>
               <a:t>碘化铯晶体，长度与束流管外层铍管一致，紧贴外层铍管</a:t>
             </a:r>
-            <a:endParaRPr lang="en-US" altLang="zh-CN" dirty="0" smtClean="0"/>
+            <a:endParaRPr lang="en-US" altLang="zh-CN" dirty="0"/>
           </a:p>
           <a:p>
             <a:pPr lvl="1"/>
             <a:r>
-              <a:rPr lang="zh-CN" altLang="en-US" dirty="0" smtClean="0"/>
+              <a:rPr lang="zh-CN" altLang="en-US" dirty="0"/>
               <a:t>反中子模拟</a:t>
             </a:r>
-            <a:endParaRPr lang="en-US" altLang="zh-CN" dirty="0" smtClean="0"/>
+            <a:endParaRPr lang="en-US" altLang="zh-CN" dirty="0"/>
           </a:p>
           <a:p>
             <a:pPr lvl="2"/>
             <a:r>
               <a:rPr lang="zh-CN" altLang="en-US" dirty="0"/>
-              <a:t>模</a:t>
-            </a:r>
-            <a:r>
-              <a:rPr lang="zh-CN" altLang="en-US" dirty="0" smtClean="0"/>
-              <a:t>拟动量和</a:t>
-            </a:r>
-            <a:r>
-              <a:rPr lang="en-US" altLang="zh-CN" dirty="0" smtClean="0"/>
+              <a:t>模拟动量和</a:t>
+            </a:r>
+            <a:r>
+              <a:rPr lang="en-US" altLang="zh-CN" dirty="0"/>
               <a:t>cos_theta</a:t>
             </a:r>
             <a:r>
-              <a:rPr lang="zh-CN" altLang="en-US" dirty="0" smtClean="0"/>
+              <a:rPr lang="zh-CN" altLang="en-US" dirty="0"/>
               <a:t>随机的反中子，</a:t>
             </a:r>
             <a:r>
-              <a:rPr lang="en-US" altLang="zh-CN" dirty="0" smtClean="0"/>
+              <a:rPr lang="en-US" altLang="zh-CN" dirty="0"/>
               <a:t>cos_theta</a:t>
             </a:r>
             <a:r>
-              <a:rPr lang="zh-CN" altLang="en-US" dirty="0" smtClean="0"/>
+              <a:rPr lang="zh-CN" altLang="en-US" dirty="0"/>
               <a:t>区间为</a:t>
             </a:r>
             <a:r>
-              <a:rPr lang="en-US" altLang="zh-CN" dirty="0" smtClean="0"/>
+              <a:rPr lang="en-US" altLang="zh-CN" dirty="0"/>
               <a:t>[0, 0.93]</a:t>
             </a:r>
             <a:r>
-              <a:rPr lang="zh-CN" altLang="en-US" dirty="0" smtClean="0"/>
+              <a:rPr lang="zh-CN" altLang="en-US" dirty="0"/>
               <a:t>，动量区间为</a:t>
             </a:r>
             <a:r>
-              <a:rPr lang="en-US" altLang="zh-CN" dirty="0" smtClean="0"/>
+              <a:rPr lang="en-US" altLang="zh-CN" dirty="0"/>
               <a:t>[0, 1.2]</a:t>
             </a:r>
             <a:r>
-              <a:rPr lang="zh-CN" altLang="en-US" dirty="0" smtClean="0"/>
-              <a:t>，</a:t>
-            </a:r>
-            <a:r>
               <a:rPr lang="zh-CN" altLang="en-US" dirty="0"/>
-              <a:t>每个厚度</a:t>
+              <a:t>，每个厚度</a:t>
             </a:r>
             <a:r>
               <a:rPr lang="en-US" altLang="zh-CN" dirty="0"/>
-              <a:t>1e5</a:t>
+              <a:t>1e7</a:t>
             </a:r>
             <a:r>
               <a:rPr lang="zh-CN" altLang="en-US" dirty="0"/>
@@ -4239,100 +4145,95 @@
               </a:rPr>
               <a:t>bes3_add_layer/gen_single_n0_random.py at master · yuansicheng/bes3_add_layer (github.com)</a:t>
             </a:r>
-            <a:endParaRPr lang="en-US" altLang="zh-CN" dirty="0" smtClean="0"/>
+            <a:endParaRPr lang="en-US" altLang="zh-CN" dirty="0"/>
           </a:p>
           <a:p>
             <a:pPr lvl="2"/>
             <a:r>
-              <a:rPr lang="zh-CN" altLang="en-US" dirty="0" smtClean="0"/>
+              <a:rPr lang="zh-CN" altLang="en-US" dirty="0"/>
+              <a:t>湮灭事例：反中子</a:t>
+            </a:r>
+            <a:r>
+              <a:rPr lang="en-US" altLang="zh-CN" dirty="0"/>
+              <a:t>track</a:t>
+            </a:r>
+            <a:r>
+              <a:rPr lang="zh-CN" altLang="en-US" dirty="0"/>
+              <a:t>的终止位置在新加入的物质内</a:t>
+            </a:r>
+            <a:endParaRPr lang="en-US" altLang="zh-CN" dirty="0"/>
+          </a:p>
+          <a:p>
+            <a:pPr lvl="3"/>
+            <a:r>
+              <a:rPr lang="zh-CN" altLang="en-US" dirty="0"/>
               <a:t>提取</a:t>
             </a:r>
             <a:r>
-              <a:rPr lang="en-US" altLang="zh-CN" dirty="0" smtClean="0"/>
+              <a:rPr lang="en-US" altLang="zh-CN" dirty="0"/>
               <a:t>mc_truth</a:t>
             </a:r>
             <a:r>
-              <a:rPr lang="zh-CN" altLang="en-US" dirty="0" smtClean="0"/>
+              <a:rPr lang="zh-CN" altLang="en-US" dirty="0"/>
               <a:t>和反中子湮灭位置信息（</a:t>
             </a:r>
             <a:r>
               <a:rPr lang="en-US" altLang="zh-CN" dirty="0"/>
-              <a:t>(*iter_mc)-&gt;finalPosition().v</a:t>
-            </a:r>
-            <a:r>
-              <a:rPr lang="en-US" altLang="zh-CN" dirty="0" smtClean="0"/>
-              <a:t>()</a:t>
-            </a:r>
-            <a:r>
-              <a:rPr lang="zh-CN" altLang="en-US" dirty="0" smtClean="0"/>
+              <a:t>(*iter_mc)-&gt;finalPosition().v()</a:t>
+            </a:r>
+            <a:r>
+              <a:rPr lang="zh-CN" altLang="en-US" dirty="0"/>
               <a:t>），计算湮灭位置在束流管外</a:t>
             </a:r>
             <a:r>
-              <a:rPr lang="en-US" altLang="zh-CN" dirty="0" smtClean="0"/>
+              <a:rPr lang="en-US" altLang="zh-CN" dirty="0"/>
               <a:t>MDC</a:t>
             </a:r>
             <a:r>
-              <a:rPr lang="zh-CN" altLang="en-US" dirty="0" smtClean="0"/>
-              <a:t>内的事例数</a:t>
-            </a:r>
-            <a:endParaRPr lang="en-US" altLang="zh-CN" dirty="0" smtClean="0"/>
+              <a:rPr lang="zh-CN" altLang="en-US" dirty="0"/>
+              <a:t>内的事例数，</a:t>
+            </a:r>
+            <a:r>
+              <a:rPr lang="en-US" altLang="zh-CN" dirty="0"/>
+              <a:t>hit_additional_layer = df[(df.final_rxy&gt;3.37) &amp; (df.final_rxy&lt;5.92) &amp; (df.final_rz&lt;13.4)].shape[0]</a:t>
+            </a:r>
           </a:p>
           <a:p>
             <a:pPr lvl="3"/>
-            <a:r>
-              <a:rPr lang="en-US" altLang="zh-CN" dirty="0"/>
-              <a:t>hit_additional_layer = df[(df.final_rxy&gt;3.37) &amp; (df.final_rxy&lt;5.92) &amp; (df.final_rz&lt;13.4)].shape[0</a:t>
-            </a:r>
-            <a:r>
-              <a:rPr lang="en-US" altLang="zh-CN" dirty="0" smtClean="0"/>
-              <a:t>]</a:t>
-            </a:r>
-          </a:p>
-          <a:p>
-            <a:pPr lvl="2"/>
             <a:r>
               <a:rPr lang="en-US" altLang="zh-CN" dirty="0">
                 <a:hlinkClick r:id="rId3"/>
               </a:rPr>
               <a:t>bes3_add_layer/single_n0.csv at master · yuansicheng/bes3_add_layer (github.com)</a:t>
             </a:r>
-            <a:endParaRPr lang="en-US" altLang="zh-CN" dirty="0" smtClean="0"/>
+            <a:endParaRPr lang="en-US" altLang="zh-CN" dirty="0"/>
           </a:p>
           <a:p>
             <a:pPr lvl="2"/>
             <a:r>
-              <a:rPr lang="zh-CN" altLang="en-US" dirty="0" smtClean="0">
+              <a:rPr lang="zh-CN" altLang="en-US" dirty="0"/>
+              <a:t>散射事例：反中子跑出新加入的物质后的动量与</a:t>
+            </a:r>
+            <a:r>
+              <a:rPr lang="en-US" altLang="zh-CN" dirty="0"/>
+              <a:t>track</a:t>
+            </a:r>
+            <a:r>
+              <a:rPr lang="zh-CN" altLang="en-US" dirty="0"/>
+              <a:t>初始始时不同</a:t>
+            </a:r>
+            <a:endParaRPr lang="en-US" altLang="zh-CN" dirty="0"/>
+          </a:p>
+          <a:p>
+            <a:pPr lvl="3"/>
+            <a:r>
+              <a:rPr lang="zh-CN" altLang="en-US" dirty="0">
                 <a:solidFill>
                   <a:srgbClr val="C00000"/>
                 </a:solidFill>
               </a:rPr>
-              <a:t>画图分析计算击中物质的反重子数量及其关于动量、</a:t>
-            </a:r>
-            <a:r>
-              <a:rPr lang="en-US" altLang="zh-CN" dirty="0" smtClean="0">
-                <a:solidFill>
-                  <a:srgbClr val="C00000"/>
-                </a:solidFill>
-              </a:rPr>
-              <a:t>theta</a:t>
-            </a:r>
-            <a:r>
-              <a:rPr lang="zh-CN" altLang="en-US" dirty="0" smtClean="0">
-                <a:solidFill>
-                  <a:srgbClr val="C00000"/>
-                </a:solidFill>
-              </a:rPr>
-              <a:t>的依赖关系</a:t>
-            </a:r>
-            <a:endParaRPr lang="en-US" altLang="zh-CN" dirty="0" smtClean="0">
-              <a:solidFill>
-                <a:srgbClr val="C00000"/>
-              </a:solidFill>
-            </a:endParaRPr>
-          </a:p>
-          <a:p>
-            <a:pPr lvl="2"/>
-            <a:endParaRPr lang="zh-CN" altLang="en-US" dirty="0"/>
+              <a:t>如何存储跑出新加入的物质后的动量？阈值设置多少？</a:t>
+            </a:r>
           </a:p>
         </p:txBody>
       </p:sp>
@@ -4353,7 +4254,7 @@
           <a:p>
             <a:fld id="{3F066E0A-57EC-403C-9412-4C2312A1DE14}" type="datetime1">
               <a:rPr lang="zh-CN" altLang="en-US" smtClean="0"/>
-              <a:t>2023/1/14</a:t>
+              <a:t>2023/1/17</a:t>
             </a:fld>
             <a:endParaRPr lang="zh-CN" altLang="en-US" dirty="0"/>
           </a:p>
@@ -4439,23 +4340,15 @@
           <a:p>
             <a:r>
               <a:rPr lang="zh-CN" altLang="en-US" dirty="0"/>
-              <a:t>模拟研</a:t>
-            </a:r>
-            <a:r>
-              <a:rPr lang="zh-CN" altLang="en-US" dirty="0" smtClean="0"/>
-              <a:t>究 </a:t>
-            </a:r>
-            <a:r>
-              <a:rPr lang="en-US" altLang="zh-CN" dirty="0" smtClean="0"/>
+              <a:t>模拟研究 </a:t>
+            </a:r>
+            <a:r>
+              <a:rPr lang="en-US" altLang="zh-CN" dirty="0"/>
               <a:t>——</a:t>
             </a:r>
             <a:r>
               <a:rPr lang="zh-CN" altLang="en-US" dirty="0"/>
-              <a:t>反中子模</a:t>
-            </a:r>
-            <a:r>
-              <a:rPr lang="zh-CN" altLang="en-US" dirty="0" smtClean="0"/>
-              <a:t>拟 </a:t>
+              <a:t>反中子模拟 </a:t>
             </a:r>
             <a:endParaRPr lang="en-US" altLang="zh-CN" dirty="0"/>
           </a:p>
@@ -4478,7 +4371,7 @@
           <a:p>
             <a:fld id="{3F066E0A-57EC-403C-9412-4C2312A1DE14}" type="datetime1">
               <a:rPr lang="zh-CN" altLang="en-US" smtClean="0"/>
-              <a:t>2023/1/14</a:t>
+              <a:t>2023/1/17</a:t>
             </a:fld>
             <a:endParaRPr lang="zh-CN" altLang="en-US" dirty="0"/>
           </a:p>
@@ -4508,47 +4401,129 @@
           </a:p>
         </p:txBody>
       </p:sp>
+      <mc:AlternateContent xmlns:mc="http://schemas.openxmlformats.org/markup-compatibility/2006" xmlns:a14="http://schemas.microsoft.com/office/drawing/2010/main">
+        <mc:Choice Requires="a14">
+          <p:sp>
+            <p:nvSpPr>
+              <p:cNvPr id="11" name="内容占位符 2"/>
+              <p:cNvSpPr>
+                <a:spLocks noGrp="1"/>
+              </p:cNvSpPr>
+              <p:nvPr>
+                <p:ph sz="quarter" idx="13"/>
+              </p:nvPr>
+            </p:nvSpPr>
+            <p:spPr>
+              <a:xfrm>
+                <a:off x="482600" y="1027889"/>
+                <a:ext cx="11214100" cy="703013"/>
+              </a:xfrm>
+            </p:spPr>
+            <p:txBody>
+              <a:bodyPr/>
+              <a:lstStyle/>
+              <a:p>
+                <a:r>
+                  <a:rPr lang="zh-CN" altLang="en-US" dirty="0"/>
+                  <a:t>击中</a:t>
+                </a:r>
+                <a:r>
+                  <a:rPr lang="en-US" altLang="zh-CN" dirty="0"/>
+                  <a:t>CsI</a:t>
+                </a:r>
+                <a:r>
+                  <a:rPr lang="zh-CN" altLang="en-US" dirty="0"/>
+                  <a:t>并湮灭的反中子比例（击中数</a:t>
+                </a:r>
+                <a:r>
+                  <a:rPr lang="en-US" altLang="zh-CN" dirty="0"/>
+                  <a:t>/</a:t>
+                </a:r>
+                <a:r>
+                  <a:rPr lang="zh-CN" altLang="en-US" dirty="0"/>
+                  <a:t>总数）对</a:t>
+                </a:r>
+                <a:r>
+                  <a:rPr lang="en-US" altLang="zh-CN" dirty="0"/>
+                  <a:t>p</a:t>
+                </a:r>
+                <a:r>
+                  <a:rPr lang="zh-CN" altLang="en-US" dirty="0"/>
+                  <a:t>、</a:t>
+                </a:r>
+                <a14:m>
+                  <m:oMath xmlns:m="http://schemas.openxmlformats.org/officeDocument/2006/math">
+                    <m:r>
+                      <a:rPr lang="en-US" altLang="zh-CN" b="0" i="1" smtClean="0">
+                        <a:latin typeface="Cambria Math" panose="02040503050406030204" pitchFamily="18" charset="0"/>
+                      </a:rPr>
+                      <m:t>𝜃</m:t>
+                    </m:r>
+                  </m:oMath>
+                </a14:m>
+                <a:r>
+                  <a:rPr lang="zh-CN" altLang="en-US" dirty="0"/>
+                  <a:t>的依赖</a:t>
+                </a:r>
+              </a:p>
+            </p:txBody>
+          </p:sp>
+        </mc:Choice>
+        <mc:Fallback xmlns="">
+          <p:sp>
+            <p:nvSpPr>
+              <p:cNvPr id="11" name="内容占位符 2"/>
+              <p:cNvSpPr>
+                <a:spLocks noGrp="1" noRot="1" noChangeAspect="1" noMove="1" noResize="1" noEditPoints="1" noAdjustHandles="1" noChangeArrowheads="1" noChangeShapeType="1" noTextEdit="1"/>
+              </p:cNvSpPr>
+              <p:nvPr>
+                <p:ph sz="quarter" idx="13"/>
+              </p:nvPr>
+            </p:nvSpPr>
+            <p:spPr>
+              <a:xfrm>
+                <a:off x="482600" y="1027889"/>
+                <a:ext cx="11214100" cy="703013"/>
+              </a:xfrm>
+              <a:blipFill>
+                <a:blip r:embed="rId2"/>
+                <a:stretch>
+                  <a:fillRect l="-707" t="-1739"/>
+                </a:stretch>
+              </a:blipFill>
+            </p:spPr>
+            <p:txBody>
+              <a:bodyPr/>
+              <a:lstStyle/>
+              <a:p>
+                <a:r>
+                  <a:rPr lang="zh-CN" altLang="en-US">
+                    <a:noFill/>
+                  </a:rPr>
+                  <a:t> </a:t>
+                </a:r>
+              </a:p>
+            </p:txBody>
+          </p:sp>
+        </mc:Fallback>
+      </mc:AlternateContent>
       <p:grpSp>
         <p:nvGrpSpPr>
-          <p:cNvPr id="10" name="组合 9"/>
+          <p:cNvPr id="7" name="组合 6"/>
           <p:cNvGrpSpPr/>
           <p:nvPr/>
         </p:nvGrpSpPr>
         <p:grpSpPr>
           <a:xfrm>
-            <a:off x="482599" y="1735765"/>
-            <a:ext cx="11214101" cy="3386470"/>
-            <a:chOff x="482599" y="1628140"/>
-            <a:chExt cx="11214101" cy="3386470"/>
+            <a:off x="482599" y="2145001"/>
+            <a:ext cx="11214101" cy="3202746"/>
+            <a:chOff x="482599" y="2514654"/>
+            <a:chExt cx="11214101" cy="3202746"/>
           </a:xfrm>
         </p:grpSpPr>
         <p:pic>
           <p:nvPicPr>
-            <p:cNvPr id="8" name="图片 7"/>
-            <p:cNvPicPr>
-              <a:picLocks noChangeAspect="1"/>
-            </p:cNvPicPr>
-            <p:nvPr/>
-          </p:nvPicPr>
-          <p:blipFill>
-            <a:blip r:embed="rId2"/>
-            <a:stretch>
-              <a:fillRect/>
-            </a:stretch>
-          </p:blipFill>
-          <p:spPr>
-            <a:xfrm>
-              <a:off x="482599" y="1633004"/>
-              <a:ext cx="5613400" cy="3376743"/>
-            </a:xfrm>
-            <a:prstGeom prst="rect">
-              <a:avLst/>
-            </a:prstGeom>
-          </p:spPr>
-        </p:pic>
-        <p:pic>
-          <p:nvPicPr>
-            <p:cNvPr id="9" name="图片 8"/>
+            <p:cNvPr id="3" name="图片 2"/>
             <p:cNvPicPr>
               <a:picLocks noChangeAspect="1"/>
             </p:cNvPicPr>
@@ -4562,8 +4537,32 @@
           </p:blipFill>
           <p:spPr>
             <a:xfrm>
-              <a:off x="6096000" y="1628140"/>
-              <a:ext cx="5600700" cy="3386470"/>
+              <a:off x="482599" y="2519254"/>
+              <a:ext cx="5613400" cy="3193547"/>
+            </a:xfrm>
+            <a:prstGeom prst="rect">
+              <a:avLst/>
+            </a:prstGeom>
+          </p:spPr>
+        </p:pic>
+        <p:pic>
+          <p:nvPicPr>
+            <p:cNvPr id="6" name="图片 5"/>
+            <p:cNvPicPr>
+              <a:picLocks noChangeAspect="1"/>
+            </p:cNvPicPr>
+            <p:nvPr/>
+          </p:nvPicPr>
+          <p:blipFill>
+            <a:blip r:embed="rId4"/>
+            <a:stretch>
+              <a:fillRect/>
+            </a:stretch>
+          </p:blipFill>
+          <p:spPr>
+            <a:xfrm>
+              <a:off x="6096000" y="2514654"/>
+              <a:ext cx="5600700" cy="3202746"/>
             </a:xfrm>
             <a:prstGeom prst="rect">
               <a:avLst/>
@@ -4571,121 +4570,6 @@
           </p:spPr>
         </p:pic>
       </p:grpSp>
-      <mc:AlternateContent xmlns:mc="http://schemas.openxmlformats.org/markup-compatibility/2006">
-        <mc:Choice xmlns:a14="http://schemas.microsoft.com/office/drawing/2010/main" Requires="a14">
-          <p:sp>
-            <p:nvSpPr>
-              <p:cNvPr id="11" name="内容占位符 2"/>
-              <p:cNvSpPr>
-                <a:spLocks noGrp="1"/>
-              </p:cNvSpPr>
-              <p:nvPr>
-                <p:ph sz="quarter" idx="13"/>
-              </p:nvPr>
-            </p:nvSpPr>
-            <p:spPr>
-              <a:xfrm>
-                <a:off x="482600" y="1027889"/>
-                <a:ext cx="11214100" cy="5328770"/>
-              </a:xfrm>
-            </p:spPr>
-            <p:txBody>
-              <a:bodyPr/>
-              <a:lstStyle/>
-              <a:p>
-                <a:r>
-                  <a:rPr lang="zh-CN" altLang="en-US" dirty="0" smtClean="0"/>
-                  <a:t>击中</a:t>
-                </a:r>
-                <a:r>
-                  <a:rPr lang="en-US" altLang="zh-CN" dirty="0" smtClean="0"/>
-                  <a:t>CsI</a:t>
-                </a:r>
-                <a:r>
-                  <a:rPr lang="zh-CN" altLang="en-US" dirty="0" smtClean="0"/>
-                  <a:t>的反</a:t>
-                </a:r>
-                <a:r>
-                  <a:rPr lang="zh-CN" altLang="en-US" dirty="0"/>
-                  <a:t>中</a:t>
-                </a:r>
-                <a:r>
-                  <a:rPr lang="zh-CN" altLang="en-US" dirty="0" smtClean="0"/>
-                  <a:t>子比例（击中数</a:t>
-                </a:r>
-                <a:r>
-                  <a:rPr lang="en-US" altLang="zh-CN" dirty="0" smtClean="0"/>
-                  <a:t>/</a:t>
-                </a:r>
-                <a:r>
-                  <a:rPr lang="zh-CN" altLang="en-US" dirty="0" smtClean="0"/>
-                  <a:t>总数）对</a:t>
-                </a:r>
-                <a:r>
-                  <a:rPr lang="en-US" altLang="zh-CN" dirty="0" smtClean="0"/>
-                  <a:t>p</a:t>
-                </a:r>
-                <a:r>
-                  <a:rPr lang="zh-CN" altLang="en-US" dirty="0" smtClean="0"/>
-                  <a:t>、</a:t>
-                </a:r>
-                <a14:m>
-                  <m:oMath xmlns:m="http://schemas.openxmlformats.org/officeDocument/2006/math">
-                    <m:r>
-                      <a:rPr lang="en-US" altLang="zh-CN" b="0" i="1" smtClean="0">
-                        <a:latin typeface="Cambria Math" panose="02040503050406030204" pitchFamily="18" charset="0"/>
-                      </a:rPr>
-                      <m:t>𝜃</m:t>
-                    </m:r>
-                  </m:oMath>
-                </a14:m>
-                <a:r>
-                  <a:rPr lang="zh-CN" altLang="en-US" smtClean="0"/>
-                  <a:t>的依赖</a:t>
-                </a:r>
-                <a:endParaRPr lang="zh-CN" altLang="en-US" dirty="0"/>
-              </a:p>
-            </p:txBody>
-          </p:sp>
-        </mc:Choice>
-        <mc:Fallback>
-          <p:sp>
-            <p:nvSpPr>
-              <p:cNvPr id="11" name="内容占位符 2"/>
-              <p:cNvSpPr>
-                <a:spLocks noGrp="1" noRot="1" noChangeAspect="1" noMove="1" noResize="1" noEditPoints="1" noAdjustHandles="1" noChangeArrowheads="1" noChangeShapeType="1" noTextEdit="1"/>
-              </p:cNvSpPr>
-              <p:nvPr>
-                <p:ph sz="quarter" idx="13"/>
-              </p:nvPr>
-            </p:nvSpPr>
-            <p:spPr>
-              <a:xfrm>
-                <a:off x="482600" y="1027889"/>
-                <a:ext cx="11214100" cy="5328770"/>
-              </a:xfrm>
-              <a:blipFill>
-                <a:blip r:embed="rId4"/>
-                <a:stretch>
-                  <a:fillRect l="-707" t="-229"/>
-                </a:stretch>
-              </a:blipFill>
-            </p:spPr>
-            <p:txBody>
-              <a:bodyPr/>
-              <a:lstStyle/>
-              <a:p>
-                <a:r>
-                  <a:rPr lang="zh-CN" altLang="en-US">
-                    <a:noFill/>
-                  </a:rPr>
-                  <a:t> </a:t>
-                </a:r>
-              </a:p>
-            </p:txBody>
-          </p:sp>
-        </mc:Fallback>
-      </mc:AlternateContent>
     </p:spTree>
     <p:extLst>
       <p:ext uri="{BB962C8B-B14F-4D97-AF65-F5344CB8AC3E}">
@@ -4723,8 +4607,8 @@
           <a:chExt cx="0" cy="0"/>
         </a:xfrm>
       </p:grpSpPr>
-      <mc:AlternateContent xmlns:mc="http://schemas.openxmlformats.org/markup-compatibility/2006">
-        <mc:Choice xmlns:a14="http://schemas.microsoft.com/office/drawing/2010/main" Requires="a14">
+      <mc:AlternateContent xmlns:mc="http://schemas.openxmlformats.org/markup-compatibility/2006" xmlns:a14="http://schemas.microsoft.com/office/drawing/2010/main">
+        <mc:Choice Requires="a14">
           <p:sp>
             <p:nvSpPr>
               <p:cNvPr id="2" name="标题 1"/>
@@ -4744,14 +4628,10 @@
               <a:p>
                 <a:r>
                   <a:rPr lang="zh-CN" altLang="en-US" dirty="0"/>
-                  <a:t>模拟研</a:t>
-                </a:r>
-                <a:r>
-                  <a:rPr lang="zh-CN" altLang="en-US" dirty="0" smtClean="0"/>
-                  <a:t>究 </a:t>
-                </a:r>
-                <a:r>
-                  <a:rPr lang="en-US" altLang="zh-CN" dirty="0" smtClean="0"/>
+                  <a:t>模拟研究 </a:t>
+                </a:r>
+                <a:r>
+                  <a:rPr lang="en-US" altLang="zh-CN" dirty="0"/>
                   <a:t>—— </a:t>
                 </a:r>
                 <a14:m>
@@ -4856,7 +4736,7 @@
             </p:txBody>
           </p:sp>
         </mc:Choice>
-        <mc:Fallback>
+        <mc:Fallback xmlns="">
           <p:sp>
             <p:nvSpPr>
               <p:cNvPr id="2" name="标题 1"/>
@@ -4909,21 +4789,17 @@
               <a:p>
                 <a:r>
                   <a:rPr lang="zh-CN" altLang="en-US" dirty="0"/>
-                  <a:t>束</a:t>
-                </a:r>
-                <a:r>
-                  <a:rPr lang="zh-CN" altLang="en-US" dirty="0" smtClean="0"/>
-                  <a:t>流管外加入厚度</a:t>
-                </a:r>
-                <a:r>
-                  <a:rPr lang="en-US" altLang="zh-CN" dirty="0" smtClean="0"/>
+                  <a:t>束流管外加入厚度</a:t>
+                </a:r>
+                <a:r>
+                  <a:rPr lang="en-US" altLang="zh-CN" dirty="0"/>
                   <a:t>[0, 2, 4, …, 10]mm</a:t>
                 </a:r>
                 <a:r>
-                  <a:rPr lang="zh-CN" altLang="en-US" dirty="0" smtClean="0"/>
+                  <a:rPr lang="zh-CN" altLang="en-US" dirty="0"/>
                   <a:t>碘化铯晶体，长度与束流管外层铍管一致，紧贴外层铍管</a:t>
                 </a:r>
-                <a:endParaRPr lang="en-US" altLang="zh-CN" dirty="0" smtClean="0"/>
+                <a:endParaRPr lang="en-US" altLang="zh-CN" dirty="0"/>
               </a:p>
               <a:p>
                 <a:pPr lvl="1"/>
@@ -5025,15 +4901,39 @@
                   </m:oMath>
                 </a14:m>
                 <a:r>
+                  <a:rPr lang="zh-CN" altLang="en-US" dirty="0"/>
+                  <a:t>模</a:t>
+                </a:r>
+                <a:r>
                   <a:rPr lang="zh-CN" altLang="en-US" dirty="0" smtClean="0"/>
-                  <a:t>模拟</a:t>
-                </a:r>
-                <a:endParaRPr lang="en-US" altLang="zh-CN" dirty="0" smtClean="0"/>
+                  <a:t>拟，</a:t>
+                </a:r>
+                <a:r>
+                  <a:rPr lang="zh-CN" altLang="en-US" dirty="0" smtClean="0">
+                    <a:solidFill>
+                      <a:srgbClr val="C00000"/>
+                    </a:solidFill>
+                  </a:rPr>
+                  <a:t>不能</a:t>
+                </a:r>
+                <a:r>
+                  <a:rPr lang="en-US" altLang="zh-CN" dirty="0" smtClean="0">
+                    <a:solidFill>
+                      <a:srgbClr val="C00000"/>
+                    </a:solidFill>
+                  </a:rPr>
+                  <a:t>kill</a:t>
+                </a:r>
+                <a:endParaRPr lang="en-US" altLang="zh-CN" dirty="0">
+                  <a:solidFill>
+                    <a:srgbClr val="C00000"/>
+                  </a:solidFill>
+                </a:endParaRPr>
               </a:p>
               <a:p>
                 <a:pPr lvl="2"/>
                 <a:r>
-                  <a:rPr lang="en-US" altLang="zh-CN" dirty="0" smtClean="0">
+                  <a:rPr lang="en-US" altLang="zh-CN" dirty="0">
                     <a:solidFill>
                       <a:srgbClr val="C00000"/>
                     </a:solidFill>
@@ -5100,7 +5000,7 @@
           <a:p>
             <a:fld id="{3F066E0A-57EC-403C-9412-4C2312A1DE14}" type="datetime1">
               <a:rPr lang="zh-CN" altLang="en-US" smtClean="0"/>
-              <a:t>2023/1/14</a:t>
+              <a:t>2023/1/17</a:t>
             </a:fld>
             <a:endParaRPr lang="zh-CN" altLang="en-US" dirty="0"/>
           </a:p>
@@ -5209,7 +5109,7 @@
           <a:p>
             <a:fld id="{3F066E0A-57EC-403C-9412-4C2312A1DE14}" type="datetime1">
               <a:rPr lang="zh-CN" altLang="en-US" smtClean="0"/>
-              <a:t>2023/1/14</a:t>
+              <a:t>2023/1/17</a:t>
             </a:fld>
             <a:endParaRPr lang="zh-CN" altLang="en-US" dirty="0"/>
           </a:p>
@@ -5260,88 +5160,88 @@
           <a:lstStyle/>
           <a:p>
             <a:r>
-              <a:rPr lang="zh-CN" altLang="en-US" dirty="0" smtClean="0"/>
+              <a:rPr lang="zh-CN" altLang="en-US" dirty="0"/>
               <a:t>束流管外加入其他物质可以做超子的研究</a:t>
             </a:r>
-            <a:endParaRPr lang="en-US" altLang="zh-CN" dirty="0" smtClean="0"/>
+            <a:endParaRPr lang="en-US" altLang="zh-CN" dirty="0"/>
           </a:p>
           <a:p>
             <a:pPr lvl="1"/>
             <a:r>
-              <a:rPr lang="zh-CN" altLang="en-US" dirty="0" smtClean="0"/>
+              <a:rPr lang="zh-CN" altLang="en-US" dirty="0"/>
               <a:t>模拟了加入</a:t>
             </a:r>
             <a:r>
-              <a:rPr lang="en-US" altLang="zh-CN" dirty="0" smtClean="0"/>
+              <a:rPr lang="en-US" altLang="zh-CN" dirty="0"/>
               <a:t>10</a:t>
             </a:r>
             <a:r>
-              <a:rPr lang="zh-CN" altLang="en-US" dirty="0" smtClean="0"/>
+              <a:rPr lang="zh-CN" altLang="en-US" dirty="0"/>
               <a:t>、</a:t>
             </a:r>
             <a:r>
-              <a:rPr lang="en-US" altLang="zh-CN" dirty="0" smtClean="0"/>
+              <a:rPr lang="en-US" altLang="zh-CN" dirty="0"/>
               <a:t>20mm</a:t>
             </a:r>
             <a:r>
-              <a:rPr lang="zh-CN" altLang="en-US" dirty="0" smtClean="0"/>
+              <a:rPr lang="zh-CN" altLang="en-US" dirty="0"/>
               <a:t>液氢和液氘的数据</a:t>
             </a:r>
-            <a:endParaRPr lang="en-US" altLang="zh-CN" dirty="0" smtClean="0"/>
-          </a:p>
-          <a:p>
-            <a:r>
-              <a:rPr lang="en-US" altLang="zh-CN" dirty="0" smtClean="0"/>
+            <a:endParaRPr lang="en-US" altLang="zh-CN" dirty="0"/>
+          </a:p>
+          <a:p>
+            <a:r>
+              <a:rPr lang="en-US" altLang="zh-CN" dirty="0"/>
               <a:t>cos_theta</a:t>
             </a:r>
             <a:r>
-              <a:rPr lang="zh-CN" altLang="en-US" dirty="0" smtClean="0"/>
+              <a:rPr lang="zh-CN" altLang="en-US" dirty="0"/>
               <a:t>增大时，分辨下降，实际实验时可以对不同</a:t>
             </a:r>
             <a:r>
-              <a:rPr lang="en-US" altLang="zh-CN" dirty="0" smtClean="0"/>
+              <a:rPr lang="en-US" altLang="zh-CN" dirty="0"/>
               <a:t>cos_theta</a:t>
             </a:r>
             <a:r>
-              <a:rPr lang="zh-CN" altLang="en-US" dirty="0" smtClean="0"/>
+              <a:rPr lang="zh-CN" altLang="en-US" dirty="0"/>
               <a:t>放置不同厚度的物质</a:t>
             </a:r>
-            <a:endParaRPr lang="en-US" altLang="zh-CN" dirty="0" smtClean="0"/>
-          </a:p>
-          <a:p>
-            <a:r>
-              <a:rPr lang="zh-CN" altLang="en-US" dirty="0" smtClean="0"/>
+            <a:endParaRPr lang="en-US" altLang="zh-CN" dirty="0"/>
+          </a:p>
+          <a:p>
+            <a:r>
+              <a:rPr lang="zh-CN" altLang="en-US" dirty="0"/>
               <a:t>放入物质越多，反中子事例越多，但分辨会下降，可以用不同的放置方式平衡数量与质量的关系</a:t>
             </a:r>
-            <a:endParaRPr lang="en-US" altLang="zh-CN" dirty="0" smtClean="0"/>
+            <a:endParaRPr lang="en-US" altLang="zh-CN" dirty="0"/>
           </a:p>
           <a:p>
             <a:pPr lvl="1"/>
             <a:r>
-              <a:rPr lang="en-US" altLang="zh-CN" dirty="0" smtClean="0"/>
+              <a:rPr lang="en-US" altLang="zh-CN" dirty="0"/>
               <a:t>phi</a:t>
             </a:r>
             <a:r>
-              <a:rPr lang="zh-CN" altLang="en-US" dirty="0" smtClean="0"/>
+              <a:rPr lang="zh-CN" altLang="en-US" dirty="0"/>
               <a:t>方向只覆盖一部分，比如只覆盖</a:t>
             </a:r>
             <a:r>
-              <a:rPr lang="en-US" altLang="zh-CN" dirty="0" smtClean="0"/>
+              <a:rPr lang="en-US" altLang="zh-CN" dirty="0"/>
               <a:t>180°</a:t>
             </a:r>
           </a:p>
           <a:p>
             <a:pPr lvl="1"/>
             <a:r>
-              <a:rPr lang="en-US" altLang="zh-CN" dirty="0" smtClean="0"/>
+              <a:rPr lang="en-US" altLang="zh-CN" dirty="0"/>
               <a:t>z</a:t>
             </a:r>
             <a:r>
-              <a:rPr lang="zh-CN" altLang="en-US" dirty="0" smtClean="0"/>
+              <a:rPr lang="zh-CN" altLang="en-US" dirty="0"/>
               <a:t>轴只覆盖一部分，比如只覆盖</a:t>
             </a:r>
             <a:r>
-              <a:rPr lang="en-US" altLang="zh-CN" dirty="0" smtClean="0"/>
+              <a:rPr lang="en-US" altLang="zh-CN" dirty="0"/>
               <a:t>z&gt;0</a:t>
             </a:r>
             <a:endParaRPr lang="zh-CN" altLang="en-US" dirty="0"/>
@@ -5433,6 +5333,13 @@
   <p:clrMapOvr>
     <a:masterClrMapping/>
   </p:clrMapOvr>
+  <p:timing>
+    <p:tnLst>
+      <p:par>
+        <p:cTn id="1" dur="indefinite" restart="never" nodeType="tmRoot"/>
+      </p:par>
+    </p:tnLst>
+  </p:timing>
 </p:sld>
 </file>
 
@@ -5453,6 +5360,710 @@
           <a:chExt cx="0" cy="0"/>
         </a:xfrm>
       </p:grpSpPr>
+      <mc:AlternateContent xmlns:mc="http://schemas.openxmlformats.org/markup-compatibility/2006" xmlns:a14="http://schemas.microsoft.com/office/drawing/2010/main">
+        <mc:Choice Requires="a14">
+          <p:sp>
+            <p:nvSpPr>
+              <p:cNvPr id="2" name="标题 1"/>
+              <p:cNvSpPr>
+                <a:spLocks noGrp="1"/>
+              </p:cNvSpPr>
+              <p:nvPr>
+                <p:ph type="title"/>
+              </p:nvPr>
+            </p:nvSpPr>
+            <p:spPr/>
+            <p:txBody>
+              <a:bodyPr>
+                <a:normAutofit/>
+              </a:bodyPr>
+              <a:lstStyle/>
+              <a:p>
+                <a:r>
+                  <a:rPr lang="zh-CN" altLang="en-US" dirty="0"/>
+                  <a:t>模拟研究 </a:t>
+                </a:r>
+                <a:r>
+                  <a:rPr lang="en-US" altLang="zh-CN" dirty="0"/>
+                  <a:t>—— tag</a:t>
+                </a:r>
+                <a:r>
+                  <a:rPr lang="zh-CN" altLang="en-US" dirty="0"/>
+                  <a:t>粒子模拟  </a:t>
+                </a:r>
+                <a:r>
+                  <a:rPr lang="en-US" altLang="zh-CN" dirty="0"/>
+                  <a:t>p</a:t>
+                </a:r>
+                <a:r>
+                  <a:rPr lang="zh-CN" altLang="en-US" dirty="0"/>
+                  <a:t>依赖 </a:t>
+                </a:r>
+                <a:r>
+                  <a:rPr lang="en-US" altLang="zh-CN" dirty="0"/>
+                  <a:t>0.60&lt;</a:t>
+                </a:r>
+                <a14:m>
+                  <m:oMath xmlns:m="http://schemas.openxmlformats.org/officeDocument/2006/math">
+                    <m:r>
+                      <a:rPr lang="en-US" altLang="zh-CN" b="0" i="1" smtClean="0">
+                        <a:latin typeface="Cambria Math" panose="02040503050406030204" pitchFamily="18" charset="0"/>
+                      </a:rPr>
+                      <m:t>𝑐𝑜𝑠</m:t>
+                    </m:r>
+                    <m:r>
+                      <a:rPr lang="en-US" altLang="zh-CN" b="0" i="1" smtClean="0">
+                        <a:latin typeface="Cambria Math" panose="02040503050406030204" pitchFamily="18" charset="0"/>
+                      </a:rPr>
+                      <m:t>𝜃</m:t>
+                    </m:r>
+                  </m:oMath>
+                </a14:m>
+                <a:r>
+                  <a:rPr lang="en-US" altLang="zh-CN" dirty="0"/>
+                  <a:t>&lt;0.66</a:t>
+                </a:r>
+              </a:p>
+            </p:txBody>
+          </p:sp>
+        </mc:Choice>
+        <mc:Fallback xmlns="">
+          <p:sp>
+            <p:nvSpPr>
+              <p:cNvPr id="2" name="标题 1"/>
+              <p:cNvSpPr>
+                <a:spLocks noGrp="1" noRot="1" noChangeAspect="1" noMove="1" noResize="1" noEditPoints="1" noAdjustHandles="1" noChangeArrowheads="1" noChangeShapeType="1" noTextEdit="1"/>
+              </p:cNvSpPr>
+              <p:nvPr>
+                <p:ph type="title"/>
+              </p:nvPr>
+            </p:nvSpPr>
+            <p:spPr>
+              <a:blipFill>
+                <a:blip r:embed="rId2"/>
+                <a:stretch>
+                  <a:fillRect l="-1630" b="-26027"/>
+                </a:stretch>
+              </a:blipFill>
+            </p:spPr>
+            <p:txBody>
+              <a:bodyPr/>
+              <a:lstStyle/>
+              <a:p>
+                <a:r>
+                  <a:rPr lang="zh-CN" altLang="en-US">
+                    <a:noFill/>
+                  </a:rPr>
+                  <a:t> </a:t>
+                </a:r>
+              </a:p>
+            </p:txBody>
+          </p:sp>
+        </mc:Fallback>
+      </mc:AlternateContent>
+      <p:sp>
+        <p:nvSpPr>
+          <p:cNvPr id="4" name="日期占位符 3"/>
+          <p:cNvSpPr>
+            <a:spLocks noGrp="1"/>
+          </p:cNvSpPr>
+          <p:nvPr>
+            <p:ph type="dt" sz="half" idx="10"/>
+          </p:nvPr>
+        </p:nvSpPr>
+        <p:spPr/>
+        <p:txBody>
+          <a:bodyPr/>
+          <a:lstStyle/>
+          <a:p>
+            <a:fld id="{3F066E0A-57EC-403C-9412-4C2312A1DE14}" type="datetime1">
+              <a:rPr lang="zh-CN" altLang="en-US" smtClean="0"/>
+              <a:t>2023/1/17</a:t>
+            </a:fld>
+            <a:endParaRPr lang="zh-CN" altLang="en-US" dirty="0"/>
+          </a:p>
+        </p:txBody>
+      </p:sp>
+      <p:sp>
+        <p:nvSpPr>
+          <p:cNvPr id="5" name="灯片编号占位符 4"/>
+          <p:cNvSpPr>
+            <a:spLocks noGrp="1"/>
+          </p:cNvSpPr>
+          <p:nvPr>
+            <p:ph type="sldNum" sz="quarter" idx="12"/>
+          </p:nvPr>
+        </p:nvSpPr>
+        <p:spPr/>
+        <p:txBody>
+          <a:bodyPr/>
+          <a:lstStyle/>
+          <a:p>
+            <a:fld id="{90E01221-190F-488C-BDE8-A1E8F9F1EF4F}" type="slidenum">
+              <a:rPr lang="zh-CN" altLang="en-US" smtClean="0"/>
+              <a:pPr/>
+              <a:t>15</a:t>
+            </a:fld>
+            <a:endParaRPr lang="zh-CN" altLang="en-US" dirty="0"/>
+          </a:p>
+        </p:txBody>
+      </p:sp>
+      <p:grpSp>
+        <p:nvGrpSpPr>
+          <p:cNvPr id="21" name="组合 20"/>
+          <p:cNvGrpSpPr/>
+          <p:nvPr/>
+        </p:nvGrpSpPr>
+        <p:grpSpPr>
+          <a:xfrm>
+            <a:off x="482600" y="990600"/>
+            <a:ext cx="5286912" cy="5346700"/>
+            <a:chOff x="482600" y="990600"/>
+            <a:chExt cx="5286912" cy="5346700"/>
+          </a:xfrm>
+        </p:grpSpPr>
+        <p:pic>
+          <p:nvPicPr>
+            <p:cNvPr id="13" name="图片 12"/>
+            <p:cNvPicPr>
+              <a:picLocks noChangeAspect="1"/>
+            </p:cNvPicPr>
+            <p:nvPr/>
+          </p:nvPicPr>
+          <p:blipFill>
+            <a:blip r:embed="rId3"/>
+            <a:stretch>
+              <a:fillRect/>
+            </a:stretch>
+          </p:blipFill>
+          <p:spPr>
+            <a:xfrm>
+              <a:off x="482600" y="990600"/>
+              <a:ext cx="5286912" cy="1689709"/>
+            </a:xfrm>
+            <a:prstGeom prst="rect">
+              <a:avLst/>
+            </a:prstGeom>
+          </p:spPr>
+        </p:pic>
+        <p:pic>
+          <p:nvPicPr>
+            <p:cNvPr id="14" name="图片 13"/>
+            <p:cNvPicPr>
+              <a:picLocks noChangeAspect="1"/>
+            </p:cNvPicPr>
+            <p:nvPr/>
+          </p:nvPicPr>
+          <p:blipFill>
+            <a:blip r:embed="rId4"/>
+            <a:stretch>
+              <a:fillRect/>
+            </a:stretch>
+          </p:blipFill>
+          <p:spPr>
+            <a:xfrm>
+              <a:off x="482600" y="2781491"/>
+              <a:ext cx="5286912" cy="1689709"/>
+            </a:xfrm>
+            <a:prstGeom prst="rect">
+              <a:avLst/>
+            </a:prstGeom>
+          </p:spPr>
+        </p:pic>
+        <p:pic>
+          <p:nvPicPr>
+            <p:cNvPr id="15" name="图片 14"/>
+            <p:cNvPicPr>
+              <a:picLocks noChangeAspect="1"/>
+            </p:cNvPicPr>
+            <p:nvPr/>
+          </p:nvPicPr>
+          <p:blipFill>
+            <a:blip r:embed="rId5"/>
+            <a:stretch>
+              <a:fillRect/>
+            </a:stretch>
+          </p:blipFill>
+          <p:spPr>
+            <a:xfrm>
+              <a:off x="482600" y="4572381"/>
+              <a:ext cx="5286912" cy="1764919"/>
+            </a:xfrm>
+            <a:prstGeom prst="rect">
+              <a:avLst/>
+            </a:prstGeom>
+          </p:spPr>
+        </p:pic>
+      </p:grpSp>
+      <p:grpSp>
+        <p:nvGrpSpPr>
+          <p:cNvPr id="20" name="组合 19"/>
+          <p:cNvGrpSpPr/>
+          <p:nvPr/>
+        </p:nvGrpSpPr>
+        <p:grpSpPr>
+          <a:xfrm>
+            <a:off x="6409788" y="990600"/>
+            <a:ext cx="5286912" cy="5346700"/>
+            <a:chOff x="6409788" y="990600"/>
+            <a:chExt cx="5286912" cy="5346700"/>
+          </a:xfrm>
+        </p:grpSpPr>
+        <p:pic>
+          <p:nvPicPr>
+            <p:cNvPr id="17" name="图片 16"/>
+            <p:cNvPicPr>
+              <a:picLocks noChangeAspect="1"/>
+            </p:cNvPicPr>
+            <p:nvPr/>
+          </p:nvPicPr>
+          <p:blipFill>
+            <a:blip r:embed="rId6"/>
+            <a:stretch>
+              <a:fillRect/>
+            </a:stretch>
+          </p:blipFill>
+          <p:spPr>
+            <a:xfrm>
+              <a:off x="6409788" y="990600"/>
+              <a:ext cx="5286912" cy="1689709"/>
+            </a:xfrm>
+            <a:prstGeom prst="rect">
+              <a:avLst/>
+            </a:prstGeom>
+          </p:spPr>
+        </p:pic>
+        <p:pic>
+          <p:nvPicPr>
+            <p:cNvPr id="18" name="图片 17"/>
+            <p:cNvPicPr>
+              <a:picLocks noChangeAspect="1"/>
+            </p:cNvPicPr>
+            <p:nvPr/>
+          </p:nvPicPr>
+          <p:blipFill>
+            <a:blip r:embed="rId7"/>
+            <a:stretch>
+              <a:fillRect/>
+            </a:stretch>
+          </p:blipFill>
+          <p:spPr>
+            <a:xfrm>
+              <a:off x="6409788" y="2781491"/>
+              <a:ext cx="5286912" cy="1689709"/>
+            </a:xfrm>
+            <a:prstGeom prst="rect">
+              <a:avLst/>
+            </a:prstGeom>
+          </p:spPr>
+        </p:pic>
+        <p:pic>
+          <p:nvPicPr>
+            <p:cNvPr id="19" name="图片 18"/>
+            <p:cNvPicPr>
+              <a:picLocks noChangeAspect="1"/>
+            </p:cNvPicPr>
+            <p:nvPr/>
+          </p:nvPicPr>
+          <p:blipFill>
+            <a:blip r:embed="rId8"/>
+            <a:stretch>
+              <a:fillRect/>
+            </a:stretch>
+          </p:blipFill>
+          <p:spPr>
+            <a:xfrm>
+              <a:off x="6409788" y="4572381"/>
+              <a:ext cx="5286912" cy="1764919"/>
+            </a:xfrm>
+            <a:prstGeom prst="rect">
+              <a:avLst/>
+            </a:prstGeom>
+          </p:spPr>
+        </p:pic>
+      </p:grpSp>
+    </p:spTree>
+    <p:extLst>
+      <p:ext uri="{BB962C8B-B14F-4D97-AF65-F5344CB8AC3E}">
+        <p14:creationId xmlns:p14="http://schemas.microsoft.com/office/powerpoint/2010/main" val="3057763054"/>
+      </p:ext>
+    </p:extLst>
+  </p:cSld>
+  <p:clrMapOvr>
+    <a:masterClrMapping/>
+  </p:clrMapOvr>
+  <p:timing>
+    <p:tnLst>
+      <p:par>
+        <p:cTn id="1" dur="indefinite" restart="never" nodeType="tmRoot"/>
+      </p:par>
+    </p:tnLst>
+  </p:timing>
+</p:sld>
+</file>
+
+<file path=ppt/slides/slide16.xml><?xml version="1.0" encoding="utf-8"?>
+<p:sld xmlns:a="http://schemas.openxmlformats.org/drawingml/2006/main" xmlns:r="http://schemas.openxmlformats.org/officeDocument/2006/relationships" xmlns:p="http://schemas.openxmlformats.org/presentationml/2006/main">
+  <p:cSld>
+    <p:spTree>
+      <p:nvGrpSpPr>
+        <p:cNvPr id="1" name=""/>
+        <p:cNvGrpSpPr/>
+        <p:nvPr/>
+      </p:nvGrpSpPr>
+      <p:grpSpPr>
+        <a:xfrm>
+          <a:off x="0" y="0"/>
+          <a:ext cx="0" cy="0"/>
+          <a:chOff x="0" y="0"/>
+          <a:chExt cx="0" cy="0"/>
+        </a:xfrm>
+      </p:grpSpPr>
+      <mc:AlternateContent xmlns:mc="http://schemas.openxmlformats.org/markup-compatibility/2006" xmlns:a14="http://schemas.microsoft.com/office/drawing/2010/main">
+        <mc:Choice Requires="a14">
+          <p:sp>
+            <p:nvSpPr>
+              <p:cNvPr id="2" name="标题 1"/>
+              <p:cNvSpPr>
+                <a:spLocks noGrp="1"/>
+              </p:cNvSpPr>
+              <p:nvPr>
+                <p:ph type="title"/>
+              </p:nvPr>
+            </p:nvSpPr>
+            <p:spPr/>
+            <p:txBody>
+              <a:bodyPr>
+                <a:normAutofit/>
+              </a:bodyPr>
+              <a:lstStyle/>
+              <a:p>
+                <a:r>
+                  <a:rPr lang="zh-CN" altLang="en-US" dirty="0"/>
+                  <a:t>模拟研究 </a:t>
+                </a:r>
+                <a:r>
+                  <a:rPr lang="en-US" altLang="zh-CN" dirty="0"/>
+                  <a:t>—— tag</a:t>
+                </a:r>
+                <a:r>
+                  <a:rPr lang="zh-CN" altLang="en-US" dirty="0"/>
+                  <a:t>粒子模拟  </a:t>
+                </a:r>
+                <a14:m>
+                  <m:oMath xmlns:m="http://schemas.openxmlformats.org/officeDocument/2006/math">
+                    <m:r>
+                      <a:rPr lang="en-US" altLang="zh-CN" b="0" i="1" smtClean="0">
+                        <a:latin typeface="Cambria Math" panose="02040503050406030204" pitchFamily="18" charset="0"/>
+                      </a:rPr>
+                      <m:t>𝜃</m:t>
+                    </m:r>
+                  </m:oMath>
+                </a14:m>
+                <a:r>
+                  <a:rPr lang="zh-CN" altLang="en-US" dirty="0"/>
+                  <a:t>依赖 </a:t>
+                </a:r>
+                <a:r>
+                  <a:rPr lang="en-US" altLang="zh-CN" dirty="0"/>
+                  <a:t>0.34&lt;p&lt;0.36</a:t>
+                </a:r>
+              </a:p>
+            </p:txBody>
+          </p:sp>
+        </mc:Choice>
+        <mc:Fallback xmlns="">
+          <p:sp>
+            <p:nvSpPr>
+              <p:cNvPr id="2" name="标题 1"/>
+              <p:cNvSpPr>
+                <a:spLocks noGrp="1" noRot="1" noChangeAspect="1" noMove="1" noResize="1" noEditPoints="1" noAdjustHandles="1" noChangeArrowheads="1" noChangeShapeType="1" noTextEdit="1"/>
+              </p:cNvSpPr>
+              <p:nvPr>
+                <p:ph type="title"/>
+              </p:nvPr>
+            </p:nvSpPr>
+            <p:spPr>
+              <a:blipFill>
+                <a:blip r:embed="rId2"/>
+                <a:stretch>
+                  <a:fillRect l="-1630" b="-26027"/>
+                </a:stretch>
+              </a:blipFill>
+            </p:spPr>
+            <p:txBody>
+              <a:bodyPr/>
+              <a:lstStyle/>
+              <a:p>
+                <a:r>
+                  <a:rPr lang="zh-CN" altLang="en-US">
+                    <a:noFill/>
+                  </a:rPr>
+                  <a:t> </a:t>
+                </a:r>
+              </a:p>
+            </p:txBody>
+          </p:sp>
+        </mc:Fallback>
+      </mc:AlternateContent>
+      <p:sp>
+        <p:nvSpPr>
+          <p:cNvPr id="4" name="日期占位符 3"/>
+          <p:cNvSpPr>
+            <a:spLocks noGrp="1"/>
+          </p:cNvSpPr>
+          <p:nvPr>
+            <p:ph type="dt" sz="half" idx="10"/>
+          </p:nvPr>
+        </p:nvSpPr>
+        <p:spPr/>
+        <p:txBody>
+          <a:bodyPr/>
+          <a:lstStyle/>
+          <a:p>
+            <a:fld id="{3F066E0A-57EC-403C-9412-4C2312A1DE14}" type="datetime1">
+              <a:rPr lang="zh-CN" altLang="en-US" smtClean="0"/>
+              <a:t>2023/1/17</a:t>
+            </a:fld>
+            <a:endParaRPr lang="zh-CN" altLang="en-US" dirty="0"/>
+          </a:p>
+        </p:txBody>
+      </p:sp>
+      <p:sp>
+        <p:nvSpPr>
+          <p:cNvPr id="5" name="灯片编号占位符 4"/>
+          <p:cNvSpPr>
+            <a:spLocks noGrp="1"/>
+          </p:cNvSpPr>
+          <p:nvPr>
+            <p:ph type="sldNum" sz="quarter" idx="12"/>
+          </p:nvPr>
+        </p:nvSpPr>
+        <p:spPr/>
+        <p:txBody>
+          <a:bodyPr/>
+          <a:lstStyle/>
+          <a:p>
+            <a:fld id="{90E01221-190F-488C-BDE8-A1E8F9F1EF4F}" type="slidenum">
+              <a:rPr lang="zh-CN" altLang="en-US" smtClean="0"/>
+              <a:pPr/>
+              <a:t>16</a:t>
+            </a:fld>
+            <a:endParaRPr lang="zh-CN" altLang="en-US" dirty="0"/>
+          </a:p>
+        </p:txBody>
+      </p:sp>
+      <p:grpSp>
+        <p:nvGrpSpPr>
+          <p:cNvPr id="12" name="组合 11"/>
+          <p:cNvGrpSpPr/>
+          <p:nvPr/>
+        </p:nvGrpSpPr>
+        <p:grpSpPr>
+          <a:xfrm>
+            <a:off x="482600" y="990600"/>
+            <a:ext cx="5286912" cy="5346700"/>
+            <a:chOff x="482600" y="990600"/>
+            <a:chExt cx="5286912" cy="5346700"/>
+          </a:xfrm>
+        </p:grpSpPr>
+        <p:pic>
+          <p:nvPicPr>
+            <p:cNvPr id="3" name="图片 2"/>
+            <p:cNvPicPr>
+              <a:picLocks noChangeAspect="1"/>
+            </p:cNvPicPr>
+            <p:nvPr/>
+          </p:nvPicPr>
+          <p:blipFill>
+            <a:blip r:embed="rId3"/>
+            <a:stretch>
+              <a:fillRect/>
+            </a:stretch>
+          </p:blipFill>
+          <p:spPr>
+            <a:xfrm>
+              <a:off x="482600" y="990600"/>
+              <a:ext cx="5286912" cy="1697219"/>
+            </a:xfrm>
+            <a:prstGeom prst="rect">
+              <a:avLst/>
+            </a:prstGeom>
+          </p:spPr>
+        </p:pic>
+        <p:pic>
+          <p:nvPicPr>
+            <p:cNvPr id="6" name="图片 5"/>
+            <p:cNvPicPr>
+              <a:picLocks noChangeAspect="1"/>
+            </p:cNvPicPr>
+            <p:nvPr/>
+          </p:nvPicPr>
+          <p:blipFill>
+            <a:blip r:embed="rId4"/>
+            <a:stretch>
+              <a:fillRect/>
+            </a:stretch>
+          </p:blipFill>
+          <p:spPr>
+            <a:xfrm>
+              <a:off x="482600" y="2815341"/>
+              <a:ext cx="5286912" cy="1697219"/>
+            </a:xfrm>
+            <a:prstGeom prst="rect">
+              <a:avLst/>
+            </a:prstGeom>
+          </p:spPr>
+        </p:pic>
+        <p:pic>
+          <p:nvPicPr>
+            <p:cNvPr id="7" name="图片 6"/>
+            <p:cNvPicPr>
+              <a:picLocks noChangeAspect="1"/>
+            </p:cNvPicPr>
+            <p:nvPr/>
+          </p:nvPicPr>
+          <p:blipFill>
+            <a:blip r:embed="rId5"/>
+            <a:stretch>
+              <a:fillRect/>
+            </a:stretch>
+          </p:blipFill>
+          <p:spPr>
+            <a:xfrm>
+              <a:off x="482600" y="4640081"/>
+              <a:ext cx="5286912" cy="1697219"/>
+            </a:xfrm>
+            <a:prstGeom prst="rect">
+              <a:avLst/>
+            </a:prstGeom>
+          </p:spPr>
+        </p:pic>
+      </p:grpSp>
+      <p:grpSp>
+        <p:nvGrpSpPr>
+          <p:cNvPr id="11" name="组合 10"/>
+          <p:cNvGrpSpPr/>
+          <p:nvPr/>
+        </p:nvGrpSpPr>
+        <p:grpSpPr>
+          <a:xfrm>
+            <a:off x="6409788" y="990600"/>
+            <a:ext cx="5286912" cy="5346700"/>
+            <a:chOff x="6409788" y="990600"/>
+            <a:chExt cx="5286912" cy="5346700"/>
+          </a:xfrm>
+        </p:grpSpPr>
+        <p:pic>
+          <p:nvPicPr>
+            <p:cNvPr id="8" name="图片 7"/>
+            <p:cNvPicPr>
+              <a:picLocks noChangeAspect="1"/>
+            </p:cNvPicPr>
+            <p:nvPr/>
+          </p:nvPicPr>
+          <p:blipFill>
+            <a:blip r:embed="rId6"/>
+            <a:stretch>
+              <a:fillRect/>
+            </a:stretch>
+          </p:blipFill>
+          <p:spPr>
+            <a:xfrm>
+              <a:off x="6409788" y="990600"/>
+              <a:ext cx="5286912" cy="1697219"/>
+            </a:xfrm>
+            <a:prstGeom prst="rect">
+              <a:avLst/>
+            </a:prstGeom>
+          </p:spPr>
+        </p:pic>
+        <p:pic>
+          <p:nvPicPr>
+            <p:cNvPr id="9" name="图片 8"/>
+            <p:cNvPicPr>
+              <a:picLocks noChangeAspect="1"/>
+            </p:cNvPicPr>
+            <p:nvPr/>
+          </p:nvPicPr>
+          <p:blipFill>
+            <a:blip r:embed="rId7"/>
+            <a:stretch>
+              <a:fillRect/>
+            </a:stretch>
+          </p:blipFill>
+          <p:spPr>
+            <a:xfrm>
+              <a:off x="6409788" y="2815341"/>
+              <a:ext cx="5286912" cy="1697219"/>
+            </a:xfrm>
+            <a:prstGeom prst="rect">
+              <a:avLst/>
+            </a:prstGeom>
+          </p:spPr>
+        </p:pic>
+        <p:pic>
+          <p:nvPicPr>
+            <p:cNvPr id="10" name="图片 9"/>
+            <p:cNvPicPr>
+              <a:picLocks noChangeAspect="1"/>
+            </p:cNvPicPr>
+            <p:nvPr/>
+          </p:nvPicPr>
+          <p:blipFill>
+            <a:blip r:embed="rId8"/>
+            <a:stretch>
+              <a:fillRect/>
+            </a:stretch>
+          </p:blipFill>
+          <p:spPr>
+            <a:xfrm>
+              <a:off x="6409788" y="4640081"/>
+              <a:ext cx="5286912" cy="1697219"/>
+            </a:xfrm>
+            <a:prstGeom prst="rect">
+              <a:avLst/>
+            </a:prstGeom>
+          </p:spPr>
+        </p:pic>
+      </p:grpSp>
+    </p:spTree>
+    <p:extLst>
+      <p:ext uri="{BB962C8B-B14F-4D97-AF65-F5344CB8AC3E}">
+        <p14:creationId xmlns:p14="http://schemas.microsoft.com/office/powerpoint/2010/main" val="2512146271"/>
+      </p:ext>
+    </p:extLst>
+  </p:cSld>
+  <p:clrMapOvr>
+    <a:masterClrMapping/>
+  </p:clrMapOvr>
+  <p:timing>
+    <p:tnLst>
+      <p:par>
+        <p:cTn id="1" dur="indefinite" restart="never" nodeType="tmRoot"/>
+      </p:par>
+    </p:tnLst>
+  </p:timing>
+</p:sld>
+</file>
+
+<file path=ppt/slides/slide17.xml><?xml version="1.0" encoding="utf-8"?>
+<p:sld xmlns:a="http://schemas.openxmlformats.org/drawingml/2006/main" xmlns:r="http://schemas.openxmlformats.org/officeDocument/2006/relationships" xmlns:p="http://schemas.openxmlformats.org/presentationml/2006/main">
+  <p:cSld>
+    <p:spTree>
+      <p:nvGrpSpPr>
+        <p:cNvPr id="1" name=""/>
+        <p:cNvGrpSpPr/>
+        <p:nvPr/>
+      </p:nvGrpSpPr>
+      <p:grpSpPr>
+        <a:xfrm>
+          <a:off x="0" y="0"/>
+          <a:ext cx="0" cy="0"/>
+          <a:chOff x="0" y="0"/>
+          <a:chExt cx="0" cy="0"/>
+        </a:xfrm>
+      </p:grpSpPr>
       <p:sp>
         <p:nvSpPr>
           <p:cNvPr id="2" name="标题 1"/>
@@ -5471,34 +6082,18 @@
           <a:lstStyle/>
           <a:p>
             <a:r>
-              <a:rPr lang="zh-CN" altLang="en-US" dirty="0" smtClean="0"/>
-              <a:t>附录</a:t>
+              <a:rPr lang="zh-CN" altLang="en-US" dirty="0"/>
+              <a:t>模拟研究 </a:t>
+            </a:r>
+            <a:r>
+              <a:rPr lang="en-US" altLang="zh-CN" dirty="0"/>
+              <a:t>——tag</a:t>
+            </a:r>
+            <a:r>
+              <a:rPr lang="zh-CN" altLang="en-US" dirty="0"/>
+              <a:t>粒子模拟 </a:t>
             </a:r>
             <a:endParaRPr lang="en-US" altLang="zh-CN" dirty="0"/>
-          </a:p>
-        </p:txBody>
-      </p:sp>
-      <p:sp>
-        <p:nvSpPr>
-          <p:cNvPr id="3" name="内容占位符 2"/>
-          <p:cNvSpPr>
-            <a:spLocks noGrp="1"/>
-          </p:cNvSpPr>
-          <p:nvPr>
-            <p:ph sz="quarter" idx="13"/>
-          </p:nvPr>
-        </p:nvSpPr>
-        <p:spPr>
-          <a:xfrm>
-            <a:off x="482600" y="1027889"/>
-            <a:ext cx="11214100" cy="5328770"/>
-          </a:xfrm>
-        </p:spPr>
-        <p:txBody>
-          <a:bodyPr/>
-          <a:lstStyle/>
-          <a:p>
-            <a:endParaRPr lang="zh-CN" altLang="en-US" dirty="0"/>
           </a:p>
         </p:txBody>
       </p:sp>
@@ -5519,7 +6114,7 @@
           <a:p>
             <a:fld id="{3F066E0A-57EC-403C-9412-4C2312A1DE14}" type="datetime1">
               <a:rPr lang="zh-CN" altLang="en-US" smtClean="0"/>
-              <a:t>2023/1/14</a:t>
+              <a:t>2023/1/17</a:t>
             </a:fld>
             <a:endParaRPr lang="zh-CN" altLang="en-US" dirty="0"/>
           </a:p>
@@ -5543,16 +6138,572 @@
             <a:fld id="{90E01221-190F-488C-BDE8-A1E8F9F1EF4F}" type="slidenum">
               <a:rPr lang="zh-CN" altLang="en-US" smtClean="0"/>
               <a:pPr/>
-              <a:t>15</a:t>
+              <a:t>17</a:t>
             </a:fld>
             <a:endParaRPr lang="zh-CN" altLang="en-US" dirty="0"/>
           </a:p>
         </p:txBody>
       </p:sp>
+      <p:sp>
+        <p:nvSpPr>
+          <p:cNvPr id="11" name="内容占位符 2"/>
+          <p:cNvSpPr>
+            <a:spLocks noGrp="1"/>
+          </p:cNvSpPr>
+          <p:nvPr>
+            <p:ph sz="quarter" idx="13"/>
+          </p:nvPr>
+        </p:nvSpPr>
+        <p:spPr>
+          <a:xfrm>
+            <a:off x="482600" y="1027889"/>
+            <a:ext cx="11214100" cy="703013"/>
+          </a:xfrm>
+        </p:spPr>
+        <p:txBody>
+          <a:bodyPr/>
+          <a:lstStyle/>
+          <a:p>
+            <a:r>
+              <a:rPr lang="zh-CN" altLang="en-US" dirty="0"/>
+              <a:t>效率对动量的依赖（所有</a:t>
+            </a:r>
+            <a:r>
+              <a:rPr lang="en-US" altLang="zh-CN" dirty="0"/>
+              <a:t>theta</a:t>
+            </a:r>
+            <a:r>
+              <a:rPr lang="zh-CN" altLang="en-US" dirty="0"/>
+              <a:t>求和）</a:t>
+            </a:r>
+          </a:p>
+        </p:txBody>
+      </p:sp>
+      <p:grpSp>
+        <p:nvGrpSpPr>
+          <p:cNvPr id="10" name="组合 9"/>
+          <p:cNvGrpSpPr/>
+          <p:nvPr/>
+        </p:nvGrpSpPr>
+        <p:grpSpPr>
+          <a:xfrm>
+            <a:off x="495300" y="2096154"/>
+            <a:ext cx="11201400" cy="3282585"/>
+            <a:chOff x="495300" y="2096154"/>
+            <a:chExt cx="11201400" cy="3282585"/>
+          </a:xfrm>
+        </p:grpSpPr>
+        <p:pic>
+          <p:nvPicPr>
+            <p:cNvPr id="8" name="图片 7"/>
+            <p:cNvPicPr>
+              <a:picLocks noChangeAspect="1"/>
+            </p:cNvPicPr>
+            <p:nvPr/>
+          </p:nvPicPr>
+          <p:blipFill>
+            <a:blip r:embed="rId2"/>
+            <a:stretch>
+              <a:fillRect/>
+            </a:stretch>
+          </p:blipFill>
+          <p:spPr>
+            <a:xfrm>
+              <a:off x="495300" y="2145001"/>
+              <a:ext cx="5600700" cy="3233738"/>
+            </a:xfrm>
+            <a:prstGeom prst="rect">
+              <a:avLst/>
+            </a:prstGeom>
+          </p:spPr>
+        </p:pic>
+        <p:pic>
+          <p:nvPicPr>
+            <p:cNvPr id="9" name="图片 8"/>
+            <p:cNvPicPr>
+              <a:picLocks noChangeAspect="1"/>
+            </p:cNvPicPr>
+            <p:nvPr/>
+          </p:nvPicPr>
+          <p:blipFill>
+            <a:blip r:embed="rId3"/>
+            <a:stretch>
+              <a:fillRect/>
+            </a:stretch>
+          </p:blipFill>
+          <p:spPr>
+            <a:xfrm>
+              <a:off x="6096000" y="2096154"/>
+              <a:ext cx="5600700" cy="3282585"/>
+            </a:xfrm>
+            <a:prstGeom prst="rect">
+              <a:avLst/>
+            </a:prstGeom>
+          </p:spPr>
+        </p:pic>
+      </p:grpSp>
     </p:spTree>
     <p:extLst>
       <p:ext uri="{BB962C8B-B14F-4D97-AF65-F5344CB8AC3E}">
-        <p14:creationId xmlns:p14="http://schemas.microsoft.com/office/powerpoint/2010/main" val="4170972374"/>
+        <p14:creationId xmlns:p14="http://schemas.microsoft.com/office/powerpoint/2010/main" val="752462477"/>
+      </p:ext>
+    </p:extLst>
+  </p:cSld>
+  <p:clrMapOvr>
+    <a:masterClrMapping/>
+  </p:clrMapOvr>
+  <p:timing>
+    <p:tnLst>
+      <p:par>
+        <p:cTn id="1" dur="indefinite" restart="never" nodeType="tmRoot"/>
+      </p:par>
+    </p:tnLst>
+  </p:timing>
+</p:sld>
+</file>
+
+<file path=ppt/slides/slide18.xml><?xml version="1.0" encoding="utf-8"?>
+<p:sld xmlns:a="http://schemas.openxmlformats.org/drawingml/2006/main" xmlns:r="http://schemas.openxmlformats.org/officeDocument/2006/relationships" xmlns:p="http://schemas.openxmlformats.org/presentationml/2006/main">
+  <p:cSld>
+    <p:spTree>
+      <p:nvGrpSpPr>
+        <p:cNvPr id="1" name=""/>
+        <p:cNvGrpSpPr/>
+        <p:nvPr/>
+      </p:nvGrpSpPr>
+      <p:grpSpPr>
+        <a:xfrm>
+          <a:off x="0" y="0"/>
+          <a:ext cx="0" cy="0"/>
+          <a:chOff x="0" y="0"/>
+          <a:chExt cx="0" cy="0"/>
+        </a:xfrm>
+      </p:grpSpPr>
+      <p:sp>
+        <p:nvSpPr>
+          <p:cNvPr id="2" name="标题 1"/>
+          <p:cNvSpPr>
+            <a:spLocks noGrp="1"/>
+          </p:cNvSpPr>
+          <p:nvPr>
+            <p:ph type="title"/>
+          </p:nvPr>
+        </p:nvSpPr>
+        <p:spPr/>
+        <p:txBody>
+          <a:bodyPr>
+            <a:normAutofit/>
+          </a:bodyPr>
+          <a:lstStyle/>
+          <a:p>
+            <a:r>
+              <a:rPr lang="zh-CN" altLang="en-US" dirty="0"/>
+              <a:t>模拟研究 </a:t>
+            </a:r>
+            <a:r>
+              <a:rPr lang="en-US" altLang="zh-CN" dirty="0"/>
+              <a:t>——tag</a:t>
+            </a:r>
+            <a:r>
+              <a:rPr lang="zh-CN" altLang="en-US" dirty="0"/>
+              <a:t>粒子模拟 </a:t>
+            </a:r>
+            <a:endParaRPr lang="en-US" altLang="zh-CN" dirty="0"/>
+          </a:p>
+        </p:txBody>
+      </p:sp>
+      <p:sp>
+        <p:nvSpPr>
+          <p:cNvPr id="4" name="日期占位符 3"/>
+          <p:cNvSpPr>
+            <a:spLocks noGrp="1"/>
+          </p:cNvSpPr>
+          <p:nvPr>
+            <p:ph type="dt" sz="half" idx="10"/>
+          </p:nvPr>
+        </p:nvSpPr>
+        <p:spPr/>
+        <p:txBody>
+          <a:bodyPr/>
+          <a:lstStyle/>
+          <a:p>
+            <a:fld id="{3F066E0A-57EC-403C-9412-4C2312A1DE14}" type="datetime1">
+              <a:rPr lang="zh-CN" altLang="en-US" smtClean="0"/>
+              <a:t>2023/1/17</a:t>
+            </a:fld>
+            <a:endParaRPr lang="zh-CN" altLang="en-US" dirty="0"/>
+          </a:p>
+        </p:txBody>
+      </p:sp>
+      <p:sp>
+        <p:nvSpPr>
+          <p:cNvPr id="5" name="灯片编号占位符 4"/>
+          <p:cNvSpPr>
+            <a:spLocks noGrp="1"/>
+          </p:cNvSpPr>
+          <p:nvPr>
+            <p:ph type="sldNum" sz="quarter" idx="12"/>
+          </p:nvPr>
+        </p:nvSpPr>
+        <p:spPr/>
+        <p:txBody>
+          <a:bodyPr/>
+          <a:lstStyle/>
+          <a:p>
+            <a:fld id="{90E01221-190F-488C-BDE8-A1E8F9F1EF4F}" type="slidenum">
+              <a:rPr lang="zh-CN" altLang="en-US" smtClean="0"/>
+              <a:pPr/>
+              <a:t>18</a:t>
+            </a:fld>
+            <a:endParaRPr lang="zh-CN" altLang="en-US" dirty="0"/>
+          </a:p>
+        </p:txBody>
+      </p:sp>
+      <p:sp>
+        <p:nvSpPr>
+          <p:cNvPr id="11" name="内容占位符 2"/>
+          <p:cNvSpPr>
+            <a:spLocks noGrp="1"/>
+          </p:cNvSpPr>
+          <p:nvPr>
+            <p:ph sz="quarter" idx="13"/>
+          </p:nvPr>
+        </p:nvSpPr>
+        <p:spPr>
+          <a:xfrm>
+            <a:off x="482600" y="1027889"/>
+            <a:ext cx="11214100" cy="703013"/>
+          </a:xfrm>
+        </p:spPr>
+        <p:txBody>
+          <a:bodyPr/>
+          <a:lstStyle/>
+          <a:p>
+            <a:r>
+              <a:rPr lang="zh-CN" altLang="en-US" dirty="0"/>
+              <a:t>效率对</a:t>
+            </a:r>
+            <a:r>
+              <a:rPr lang="en-US" altLang="zh-CN" dirty="0"/>
+              <a:t>theta</a:t>
+            </a:r>
+            <a:r>
+              <a:rPr lang="zh-CN" altLang="en-US" dirty="0"/>
+              <a:t>的依赖（所有动量求和）</a:t>
+            </a:r>
+          </a:p>
+        </p:txBody>
+      </p:sp>
+      <p:grpSp>
+        <p:nvGrpSpPr>
+          <p:cNvPr id="7" name="组合 6"/>
+          <p:cNvGrpSpPr/>
+          <p:nvPr/>
+        </p:nvGrpSpPr>
+        <p:grpSpPr>
+          <a:xfrm>
+            <a:off x="482600" y="2120962"/>
+            <a:ext cx="11214099" cy="3257777"/>
+            <a:chOff x="482600" y="2120962"/>
+            <a:chExt cx="11214099" cy="3257777"/>
+          </a:xfrm>
+        </p:grpSpPr>
+        <p:pic>
+          <p:nvPicPr>
+            <p:cNvPr id="3" name="图片 2"/>
+            <p:cNvPicPr>
+              <a:picLocks noChangeAspect="1"/>
+            </p:cNvPicPr>
+            <p:nvPr/>
+          </p:nvPicPr>
+          <p:blipFill>
+            <a:blip r:embed="rId2"/>
+            <a:stretch>
+              <a:fillRect/>
+            </a:stretch>
+          </p:blipFill>
+          <p:spPr>
+            <a:xfrm>
+              <a:off x="482600" y="2120962"/>
+              <a:ext cx="5613400" cy="3257777"/>
+            </a:xfrm>
+            <a:prstGeom prst="rect">
+              <a:avLst/>
+            </a:prstGeom>
+          </p:spPr>
+        </p:pic>
+        <p:pic>
+          <p:nvPicPr>
+            <p:cNvPr id="6" name="图片 5"/>
+            <p:cNvPicPr>
+              <a:picLocks noChangeAspect="1"/>
+            </p:cNvPicPr>
+            <p:nvPr/>
+          </p:nvPicPr>
+          <p:blipFill>
+            <a:blip r:embed="rId3"/>
+            <a:stretch>
+              <a:fillRect/>
+            </a:stretch>
+          </p:blipFill>
+          <p:spPr>
+            <a:xfrm>
+              <a:off x="6095999" y="2120962"/>
+              <a:ext cx="5600700" cy="3250406"/>
+            </a:xfrm>
+            <a:prstGeom prst="rect">
+              <a:avLst/>
+            </a:prstGeom>
+          </p:spPr>
+        </p:pic>
+      </p:grpSp>
+    </p:spTree>
+    <p:extLst>
+      <p:ext uri="{BB962C8B-B14F-4D97-AF65-F5344CB8AC3E}">
+        <p14:creationId xmlns:p14="http://schemas.microsoft.com/office/powerpoint/2010/main" val="3954912831"/>
+      </p:ext>
+    </p:extLst>
+  </p:cSld>
+  <p:clrMapOvr>
+    <a:masterClrMapping/>
+  </p:clrMapOvr>
+  <p:timing>
+    <p:tnLst>
+      <p:par>
+        <p:cTn id="1" dur="indefinite" restart="never" nodeType="tmRoot"/>
+      </p:par>
+    </p:tnLst>
+  </p:timing>
+</p:sld>
+</file>
+
+<file path=ppt/slides/slide19.xml><?xml version="1.0" encoding="utf-8"?>
+<p:sld xmlns:a="http://schemas.openxmlformats.org/drawingml/2006/main" xmlns:r="http://schemas.openxmlformats.org/officeDocument/2006/relationships" xmlns:p="http://schemas.openxmlformats.org/presentationml/2006/main">
+  <p:cSld>
+    <p:spTree>
+      <p:nvGrpSpPr>
+        <p:cNvPr id="1" name=""/>
+        <p:cNvGrpSpPr/>
+        <p:nvPr/>
+      </p:nvGrpSpPr>
+      <p:grpSpPr>
+        <a:xfrm>
+          <a:off x="0" y="0"/>
+          <a:ext cx="0" cy="0"/>
+          <a:chOff x="0" y="0"/>
+          <a:chExt cx="0" cy="0"/>
+        </a:xfrm>
+      </p:grpSpPr>
+      <p:sp>
+        <p:nvSpPr>
+          <p:cNvPr id="2" name="标题 1"/>
+          <p:cNvSpPr>
+            <a:spLocks noGrp="1"/>
+          </p:cNvSpPr>
+          <p:nvPr>
+            <p:ph type="title"/>
+          </p:nvPr>
+        </p:nvSpPr>
+        <p:spPr/>
+        <p:txBody>
+          <a:bodyPr>
+            <a:normAutofit/>
+          </a:bodyPr>
+          <a:lstStyle/>
+          <a:p>
+            <a:r>
+              <a:rPr lang="zh-CN" altLang="en-US" dirty="0"/>
+              <a:t>模拟研究 </a:t>
+            </a:r>
+            <a:r>
+              <a:rPr lang="en-US" altLang="zh-CN" dirty="0"/>
+              <a:t>——tag</a:t>
+            </a:r>
+            <a:r>
+              <a:rPr lang="zh-CN" altLang="en-US" dirty="0"/>
+              <a:t>粒子模拟 </a:t>
+            </a:r>
+            <a:endParaRPr lang="en-US" altLang="zh-CN" dirty="0"/>
+          </a:p>
+        </p:txBody>
+      </p:sp>
+      <p:sp>
+        <p:nvSpPr>
+          <p:cNvPr id="4" name="日期占位符 3"/>
+          <p:cNvSpPr>
+            <a:spLocks noGrp="1"/>
+          </p:cNvSpPr>
+          <p:nvPr>
+            <p:ph type="dt" sz="half" idx="10"/>
+          </p:nvPr>
+        </p:nvSpPr>
+        <p:spPr/>
+        <p:txBody>
+          <a:bodyPr/>
+          <a:lstStyle/>
+          <a:p>
+            <a:fld id="{3F066E0A-57EC-403C-9412-4C2312A1DE14}" type="datetime1">
+              <a:rPr lang="zh-CN" altLang="en-US" smtClean="0"/>
+              <a:t>2023/1/17</a:t>
+            </a:fld>
+            <a:endParaRPr lang="zh-CN" altLang="en-US" dirty="0"/>
+          </a:p>
+        </p:txBody>
+      </p:sp>
+      <p:sp>
+        <p:nvSpPr>
+          <p:cNvPr id="5" name="灯片编号占位符 4"/>
+          <p:cNvSpPr>
+            <a:spLocks noGrp="1"/>
+          </p:cNvSpPr>
+          <p:nvPr>
+            <p:ph type="sldNum" sz="quarter" idx="12"/>
+          </p:nvPr>
+        </p:nvSpPr>
+        <p:spPr/>
+        <p:txBody>
+          <a:bodyPr/>
+          <a:lstStyle/>
+          <a:p>
+            <a:fld id="{90E01221-190F-488C-BDE8-A1E8F9F1EF4F}" type="slidenum">
+              <a:rPr lang="zh-CN" altLang="en-US" smtClean="0"/>
+              <a:pPr/>
+              <a:t>19</a:t>
+            </a:fld>
+            <a:endParaRPr lang="zh-CN" altLang="en-US" dirty="0"/>
+          </a:p>
+        </p:txBody>
+      </p:sp>
+      <p:sp>
+        <p:nvSpPr>
+          <p:cNvPr id="11" name="内容占位符 2"/>
+          <p:cNvSpPr>
+            <a:spLocks noGrp="1"/>
+          </p:cNvSpPr>
+          <p:nvPr>
+            <p:ph sz="quarter" idx="13"/>
+          </p:nvPr>
+        </p:nvSpPr>
+        <p:spPr>
+          <a:xfrm>
+            <a:off x="482600" y="1027889"/>
+            <a:ext cx="11214100" cy="703013"/>
+          </a:xfrm>
+        </p:spPr>
+        <p:txBody>
+          <a:bodyPr/>
+          <a:lstStyle/>
+          <a:p>
+            <a:r>
+              <a:rPr lang="en-US" altLang="zh-CN" dirty="0"/>
+              <a:t>CsI</a:t>
+            </a:r>
+            <a:r>
+              <a:rPr lang="zh-CN" altLang="en-US" dirty="0"/>
+              <a:t>厚度为</a:t>
+            </a:r>
+            <a:r>
+              <a:rPr lang="en-US" altLang="zh-CN" dirty="0"/>
+              <a:t>10mm</a:t>
+            </a:r>
+            <a:r>
+              <a:rPr lang="zh-CN" altLang="en-US" dirty="0"/>
+              <a:t>时，</a:t>
+            </a:r>
+            <a:r>
+              <a:rPr lang="en-US" altLang="zh-CN" dirty="0"/>
+              <a:t>p+</a:t>
+            </a:r>
+            <a:r>
+              <a:rPr lang="zh-CN" altLang="en-US" dirty="0"/>
+              <a:t>和</a:t>
+            </a:r>
+            <a:r>
+              <a:rPr lang="en-US" altLang="zh-CN" dirty="0"/>
+              <a:t>pi-</a:t>
+            </a:r>
+            <a:r>
+              <a:rPr lang="zh-CN" altLang="en-US" dirty="0"/>
+              <a:t>效率对比不加</a:t>
+            </a:r>
+            <a:r>
+              <a:rPr lang="en-US" altLang="zh-CN" dirty="0"/>
+              <a:t>CsI</a:t>
+            </a:r>
+            <a:r>
+              <a:rPr lang="zh-CN" altLang="en-US" dirty="0"/>
+              <a:t>下降的比例</a:t>
+            </a:r>
+          </a:p>
+        </p:txBody>
+      </p:sp>
+      <p:grpSp>
+        <p:nvGrpSpPr>
+          <p:cNvPr id="8" name="组合 7"/>
+          <p:cNvGrpSpPr/>
+          <p:nvPr/>
+        </p:nvGrpSpPr>
+        <p:grpSpPr>
+          <a:xfrm>
+            <a:off x="1143429" y="1907485"/>
+            <a:ext cx="9905143" cy="4077226"/>
+            <a:chOff x="1268412" y="2014491"/>
+            <a:chExt cx="9905143" cy="4077226"/>
+          </a:xfrm>
+        </p:grpSpPr>
+        <p:pic>
+          <p:nvPicPr>
+            <p:cNvPr id="3" name="图片 2"/>
+            <p:cNvPicPr>
+              <a:picLocks noChangeAspect="1"/>
+            </p:cNvPicPr>
+            <p:nvPr/>
+          </p:nvPicPr>
+          <p:blipFill>
+            <a:blip r:embed="rId2"/>
+            <a:stretch>
+              <a:fillRect/>
+            </a:stretch>
+          </p:blipFill>
+          <p:spPr>
+            <a:xfrm>
+              <a:off x="1268412" y="2020138"/>
+              <a:ext cx="4641939" cy="4065932"/>
+            </a:xfrm>
+            <a:prstGeom prst="rect">
+              <a:avLst/>
+            </a:prstGeom>
+          </p:spPr>
+        </p:pic>
+        <p:pic>
+          <p:nvPicPr>
+            <p:cNvPr id="7" name="图片 6"/>
+            <p:cNvPicPr>
+              <a:picLocks noChangeAspect="1"/>
+            </p:cNvPicPr>
+            <p:nvPr/>
+          </p:nvPicPr>
+          <p:blipFill>
+            <a:blip r:embed="rId3"/>
+            <a:stretch>
+              <a:fillRect/>
+            </a:stretch>
+          </p:blipFill>
+          <p:spPr>
+            <a:xfrm>
+              <a:off x="6531616" y="2014491"/>
+              <a:ext cx="4641939" cy="4077226"/>
+            </a:xfrm>
+            <a:prstGeom prst="rect">
+              <a:avLst/>
+            </a:prstGeom>
+          </p:spPr>
+        </p:pic>
+      </p:grpSp>
+    </p:spTree>
+    <p:extLst>
+      <p:ext uri="{BB962C8B-B14F-4D97-AF65-F5344CB8AC3E}">
+        <p14:creationId xmlns:p14="http://schemas.microsoft.com/office/powerpoint/2010/main" val="3268874946"/>
       </p:ext>
     </p:extLst>
   </p:cSld>
@@ -5602,57 +6753,44 @@
           <a:lstStyle/>
           <a:p>
             <a:r>
-              <a:rPr lang="zh-CN" altLang="en-US" dirty="0" smtClean="0"/>
+              <a:rPr lang="zh-CN" altLang="en-US" dirty="0"/>
               <a:t>物理背景</a:t>
             </a:r>
-            <a:endParaRPr lang="en-US" altLang="zh-CN" dirty="0" smtClean="0"/>
+            <a:endParaRPr lang="en-US" altLang="zh-CN" dirty="0"/>
           </a:p>
           <a:p>
             <a:r>
               <a:rPr lang="zh-CN" altLang="en-US" dirty="0"/>
-              <a:t>文献</a:t>
-            </a:r>
-            <a:r>
-              <a:rPr lang="zh-CN" altLang="en-US" dirty="0" smtClean="0"/>
-              <a:t>综述</a:t>
-            </a:r>
-            <a:endParaRPr lang="en-US" altLang="zh-CN" dirty="0" smtClean="0"/>
+              <a:t>文献综述</a:t>
+            </a:r>
+            <a:endParaRPr lang="en-US" altLang="zh-CN" dirty="0"/>
           </a:p>
           <a:p>
             <a:r>
               <a:rPr lang="zh-CN" altLang="en-US" dirty="0"/>
-              <a:t>实验设</a:t>
-            </a:r>
-            <a:r>
-              <a:rPr lang="zh-CN" altLang="en-US" dirty="0" smtClean="0"/>
-              <a:t>计</a:t>
-            </a:r>
-            <a:endParaRPr lang="en-US" altLang="zh-CN" dirty="0" smtClean="0"/>
+              <a:t>实验设计</a:t>
+            </a:r>
+            <a:endParaRPr lang="en-US" altLang="zh-CN" dirty="0"/>
           </a:p>
           <a:p>
             <a:r>
               <a:rPr lang="zh-CN" altLang="en-US" dirty="0"/>
-              <a:t>模拟研</a:t>
-            </a:r>
-            <a:r>
-              <a:rPr lang="zh-CN" altLang="en-US" dirty="0" smtClean="0"/>
-              <a:t>究</a:t>
-            </a:r>
-            <a:endParaRPr lang="en-US" altLang="zh-CN" dirty="0" smtClean="0"/>
-          </a:p>
-          <a:p>
-            <a:r>
-              <a:rPr lang="zh-CN" altLang="en-US" dirty="0" smtClean="0"/>
+              <a:t>模拟研究</a:t>
+            </a:r>
+            <a:endParaRPr lang="en-US" altLang="zh-CN" dirty="0"/>
+          </a:p>
+          <a:p>
+            <a:r>
+              <a:rPr lang="zh-CN" altLang="en-US" dirty="0"/>
               <a:t>其他讨论</a:t>
             </a:r>
-            <a:endParaRPr lang="en-US" altLang="zh-CN" dirty="0" smtClean="0"/>
+            <a:endParaRPr lang="en-US" altLang="zh-CN" dirty="0"/>
           </a:p>
           <a:p>
             <a:r>
               <a:rPr lang="zh-CN" altLang="en-US" dirty="0"/>
               <a:t>附录</a:t>
             </a:r>
-            <a:endParaRPr lang="zh-CN" altLang="en-US" dirty="0"/>
           </a:p>
         </p:txBody>
       </p:sp>
@@ -5660,6 +6798,285 @@
     <p:extLst>
       <p:ext uri="{BB962C8B-B14F-4D97-AF65-F5344CB8AC3E}">
         <p14:creationId xmlns:p14="http://schemas.microsoft.com/office/powerpoint/2010/main" val="3164360144"/>
+      </p:ext>
+    </p:extLst>
+  </p:cSld>
+  <p:clrMapOvr>
+    <a:masterClrMapping/>
+  </p:clrMapOvr>
+</p:sld>
+</file>
+
+<file path=ppt/slides/slide20.xml><?xml version="1.0" encoding="utf-8"?>
+<p:sld xmlns:a="http://schemas.openxmlformats.org/drawingml/2006/main" xmlns:r="http://schemas.openxmlformats.org/officeDocument/2006/relationships" xmlns:p="http://schemas.openxmlformats.org/presentationml/2006/main">
+  <p:cSld>
+    <p:spTree>
+      <p:nvGrpSpPr>
+        <p:cNvPr id="1" name=""/>
+        <p:cNvGrpSpPr/>
+        <p:nvPr/>
+      </p:nvGrpSpPr>
+      <p:grpSpPr>
+        <a:xfrm>
+          <a:off x="0" y="0"/>
+          <a:ext cx="0" cy="0"/>
+          <a:chOff x="0" y="0"/>
+          <a:chExt cx="0" cy="0"/>
+        </a:xfrm>
+      </p:grpSpPr>
+      <p:sp>
+        <p:nvSpPr>
+          <p:cNvPr id="2" name="标题 1"/>
+          <p:cNvSpPr>
+            <a:spLocks noGrp="1"/>
+          </p:cNvSpPr>
+          <p:nvPr>
+            <p:ph type="title"/>
+          </p:nvPr>
+        </p:nvSpPr>
+        <p:spPr/>
+        <p:txBody>
+          <a:bodyPr>
+            <a:normAutofit/>
+          </a:bodyPr>
+          <a:lstStyle/>
+          <a:p>
+            <a:r>
+              <a:rPr lang="zh-CN" altLang="en-US" dirty="0"/>
+              <a:t>模拟研究 </a:t>
+            </a:r>
+            <a:r>
+              <a:rPr lang="en-US" altLang="zh-CN" dirty="0"/>
+              <a:t>——</a:t>
+            </a:r>
+            <a:r>
+              <a:rPr lang="zh-CN" altLang="en-US" dirty="0"/>
+              <a:t>反中子模拟 </a:t>
+            </a:r>
+            <a:endParaRPr lang="en-US" altLang="zh-CN" dirty="0"/>
+          </a:p>
+        </p:txBody>
+      </p:sp>
+      <p:sp>
+        <p:nvSpPr>
+          <p:cNvPr id="4" name="日期占位符 3"/>
+          <p:cNvSpPr>
+            <a:spLocks noGrp="1"/>
+          </p:cNvSpPr>
+          <p:nvPr>
+            <p:ph type="dt" sz="half" idx="10"/>
+          </p:nvPr>
+        </p:nvSpPr>
+        <p:spPr/>
+        <p:txBody>
+          <a:bodyPr/>
+          <a:lstStyle/>
+          <a:p>
+            <a:fld id="{3F066E0A-57EC-403C-9412-4C2312A1DE14}" type="datetime1">
+              <a:rPr lang="zh-CN" altLang="en-US" smtClean="0"/>
+              <a:t>2023/1/17</a:t>
+            </a:fld>
+            <a:endParaRPr lang="zh-CN" altLang="en-US" dirty="0"/>
+          </a:p>
+        </p:txBody>
+      </p:sp>
+      <p:sp>
+        <p:nvSpPr>
+          <p:cNvPr id="5" name="灯片编号占位符 4"/>
+          <p:cNvSpPr>
+            <a:spLocks noGrp="1"/>
+          </p:cNvSpPr>
+          <p:nvPr>
+            <p:ph type="sldNum" sz="quarter" idx="12"/>
+          </p:nvPr>
+        </p:nvSpPr>
+        <p:spPr/>
+        <p:txBody>
+          <a:bodyPr/>
+          <a:lstStyle/>
+          <a:p>
+            <a:fld id="{90E01221-190F-488C-BDE8-A1E8F9F1EF4F}" type="slidenum">
+              <a:rPr lang="zh-CN" altLang="en-US" smtClean="0"/>
+              <a:pPr/>
+              <a:t>20</a:t>
+            </a:fld>
+            <a:endParaRPr lang="zh-CN" altLang="en-US" dirty="0"/>
+          </a:p>
+        </p:txBody>
+      </p:sp>
+      <mc:AlternateContent xmlns:mc="http://schemas.openxmlformats.org/markup-compatibility/2006" xmlns:a14="http://schemas.microsoft.com/office/drawing/2010/main">
+        <mc:Choice Requires="a14">
+          <p:sp>
+            <p:nvSpPr>
+              <p:cNvPr id="11" name="内容占位符 2"/>
+              <p:cNvSpPr>
+                <a:spLocks noGrp="1"/>
+              </p:cNvSpPr>
+              <p:nvPr>
+                <p:ph sz="quarter" idx="13"/>
+              </p:nvPr>
+            </p:nvSpPr>
+            <p:spPr>
+              <a:xfrm>
+                <a:off x="482600" y="1027889"/>
+                <a:ext cx="11214100" cy="703013"/>
+              </a:xfrm>
+            </p:spPr>
+            <p:txBody>
+              <a:bodyPr/>
+              <a:lstStyle/>
+              <a:p>
+                <a:r>
+                  <a:rPr lang="zh-CN" altLang="en-US" dirty="0"/>
+                  <a:t>击中</a:t>
+                </a:r>
+                <a:r>
+                  <a:rPr lang="en-US" altLang="zh-CN" dirty="0"/>
+                  <a:t>CsI</a:t>
+                </a:r>
+                <a:r>
+                  <a:rPr lang="zh-CN" altLang="en-US" dirty="0"/>
+                  <a:t>并湮灭的反中子比例（击中数</a:t>
+                </a:r>
+                <a:r>
+                  <a:rPr lang="en-US" altLang="zh-CN" dirty="0"/>
+                  <a:t>/</a:t>
+                </a:r>
+                <a:r>
+                  <a:rPr lang="zh-CN" altLang="en-US" dirty="0"/>
+                  <a:t>总数）对</a:t>
+                </a:r>
+                <a:r>
+                  <a:rPr lang="en-US" altLang="zh-CN" dirty="0"/>
+                  <a:t>p</a:t>
+                </a:r>
+                <a:r>
+                  <a:rPr lang="zh-CN" altLang="en-US" dirty="0"/>
+                  <a:t>、</a:t>
+                </a:r>
+                <a14:m>
+                  <m:oMath xmlns:m="http://schemas.openxmlformats.org/officeDocument/2006/math">
+                    <m:r>
+                      <a:rPr lang="en-US" altLang="zh-CN" b="0" i="1" smtClean="0">
+                        <a:latin typeface="Cambria Math" panose="02040503050406030204" pitchFamily="18" charset="0"/>
+                      </a:rPr>
+                      <m:t>𝜃</m:t>
+                    </m:r>
+                  </m:oMath>
+                </a14:m>
+                <a:r>
+                  <a:rPr lang="zh-CN" altLang="en-US" dirty="0"/>
+                  <a:t>的依赖</a:t>
+                </a:r>
+              </a:p>
+            </p:txBody>
+          </p:sp>
+        </mc:Choice>
+        <mc:Fallback xmlns="">
+          <p:sp>
+            <p:nvSpPr>
+              <p:cNvPr id="11" name="内容占位符 2"/>
+              <p:cNvSpPr>
+                <a:spLocks noGrp="1" noRot="1" noChangeAspect="1" noMove="1" noResize="1" noEditPoints="1" noAdjustHandles="1" noChangeArrowheads="1" noChangeShapeType="1" noTextEdit="1"/>
+              </p:cNvSpPr>
+              <p:nvPr>
+                <p:ph sz="quarter" idx="13"/>
+              </p:nvPr>
+            </p:nvSpPr>
+            <p:spPr>
+              <a:xfrm>
+                <a:off x="482600" y="1027889"/>
+                <a:ext cx="11214100" cy="703013"/>
+              </a:xfrm>
+              <a:blipFill>
+                <a:blip r:embed="rId2"/>
+                <a:stretch>
+                  <a:fillRect l="-707" t="-1739"/>
+                </a:stretch>
+              </a:blipFill>
+            </p:spPr>
+            <p:txBody>
+              <a:bodyPr/>
+              <a:lstStyle/>
+              <a:p>
+                <a:r>
+                  <a:rPr lang="zh-CN" altLang="en-US">
+                    <a:noFill/>
+                  </a:rPr>
+                  <a:t> </a:t>
+                </a:r>
+              </a:p>
+            </p:txBody>
+          </p:sp>
+        </mc:Fallback>
+      </mc:AlternateContent>
+      <p:grpSp>
+        <p:nvGrpSpPr>
+          <p:cNvPr id="14" name="组合 13"/>
+          <p:cNvGrpSpPr/>
+          <p:nvPr/>
+        </p:nvGrpSpPr>
+        <p:grpSpPr>
+          <a:xfrm>
+            <a:off x="1058818" y="1944081"/>
+            <a:ext cx="10074364" cy="3904949"/>
+            <a:chOff x="3225800" y="1944081"/>
+            <a:chExt cx="10074364" cy="3904949"/>
+          </a:xfrm>
+        </p:grpSpPr>
+        <p:pic>
+          <p:nvPicPr>
+            <p:cNvPr id="12" name="图片 11"/>
+            <p:cNvPicPr>
+              <a:picLocks noChangeAspect="1"/>
+            </p:cNvPicPr>
+            <p:nvPr/>
+          </p:nvPicPr>
+          <p:blipFill>
+            <a:blip r:embed="rId3"/>
+            <a:stretch>
+              <a:fillRect/>
+            </a:stretch>
+          </p:blipFill>
+          <p:spPr>
+            <a:xfrm>
+              <a:off x="3225800" y="1944081"/>
+              <a:ext cx="4641939" cy="3823407"/>
+            </a:xfrm>
+            <a:prstGeom prst="rect">
+              <a:avLst/>
+            </a:prstGeom>
+          </p:spPr>
+        </p:pic>
+        <p:pic>
+          <p:nvPicPr>
+            <p:cNvPr id="13" name="图片 12"/>
+            <p:cNvPicPr>
+              <a:picLocks noChangeAspect="1"/>
+            </p:cNvPicPr>
+            <p:nvPr/>
+          </p:nvPicPr>
+          <p:blipFill>
+            <a:blip r:embed="rId4"/>
+            <a:stretch>
+              <a:fillRect/>
+            </a:stretch>
+          </p:blipFill>
+          <p:spPr>
+            <a:xfrm>
+              <a:off x="8658225" y="1944081"/>
+              <a:ext cx="4641939" cy="3904949"/>
+            </a:xfrm>
+            <a:prstGeom prst="rect">
+              <a:avLst/>
+            </a:prstGeom>
+          </p:spPr>
+        </p:pic>
+      </p:grpSp>
+    </p:spTree>
+    <p:extLst>
+      <p:ext uri="{BB962C8B-B14F-4D97-AF65-F5344CB8AC3E}">
+        <p14:creationId xmlns:p14="http://schemas.microsoft.com/office/powerpoint/2010/main" val="670840739"/>
       </p:ext>
     </p:extLst>
   </p:cSld>
@@ -5676,7 +7093,7 @@
 </p:sld>
 </file>
 
-<file path=ppt/slides/slide3.xml><?xml version="1.0" encoding="utf-8"?>
+<file path=ppt/slides/slide21.xml><?xml version="1.0" encoding="utf-8"?>
 <p:sld xmlns:a="http://schemas.openxmlformats.org/drawingml/2006/main" xmlns:r="http://schemas.openxmlformats.org/officeDocument/2006/relationships" xmlns:p="http://schemas.openxmlformats.org/presentationml/2006/main">
   <p:cSld>
     <p:spTree>
@@ -5712,13 +7129,9 @@
           <a:p>
             <a:r>
               <a:rPr lang="zh-CN" altLang="en-US" dirty="0"/>
-              <a:t>物理背</a:t>
-            </a:r>
-            <a:r>
-              <a:rPr lang="zh-CN" altLang="en-US" dirty="0" smtClean="0"/>
-              <a:t>景</a:t>
-            </a:r>
-            <a:endParaRPr lang="zh-CN" altLang="en-US" dirty="0"/>
+              <a:t>附录</a:t>
+            </a:r>
+            <a:endParaRPr lang="en-US" altLang="zh-CN" dirty="0"/>
           </a:p>
         </p:txBody>
       </p:sp>
@@ -5734,633 +7147,16 @@
                 <p:ph sz="quarter" idx="13"/>
               </p:nvPr>
             </p:nvSpPr>
-            <p:spPr/>
-            <p:txBody>
-              <a:bodyPr>
-                <a:normAutofit/>
-              </a:bodyPr>
-              <a:lstStyle/>
-              <a:p>
-                <a:r>
-                  <a:rPr lang="zh-CN" altLang="en-US" dirty="0" smtClean="0">
-                    <a:solidFill>
-                      <a:srgbClr val="C00000"/>
-                    </a:solidFill>
-                  </a:rPr>
-                  <a:t>研究反中子的物理意义</a:t>
-                </a:r>
-                <a:endParaRPr lang="en-US" altLang="zh-CN" dirty="0" smtClean="0">
-                  <a:solidFill>
-                    <a:srgbClr val="C00000"/>
-                  </a:solidFill>
-                </a:endParaRPr>
-              </a:p>
-              <a:p>
-                <a:r>
-                  <a:rPr lang="zh-CN" altLang="en-US" dirty="0"/>
-                  <a:t>目</a:t>
-                </a:r>
-                <a:r>
-                  <a:rPr lang="zh-CN" altLang="en-US" dirty="0" smtClean="0"/>
-                  <a:t>前实验对于反中子和物质相互作用的一些数据测量不准确，导致模拟和数据不一致</a:t>
-                </a:r>
-                <a:endParaRPr lang="en-US" altLang="zh-CN" dirty="0" smtClean="0"/>
-              </a:p>
-              <a:p>
-                <a:pPr lvl="1"/>
-                <a:r>
-                  <a:rPr lang="zh-CN" altLang="en-US" dirty="0">
-                    <a:solidFill>
-                      <a:srgbClr val="C00000"/>
-                    </a:solidFill>
-                  </a:rPr>
-                  <a:t>哪</a:t>
-                </a:r>
-                <a:r>
-                  <a:rPr lang="zh-CN" altLang="en-US" dirty="0" smtClean="0">
-                    <a:solidFill>
-                      <a:srgbClr val="C00000"/>
-                    </a:solidFill>
-                  </a:rPr>
-                  <a:t>些截面、分支比不准确？</a:t>
-                </a:r>
-                <a:endParaRPr lang="en-US" altLang="zh-CN" dirty="0" smtClean="0">
-                  <a:solidFill>
-                    <a:srgbClr val="C00000"/>
-                  </a:solidFill>
-                </a:endParaRPr>
-              </a:p>
-              <a:p>
-                <a:r>
-                  <a:rPr lang="zh-CN" altLang="en-US" dirty="0" smtClean="0"/>
-                  <a:t>使用抽样或深度学习方法可以跳</a:t>
-                </a:r>
-                <a:r>
-                  <a:rPr lang="zh-CN" altLang="en-US" dirty="0"/>
-                  <a:t>过</a:t>
-                </a:r>
-                <a:r>
-                  <a:rPr lang="en-US" altLang="zh-CN" dirty="0"/>
-                  <a:t>Monte </a:t>
-                </a:r>
-                <a:r>
-                  <a:rPr lang="en-US" altLang="zh-CN" dirty="0" smtClean="0"/>
-                  <a:t>Carlo</a:t>
-                </a:r>
-                <a:r>
-                  <a:rPr lang="zh-CN" altLang="en-US" dirty="0" smtClean="0"/>
-                  <a:t>过程，提供物理分析需要的数据，但是存在一些局限</a:t>
-                </a:r>
-                <a:endParaRPr lang="en-US" altLang="zh-CN" dirty="0" smtClean="0"/>
-              </a:p>
-              <a:p>
-                <a:pPr lvl="1"/>
-                <a:r>
-                  <a:rPr lang="en-US" altLang="zh-CN" dirty="0" smtClean="0"/>
-                  <a:t>data-driven</a:t>
-                </a:r>
-                <a:r>
-                  <a:rPr lang="zh-CN" altLang="en-US" dirty="0" smtClean="0"/>
-                  <a:t>方法损失了更详细的信息，只提供了探测器的结果</a:t>
-                </a:r>
-                <a:endParaRPr lang="en-US" altLang="zh-CN" dirty="0" smtClean="0"/>
-              </a:p>
-              <a:p>
-                <a:pPr lvl="1"/>
-                <a:r>
-                  <a:rPr lang="zh-CN" altLang="en-US" dirty="0"/>
-                  <a:t>如</a:t>
-                </a:r>
-                <a:r>
-                  <a:rPr lang="zh-CN" altLang="en-US" dirty="0" smtClean="0"/>
-                  <a:t>果使用生成网络等大模型，在</a:t>
-                </a:r>
-                <a:r>
-                  <a:rPr lang="zh-CN" altLang="en-US" dirty="0"/>
-                  <a:t>相</a:t>
-                </a:r>
-                <a:r>
-                  <a:rPr lang="zh-CN" altLang="en-US" dirty="0" smtClean="0"/>
-                  <a:t>同</a:t>
-                </a:r>
-                <a:r>
-                  <a:rPr lang="en-US" altLang="zh-CN" dirty="0" smtClean="0"/>
-                  <a:t>cpu</a:t>
-                </a:r>
-                <a:r>
-                  <a:rPr lang="zh-CN" altLang="en-US" dirty="0" smtClean="0"/>
-                  <a:t>上模拟速度会下降，使用</a:t>
-                </a:r>
-                <a:r>
-                  <a:rPr lang="en-US" altLang="zh-CN" dirty="0" smtClean="0"/>
-                  <a:t>gpu</a:t>
-                </a:r>
-                <a:r>
-                  <a:rPr lang="zh-CN" altLang="en-US" dirty="0"/>
-                  <a:t>成</a:t>
-                </a:r>
-                <a:r>
-                  <a:rPr lang="zh-CN" altLang="en-US" dirty="0" smtClean="0"/>
-                  <a:t>本大幅提高</a:t>
-                </a:r>
-                <a:endParaRPr lang="en-US" altLang="zh-CN" dirty="0" smtClean="0"/>
-              </a:p>
-              <a:p>
-                <a:pPr lvl="1"/>
-                <a:r>
-                  <a:rPr lang="en-US" altLang="zh-CN" dirty="0">
-                    <a:solidFill>
-                      <a:srgbClr val="C00000"/>
-                    </a:solidFill>
-                  </a:rPr>
-                  <a:t>tbd</a:t>
-                </a:r>
-                <a:endParaRPr lang="en-US" altLang="zh-CN" dirty="0" smtClean="0">
-                  <a:solidFill>
-                    <a:srgbClr val="C00000"/>
-                  </a:solidFill>
-                </a:endParaRPr>
-              </a:p>
-              <a:p>
-                <a:r>
-                  <a:rPr lang="en-US" altLang="zh-CN" dirty="0" smtClean="0"/>
-                  <a:t>BESIII</a:t>
-                </a:r>
-                <a:r>
-                  <a:rPr lang="zh-CN" altLang="en-US" dirty="0" smtClean="0"/>
-                  <a:t>实验可以产生大量</a:t>
-                </a:r>
-                <a14:m>
-                  <m:oMath xmlns:m="http://schemas.openxmlformats.org/officeDocument/2006/math">
-                    <m:r>
-                      <a:rPr lang="en-US" altLang="zh-CN" i="1">
-                        <a:latin typeface="Cambria Math" panose="02040503050406030204" pitchFamily="18" charset="0"/>
-                        <a:cs typeface="+mn-ea"/>
-                        <a:sym typeface="+mn-lt"/>
-                      </a:rPr>
-                      <m:t>𝐽</m:t>
-                    </m:r>
-                    <m:r>
-                      <a:rPr lang="en-US" altLang="zh-CN" i="1">
-                        <a:latin typeface="Cambria Math" panose="02040503050406030204" pitchFamily="18" charset="0"/>
-                        <a:cs typeface="+mn-ea"/>
-                        <a:sym typeface="+mn-lt"/>
-                      </a:rPr>
-                      <m:t>/</m:t>
-                    </m:r>
-                    <m:r>
-                      <a:rPr lang="el-GR" altLang="zh-CN" i="1">
-                        <a:latin typeface="Cambria Math" panose="02040503050406030204" pitchFamily="18" charset="0"/>
-                        <a:cs typeface="+mn-ea"/>
-                        <a:sym typeface="+mn-lt"/>
-                      </a:rPr>
-                      <m:t>𝜓</m:t>
-                    </m:r>
-                  </m:oMath>
-                </a14:m>
-                <a:r>
-                  <a:rPr lang="zh-CN" altLang="en-US" dirty="0" smtClean="0"/>
-                  <a:t>事例</a:t>
-                </a:r>
-                <a:endParaRPr lang="en-US" altLang="zh-CN" dirty="0" smtClean="0"/>
-              </a:p>
-              <a:p>
-                <a:pPr lvl="1"/>
-                <a:r>
-                  <a:rPr lang="zh-CN" altLang="en-US" dirty="0">
-                    <a:solidFill>
-                      <a:srgbClr val="C00000"/>
-                    </a:solidFill>
-                  </a:rPr>
-                  <a:t>估</a:t>
-                </a:r>
-                <a:r>
-                  <a:rPr lang="zh-CN" altLang="en-US" dirty="0" smtClean="0">
-                    <a:solidFill>
-                      <a:srgbClr val="C00000"/>
-                    </a:solidFill>
-                  </a:rPr>
-                  <a:t>算：</a:t>
-                </a:r>
-                <a:r>
-                  <a:rPr lang="en-US" altLang="zh-CN" dirty="0" smtClean="0">
-                    <a:solidFill>
-                      <a:srgbClr val="C00000"/>
-                    </a:solidFill>
-                  </a:rPr>
-                  <a:t>total_jpsi * ppin0_ratio * select_effiency</a:t>
-                </a:r>
-                <a:endParaRPr lang="zh-CN" altLang="en-US" dirty="0">
-                  <a:solidFill>
-                    <a:srgbClr val="C00000"/>
-                  </a:solidFill>
-                </a:endParaRPr>
-              </a:p>
-            </p:txBody>
-          </p:sp>
-        </mc:Choice>
-        <mc:Fallback>
-          <p:sp>
-            <p:nvSpPr>
-              <p:cNvPr id="3" name="内容占位符 2"/>
-              <p:cNvSpPr>
-                <a:spLocks noGrp="1" noRot="1" noChangeAspect="1" noMove="1" noResize="1" noEditPoints="1" noAdjustHandles="1" noChangeArrowheads="1" noChangeShapeType="1" noTextEdit="1"/>
-              </p:cNvSpPr>
-              <p:nvPr>
-                <p:ph sz="quarter" idx="13"/>
-              </p:nvPr>
-            </p:nvSpPr>
             <p:spPr>
-              <a:blipFill>
-                <a:blip r:embed="rId2"/>
-                <a:stretch>
-                  <a:fillRect l="-707" t="-229" r="-2283"/>
-                </a:stretch>
-              </a:blipFill>
+              <a:xfrm>
+                <a:off x="482600" y="1027889"/>
+                <a:ext cx="11214100" cy="5328770"/>
+              </a:xfrm>
             </p:spPr>
             <p:txBody>
               <a:bodyPr/>
               <a:lstStyle/>
               <a:p>
-                <a:r>
-                  <a:rPr lang="zh-CN" altLang="en-US">
-                    <a:noFill/>
-                  </a:rPr>
-                  <a:t> </a:t>
-                </a:r>
-              </a:p>
-            </p:txBody>
-          </p:sp>
-        </mc:Fallback>
-      </mc:AlternateContent>
-      <p:sp>
-        <p:nvSpPr>
-          <p:cNvPr id="4" name="日期占位符 3"/>
-          <p:cNvSpPr>
-            <a:spLocks noGrp="1"/>
-          </p:cNvSpPr>
-          <p:nvPr>
-            <p:ph type="dt" sz="half" idx="10"/>
-          </p:nvPr>
-        </p:nvSpPr>
-        <p:spPr/>
-        <p:txBody>
-          <a:bodyPr/>
-          <a:lstStyle/>
-          <a:p>
-            <a:fld id="{3F066E0A-57EC-403C-9412-4C2312A1DE14}" type="datetime1">
-              <a:rPr lang="zh-CN" altLang="en-US" smtClean="0"/>
-              <a:t>2023/1/14</a:t>
-            </a:fld>
-            <a:endParaRPr lang="zh-CN" altLang="en-US" dirty="0"/>
-          </a:p>
-        </p:txBody>
-      </p:sp>
-      <p:sp>
-        <p:nvSpPr>
-          <p:cNvPr id="5" name="灯片编号占位符 4"/>
-          <p:cNvSpPr>
-            <a:spLocks noGrp="1"/>
-          </p:cNvSpPr>
-          <p:nvPr>
-            <p:ph type="sldNum" sz="quarter" idx="12"/>
-          </p:nvPr>
-        </p:nvSpPr>
-        <p:spPr/>
-        <p:txBody>
-          <a:bodyPr/>
-          <a:lstStyle/>
-          <a:p>
-            <a:fld id="{90E01221-190F-488C-BDE8-A1E8F9F1EF4F}" type="slidenum">
-              <a:rPr lang="zh-CN" altLang="en-US" smtClean="0"/>
-              <a:pPr/>
-              <a:t>3</a:t>
-            </a:fld>
-            <a:endParaRPr lang="zh-CN" altLang="en-US" dirty="0"/>
-          </a:p>
-        </p:txBody>
-      </p:sp>
-    </p:spTree>
-    <p:extLst>
-      <p:ext uri="{BB962C8B-B14F-4D97-AF65-F5344CB8AC3E}">
-        <p14:creationId xmlns:p14="http://schemas.microsoft.com/office/powerpoint/2010/main" val="2038079703"/>
-      </p:ext>
-    </p:extLst>
-  </p:cSld>
-  <p:clrMapOvr>
-    <a:masterClrMapping/>
-  </p:clrMapOvr>
-  <p:timing>
-    <p:tnLst>
-      <p:par>
-        <p:cTn id="1" dur="indefinite" restart="never" nodeType="tmRoot"/>
-      </p:par>
-    </p:tnLst>
-  </p:timing>
-</p:sld>
-</file>
-
-<file path=ppt/slides/slide4.xml><?xml version="1.0" encoding="utf-8"?>
-<p:sld xmlns:a="http://schemas.openxmlformats.org/drawingml/2006/main" xmlns:r="http://schemas.openxmlformats.org/officeDocument/2006/relationships" xmlns:p="http://schemas.openxmlformats.org/presentationml/2006/main">
-  <p:cSld>
-    <p:spTree>
-      <p:nvGrpSpPr>
-        <p:cNvPr id="1" name=""/>
-        <p:cNvGrpSpPr/>
-        <p:nvPr/>
-      </p:nvGrpSpPr>
-      <p:grpSpPr>
-        <a:xfrm>
-          <a:off x="0" y="0"/>
-          <a:ext cx="0" cy="0"/>
-          <a:chOff x="0" y="0"/>
-          <a:chExt cx="0" cy="0"/>
-        </a:xfrm>
-      </p:grpSpPr>
-      <p:sp>
-        <p:nvSpPr>
-          <p:cNvPr id="2" name="标题 1"/>
-          <p:cNvSpPr>
-            <a:spLocks noGrp="1"/>
-          </p:cNvSpPr>
-          <p:nvPr>
-            <p:ph type="title"/>
-          </p:nvPr>
-        </p:nvSpPr>
-        <p:spPr/>
-        <p:txBody>
-          <a:bodyPr>
-            <a:normAutofit/>
-          </a:bodyPr>
-          <a:lstStyle/>
-          <a:p>
-            <a:r>
-              <a:rPr lang="zh-CN" altLang="en-US" dirty="0"/>
-              <a:t>文献综</a:t>
-            </a:r>
-            <a:r>
-              <a:rPr lang="zh-CN" altLang="en-US" dirty="0" smtClean="0"/>
-              <a:t>述</a:t>
-            </a:r>
-            <a:endParaRPr lang="en-US" altLang="zh-CN" dirty="0"/>
-          </a:p>
-        </p:txBody>
-      </p:sp>
-      <mc:AlternateContent xmlns:mc="http://schemas.openxmlformats.org/markup-compatibility/2006">
-        <mc:Choice xmlns:a14="http://schemas.microsoft.com/office/drawing/2010/main" Requires="a14">
-          <p:sp>
-            <p:nvSpPr>
-              <p:cNvPr id="3" name="内容占位符 2"/>
-              <p:cNvSpPr>
-                <a:spLocks noGrp="1"/>
-              </p:cNvSpPr>
-              <p:nvPr>
-                <p:ph sz="quarter" idx="13"/>
-              </p:nvPr>
-            </p:nvSpPr>
-            <p:spPr/>
-            <p:txBody>
-              <a:bodyPr/>
-              <a:lstStyle/>
-              <a:p>
-                <a:r>
-                  <a:rPr lang="zh-CN" altLang="en-US" dirty="0" smtClean="0"/>
-                  <a:t>抽样方法模拟反中子数据</a:t>
-                </a:r>
-                <a:endParaRPr lang="en-US" altLang="zh-CN" dirty="0" smtClean="0"/>
-              </a:p>
-              <a:p>
-                <a:pPr lvl="1"/>
-                <a:r>
-                  <a:rPr lang="en-US" altLang="zh-CN" dirty="0">
-                    <a:hlinkClick r:id="rId2"/>
-                  </a:rPr>
-                  <a:t>BESIII DocDB-doc-908-v15: Development of a Data-Driven Algorithm to Simulate Anti-neutron with Bootstrapping at BESIII (ihep.ac.cn)</a:t>
-                </a:r>
-                <a:endParaRPr lang="en-US" altLang="zh-CN" dirty="0" smtClean="0"/>
-              </a:p>
-              <a:p>
-                <a:r>
-                  <a:rPr lang="zh-CN" altLang="en-US" dirty="0" smtClean="0"/>
-                  <a:t>超级</a:t>
-                </a:r>
-                <a14:m>
-                  <m:oMath xmlns:m="http://schemas.openxmlformats.org/officeDocument/2006/math">
-                    <m:r>
-                      <a:rPr lang="en-US" altLang="zh-CN" i="1">
-                        <a:latin typeface="Cambria Math" panose="02040503050406030204" pitchFamily="18" charset="0"/>
-                      </a:rPr>
-                      <m:t>𝐽</m:t>
-                    </m:r>
-                    <m:r>
-                      <a:rPr lang="en-US" altLang="zh-CN" i="1">
-                        <a:latin typeface="Cambria Math" panose="02040503050406030204" pitchFamily="18" charset="0"/>
-                      </a:rPr>
-                      <m:t>/</m:t>
-                    </m:r>
-                    <m:r>
-                      <a:rPr lang="en-US" altLang="zh-CN" i="1">
-                        <a:latin typeface="Cambria Math" panose="02040503050406030204" pitchFamily="18" charset="0"/>
-                      </a:rPr>
-                      <m:t>𝜓</m:t>
-                    </m:r>
-                  </m:oMath>
-                </a14:m>
-                <a:r>
-                  <a:rPr lang="zh-CN" altLang="en-US" dirty="0" smtClean="0"/>
-                  <a:t>工厂</a:t>
-                </a:r>
-                <a:endParaRPr lang="en-US" altLang="zh-CN" dirty="0"/>
-              </a:p>
-              <a:p>
-                <a:pPr lvl="1"/>
-                <a:r>
-                  <a:rPr lang="en-US" altLang="zh-CN" dirty="0">
-                    <a:hlinkClick r:id="rId3"/>
-                  </a:rPr>
-                  <a:t>Cornucopia of Antineutrons and Hyperons from a Super J/</a:t>
-                </a:r>
-                <a:r>
-                  <a:rPr lang="el-GR" altLang="zh-CN" dirty="0">
-                    <a:hlinkClick r:id="rId3"/>
-                  </a:rPr>
-                  <a:t>ψ </a:t>
-                </a:r>
-                <a:r>
-                  <a:rPr lang="en-US" altLang="zh-CN" dirty="0">
-                    <a:hlinkClick r:id="rId3"/>
-                  </a:rPr>
-                  <a:t>Factory for Next-Generation Nuclear and Particle Physics High-Precision Experiments - INSPIRE (inspirehep.net)</a:t>
-                </a:r>
-                <a:endParaRPr lang="zh-CN" altLang="en-US" dirty="0"/>
-              </a:p>
-            </p:txBody>
-          </p:sp>
-        </mc:Choice>
-        <mc:Fallback>
-          <p:sp>
-            <p:nvSpPr>
-              <p:cNvPr id="3" name="内容占位符 2"/>
-              <p:cNvSpPr>
-                <a:spLocks noGrp="1" noRot="1" noChangeAspect="1" noMove="1" noResize="1" noEditPoints="1" noAdjustHandles="1" noChangeArrowheads="1" noChangeShapeType="1" noTextEdit="1"/>
-              </p:cNvSpPr>
-              <p:nvPr>
-                <p:ph sz="quarter" idx="13"/>
-              </p:nvPr>
-            </p:nvSpPr>
-            <p:spPr>
-              <a:blipFill>
-                <a:blip r:embed="rId4"/>
-                <a:stretch>
-                  <a:fillRect l="-707" t="-229"/>
-                </a:stretch>
-              </a:blipFill>
-            </p:spPr>
-            <p:txBody>
-              <a:bodyPr/>
-              <a:lstStyle/>
-              <a:p>
-                <a:r>
-                  <a:rPr lang="zh-CN" altLang="en-US">
-                    <a:noFill/>
-                  </a:rPr>
-                  <a:t> </a:t>
-                </a:r>
-              </a:p>
-            </p:txBody>
-          </p:sp>
-        </mc:Fallback>
-      </mc:AlternateContent>
-      <p:sp>
-        <p:nvSpPr>
-          <p:cNvPr id="4" name="日期占位符 3"/>
-          <p:cNvSpPr>
-            <a:spLocks noGrp="1"/>
-          </p:cNvSpPr>
-          <p:nvPr>
-            <p:ph type="dt" sz="half" idx="10"/>
-          </p:nvPr>
-        </p:nvSpPr>
-        <p:spPr/>
-        <p:txBody>
-          <a:bodyPr/>
-          <a:lstStyle/>
-          <a:p>
-            <a:fld id="{3F066E0A-57EC-403C-9412-4C2312A1DE14}" type="datetime1">
-              <a:rPr lang="zh-CN" altLang="en-US" smtClean="0"/>
-              <a:t>2023/1/14</a:t>
-            </a:fld>
-            <a:endParaRPr lang="zh-CN" altLang="en-US" dirty="0"/>
-          </a:p>
-        </p:txBody>
-      </p:sp>
-      <p:sp>
-        <p:nvSpPr>
-          <p:cNvPr id="5" name="灯片编号占位符 4"/>
-          <p:cNvSpPr>
-            <a:spLocks noGrp="1"/>
-          </p:cNvSpPr>
-          <p:nvPr>
-            <p:ph type="sldNum" sz="quarter" idx="12"/>
-          </p:nvPr>
-        </p:nvSpPr>
-        <p:spPr/>
-        <p:txBody>
-          <a:bodyPr/>
-          <a:lstStyle/>
-          <a:p>
-            <a:fld id="{90E01221-190F-488C-BDE8-A1E8F9F1EF4F}" type="slidenum">
-              <a:rPr lang="zh-CN" altLang="en-US" smtClean="0"/>
-              <a:pPr/>
-              <a:t>4</a:t>
-            </a:fld>
-            <a:endParaRPr lang="zh-CN" altLang="en-US" dirty="0"/>
-          </a:p>
-        </p:txBody>
-      </p:sp>
-    </p:spTree>
-    <p:extLst>
-      <p:ext uri="{BB962C8B-B14F-4D97-AF65-F5344CB8AC3E}">
-        <p14:creationId xmlns:p14="http://schemas.microsoft.com/office/powerpoint/2010/main" val="2158029059"/>
-      </p:ext>
-    </p:extLst>
-  </p:cSld>
-  <p:clrMapOvr>
-    <a:masterClrMapping/>
-  </p:clrMapOvr>
-  <p:timing>
-    <p:tnLst>
-      <p:par>
-        <p:cTn id="1" dur="indefinite" restart="never" nodeType="tmRoot"/>
-      </p:par>
-    </p:tnLst>
-  </p:timing>
-</p:sld>
-</file>
-
-<file path=ppt/slides/slide5.xml><?xml version="1.0" encoding="utf-8"?>
-<p:sld xmlns:a="http://schemas.openxmlformats.org/drawingml/2006/main" xmlns:r="http://schemas.openxmlformats.org/officeDocument/2006/relationships" xmlns:p="http://schemas.openxmlformats.org/presentationml/2006/main">
-  <p:cSld>
-    <p:spTree>
-      <p:nvGrpSpPr>
-        <p:cNvPr id="1" name=""/>
-        <p:cNvGrpSpPr/>
-        <p:nvPr/>
-      </p:nvGrpSpPr>
-      <p:grpSpPr>
-        <a:xfrm>
-          <a:off x="0" y="0"/>
-          <a:ext cx="0" cy="0"/>
-          <a:chOff x="0" y="0"/>
-          <a:chExt cx="0" cy="0"/>
-        </a:xfrm>
-      </p:grpSpPr>
-      <p:sp>
-        <p:nvSpPr>
-          <p:cNvPr id="2" name="标题 1"/>
-          <p:cNvSpPr>
-            <a:spLocks noGrp="1"/>
-          </p:cNvSpPr>
-          <p:nvPr>
-            <p:ph type="title"/>
-          </p:nvPr>
-        </p:nvSpPr>
-        <p:spPr/>
-        <p:txBody>
-          <a:bodyPr>
-            <a:normAutofit/>
-          </a:bodyPr>
-          <a:lstStyle/>
-          <a:p>
-            <a:r>
-              <a:rPr lang="zh-CN" altLang="en-US" dirty="0"/>
-              <a:t>实验设计</a:t>
-            </a:r>
-            <a:endParaRPr lang="en-US" altLang="zh-CN" dirty="0"/>
-          </a:p>
-        </p:txBody>
-      </p:sp>
-      <mc:AlternateContent xmlns:mc="http://schemas.openxmlformats.org/markup-compatibility/2006">
-        <mc:Choice xmlns:a14="http://schemas.microsoft.com/office/drawing/2010/main" Requires="a14">
-          <p:sp>
-            <p:nvSpPr>
-              <p:cNvPr id="3" name="内容占位符 2"/>
-              <p:cNvSpPr>
-                <a:spLocks noGrp="1"/>
-              </p:cNvSpPr>
-              <p:nvPr>
-                <p:ph sz="quarter" idx="13"/>
-              </p:nvPr>
-            </p:nvSpPr>
-            <p:spPr/>
-            <p:txBody>
-              <a:bodyPr/>
-              <a:lstStyle/>
-              <a:p>
-                <a:r>
-                  <a:rPr lang="zh-CN" altLang="en-US" dirty="0"/>
-                  <a:t>使用</a:t>
-                </a:r>
                 <a14:m>
                   <m:oMath xmlns:m="http://schemas.openxmlformats.org/officeDocument/2006/math">
                     <m:r>
@@ -6459,369 +7255,22 @@
                   </m:oMath>
                 </a14:m>
                 <a:r>
-                  <a:rPr lang="zh-CN" altLang="en-US" dirty="0"/>
-                  <a:t>物理</a:t>
-                </a:r>
-                <a:r>
                   <a:rPr lang="zh-CN" altLang="en-US" dirty="0" smtClean="0"/>
-                  <a:t>道</a:t>
-                </a:r>
-                <a:endParaRPr lang="en-US" altLang="zh-CN" dirty="0" smtClean="0"/>
-              </a:p>
-              <a:p>
+                  <a:t>挑选脚本</a:t>
+                </a:r>
+                <a:r>
+                  <a:rPr lang="en-US" altLang="zh-CN" dirty="0" smtClean="0"/>
+                  <a:t>from</a:t>
+                </a:r>
                 <a:r>
                   <a:rPr lang="zh-CN" altLang="en-US" dirty="0" smtClean="0"/>
-                  <a:t>束流管外加入碘化铯，</a:t>
-                </a:r>
-                <a:r>
-                  <a:rPr lang="zh-CN" altLang="en-US" dirty="0" smtClean="0">
-                    <a:solidFill>
-                      <a:srgbClr val="C00000"/>
-                    </a:solidFill>
-                  </a:rPr>
-                  <a:t>为什么选择碘化铯？</a:t>
-                </a:r>
-                <a:endParaRPr lang="en-US" altLang="zh-CN" dirty="0" smtClean="0">
-                  <a:solidFill>
-                    <a:srgbClr val="C00000"/>
-                  </a:solidFill>
-                </a:endParaRPr>
-              </a:p>
-              <a:p>
-                <a:r>
-                  <a:rPr lang="zh-CN" altLang="en-US" dirty="0" smtClean="0"/>
-                  <a:t>在不大幅降低</a:t>
-                </a:r>
-                <a:r>
-                  <a:rPr lang="en-US" altLang="zh-CN" dirty="0" smtClean="0"/>
-                  <a:t>p</a:t>
-                </a:r>
-                <a:r>
-                  <a:rPr lang="zh-CN" altLang="en-US" dirty="0" smtClean="0"/>
-                  <a:t>、</a:t>
-                </a:r>
-                <a:r>
-                  <a:rPr lang="en-US" altLang="zh-CN" dirty="0" smtClean="0"/>
-                  <a:t>pi</a:t>
-                </a:r>
-                <a:r>
-                  <a:rPr lang="zh-CN" altLang="en-US" dirty="0" smtClean="0"/>
-                  <a:t>效率和分辨的条件下，产生尽可能多的反中子打靶事例</a:t>
-                </a:r>
-                <a:endParaRPr lang="en-US" altLang="zh-CN" dirty="0" smtClean="0"/>
-              </a:p>
-              <a:p>
-                <a:endParaRPr lang="en-US" altLang="zh-CN" dirty="0"/>
-              </a:p>
-              <a:p>
-                <a:r>
-                  <a:rPr lang="zh-CN" altLang="en-US" dirty="0" smtClean="0"/>
-                  <a:t>需要先通过对模拟数据的研究</a:t>
-                </a:r>
-                <a:endParaRPr lang="en-US" altLang="zh-CN" dirty="0" smtClean="0"/>
-              </a:p>
-              <a:p>
-                <a:pPr lvl="1"/>
-                <a:r>
-                  <a:rPr lang="zh-CN" altLang="en-US" dirty="0" smtClean="0"/>
-                  <a:t>模拟</a:t>
+                  <a:t>刘亮：</a:t>
                 </a:r>
                 <a:r>
                   <a:rPr lang="en-US" altLang="zh-CN" dirty="0"/>
-                  <a:t>p</a:t>
-                </a:r>
-                <a:r>
-                  <a:rPr lang="zh-CN" altLang="en-US" dirty="0"/>
-                  <a:t>、</a:t>
-                </a:r>
-                <a:r>
-                  <a:rPr lang="en-US" altLang="zh-CN" dirty="0" smtClean="0"/>
-                  <a:t>pi</a:t>
-                </a:r>
-                <a:r>
-                  <a:rPr lang="zh-CN" altLang="en-US" dirty="0" smtClean="0"/>
-                  <a:t>单粒子，</a:t>
-                </a:r>
-                <a:r>
-                  <a:rPr lang="zh-CN" altLang="en-US" dirty="0" smtClean="0"/>
-                  <a:t>加入不同厚度的物质时，</a:t>
-                </a:r>
-                <a:r>
-                  <a:rPr lang="en-US" altLang="zh-CN" dirty="0"/>
-                  <a:t> p</a:t>
-                </a:r>
-                <a:r>
-                  <a:rPr lang="zh-CN" altLang="en-US" dirty="0"/>
-                  <a:t>、</a:t>
-                </a:r>
-                <a:r>
-                  <a:rPr lang="en-US" altLang="zh-CN" dirty="0" smtClean="0"/>
-                  <a:t>pi</a:t>
-                </a:r>
-                <a:r>
-                  <a:rPr lang="zh-CN" altLang="en-US" dirty="0" smtClean="0"/>
-                  <a:t>的效</a:t>
-                </a:r>
-                <a:r>
-                  <a:rPr lang="zh-CN" altLang="en-US" dirty="0"/>
-                  <a:t>率和分</a:t>
-                </a:r>
-                <a:r>
-                  <a:rPr lang="zh-CN" altLang="en-US" dirty="0" smtClean="0"/>
-                  <a:t>辨，及其对于动量、</a:t>
-                </a:r>
-                <a:r>
-                  <a:rPr lang="en-US" altLang="zh-CN" dirty="0" smtClean="0"/>
-                  <a:t>theta</a:t>
-                </a:r>
-                <a:r>
-                  <a:rPr lang="zh-CN" altLang="en-US" dirty="0" smtClean="0"/>
-                  <a:t>的依赖</a:t>
-                </a:r>
-                <a:endParaRPr lang="en-US" altLang="zh-CN" dirty="0" smtClean="0"/>
-              </a:p>
-              <a:p>
-                <a:pPr lvl="1"/>
-                <a:r>
-                  <a:rPr lang="zh-CN" altLang="en-US" dirty="0" smtClean="0"/>
-                  <a:t>模拟反中子单粒子，在现有的模拟参数下，加入不同厚度的物质可以产生多少</a:t>
-                </a:r>
-                <a:r>
-                  <a:rPr lang="zh-CN" altLang="en-US" dirty="0"/>
-                  <a:t>反中</a:t>
-                </a:r>
-                <a:r>
-                  <a:rPr lang="zh-CN" altLang="en-US" dirty="0" smtClean="0"/>
-                  <a:t>子打靶的事例，</a:t>
-                </a:r>
-                <a:r>
-                  <a:rPr lang="zh-CN" altLang="en-US" dirty="0"/>
-                  <a:t>及其对于动量、</a:t>
-                </a:r>
-                <a:r>
-                  <a:rPr lang="en-US" altLang="zh-CN" dirty="0"/>
-                  <a:t>theta</a:t>
-                </a:r>
-                <a:r>
-                  <a:rPr lang="zh-CN" altLang="en-US" dirty="0"/>
-                  <a:t>的依赖</a:t>
-                </a:r>
-                <a:endParaRPr lang="en-US" altLang="zh-CN" dirty="0"/>
-              </a:p>
-              <a:p>
-                <a:pPr lvl="1"/>
-                <a:r>
-                  <a:rPr lang="zh-CN" altLang="en-US" dirty="0" smtClean="0">
-                    <a:solidFill>
-                      <a:srgbClr val="C00000"/>
-                    </a:solidFill>
-                  </a:rPr>
-                  <a:t>模拟</a:t>
-                </a:r>
-                <a14:m>
-                  <m:oMath xmlns:m="http://schemas.openxmlformats.org/officeDocument/2006/math">
-                    <m:r>
-                      <a:rPr lang="en-US" altLang="zh-CN" i="1">
-                        <a:solidFill>
-                          <a:srgbClr val="C00000"/>
-                        </a:solidFill>
-                        <a:latin typeface="Cambria Math" panose="02040503050406030204" pitchFamily="18" charset="0"/>
-                        <a:cs typeface="+mn-ea"/>
-                        <a:sym typeface="+mn-lt"/>
-                      </a:rPr>
-                      <m:t>𝐽</m:t>
-                    </m:r>
-                    <m:r>
-                      <a:rPr lang="en-US" altLang="zh-CN" i="1">
-                        <a:solidFill>
-                          <a:srgbClr val="C00000"/>
-                        </a:solidFill>
-                        <a:latin typeface="Cambria Math" panose="02040503050406030204" pitchFamily="18" charset="0"/>
-                        <a:cs typeface="+mn-ea"/>
-                        <a:sym typeface="+mn-lt"/>
-                      </a:rPr>
-                      <m:t>/</m:t>
-                    </m:r>
-                    <m:r>
-                      <a:rPr lang="el-GR" altLang="zh-CN" i="1">
-                        <a:solidFill>
-                          <a:srgbClr val="C00000"/>
-                        </a:solidFill>
-                        <a:latin typeface="Cambria Math" panose="02040503050406030204" pitchFamily="18" charset="0"/>
-                        <a:cs typeface="+mn-ea"/>
-                        <a:sym typeface="+mn-lt"/>
-                      </a:rPr>
-                      <m:t>𝜓</m:t>
-                    </m:r>
-                    <m:r>
-                      <a:rPr lang="el-GR" altLang="zh-CN" i="1">
-                        <a:solidFill>
-                          <a:srgbClr val="C00000"/>
-                        </a:solidFill>
-                        <a:latin typeface="Cambria Math" panose="02040503050406030204" pitchFamily="18" charset="0"/>
-                        <a:cs typeface="+mn-ea"/>
-                        <a:sym typeface="+mn-lt"/>
-                      </a:rPr>
-                      <m:t>→</m:t>
-                    </m:r>
-                    <m:r>
-                      <a:rPr lang="en-US" altLang="zh-CN" i="1">
-                        <a:solidFill>
-                          <a:srgbClr val="C00000"/>
-                        </a:solidFill>
-                        <a:latin typeface="Cambria Math" panose="02040503050406030204" pitchFamily="18" charset="0"/>
-                        <a:cs typeface="+mn-ea"/>
-                        <a:sym typeface="+mn-lt"/>
-                      </a:rPr>
-                      <m:t>𝑝</m:t>
-                    </m:r>
-                    <m:acc>
-                      <m:accPr>
-                        <m:chr m:val="̅"/>
-                        <m:ctrlPr>
-                          <a:rPr lang="en-US" altLang="zh-CN" i="1">
-                            <a:solidFill>
-                              <a:srgbClr val="C00000"/>
-                            </a:solidFill>
-                            <a:latin typeface="Cambria Math" panose="02040503050406030204" pitchFamily="18" charset="0"/>
-                            <a:cs typeface="+mn-ea"/>
-                            <a:sym typeface="+mn-lt"/>
-                          </a:rPr>
-                        </m:ctrlPr>
-                      </m:accPr>
-                      <m:e>
-                        <m:r>
-                          <a:rPr lang="en-US" altLang="zh-CN" i="1">
-                            <a:solidFill>
-                              <a:srgbClr val="C00000"/>
-                            </a:solidFill>
-                            <a:latin typeface="Cambria Math" panose="02040503050406030204" pitchFamily="18" charset="0"/>
-                            <a:cs typeface="+mn-ea"/>
-                            <a:sym typeface="+mn-lt"/>
-                          </a:rPr>
-                          <m:t>𝑛</m:t>
-                        </m:r>
-                      </m:e>
-                    </m:acc>
-                    <m:sSup>
-                      <m:sSupPr>
-                        <m:ctrlPr>
-                          <a:rPr lang="en-US" altLang="zh-CN" i="1">
-                            <a:solidFill>
-                              <a:srgbClr val="C00000"/>
-                            </a:solidFill>
-                            <a:latin typeface="Cambria Math" panose="02040503050406030204" pitchFamily="18" charset="0"/>
-                            <a:cs typeface="+mn-ea"/>
-                            <a:sym typeface="+mn-lt"/>
-                          </a:rPr>
-                        </m:ctrlPr>
-                      </m:sSupPr>
-                      <m:e>
-                        <m:r>
-                          <a:rPr lang="zh-CN" altLang="en-US" i="1">
-                            <a:solidFill>
-                              <a:srgbClr val="C00000"/>
-                            </a:solidFill>
-                            <a:latin typeface="Cambria Math" panose="02040503050406030204" pitchFamily="18" charset="0"/>
-                            <a:cs typeface="+mn-ea"/>
-                            <a:sym typeface="+mn-lt"/>
-                          </a:rPr>
-                          <m:t>𝜋</m:t>
-                        </m:r>
-                      </m:e>
-                      <m:sup>
-                        <m:r>
-                          <a:rPr lang="en-US" altLang="zh-CN" i="1">
-                            <a:solidFill>
-                              <a:srgbClr val="C00000"/>
-                            </a:solidFill>
-                            <a:latin typeface="Cambria Math" panose="02040503050406030204" pitchFamily="18" charset="0"/>
-                            <a:cs typeface="+mn-ea"/>
-                            <a:sym typeface="+mn-lt"/>
-                          </a:rPr>
-                          <m:t>−</m:t>
-                        </m:r>
-                      </m:sup>
-                    </m:sSup>
-                  </m:oMath>
-                </a14:m>
-                <a:r>
-                  <a:rPr lang="zh-CN" altLang="en-US" dirty="0">
-                    <a:solidFill>
-                      <a:srgbClr val="C00000"/>
-                    </a:solidFill>
-                  </a:rPr>
-                  <a:t>，加入不同厚度的物质</a:t>
-                </a:r>
-                <a:r>
-                  <a:rPr lang="zh-CN" altLang="en-US" dirty="0" smtClean="0">
-                    <a:solidFill>
-                      <a:srgbClr val="C00000"/>
-                    </a:solidFill>
-                  </a:rPr>
-                  <a:t>时，事例挑选的效率，</a:t>
-                </a:r>
-                <a:r>
-                  <a:rPr lang="en-US" altLang="zh-CN" dirty="0">
-                    <a:solidFill>
-                      <a:srgbClr val="C00000"/>
-                    </a:solidFill>
-                  </a:rPr>
-                  <a:t> p</a:t>
-                </a:r>
-                <a:r>
-                  <a:rPr lang="zh-CN" altLang="en-US" dirty="0">
-                    <a:solidFill>
-                      <a:srgbClr val="C00000"/>
-                    </a:solidFill>
-                  </a:rPr>
-                  <a:t>、</a:t>
-                </a:r>
-                <a:r>
-                  <a:rPr lang="en-US" altLang="zh-CN" dirty="0" smtClean="0">
-                    <a:solidFill>
-                      <a:srgbClr val="C00000"/>
-                    </a:solidFill>
-                  </a:rPr>
-                  <a:t>pi</a:t>
-                </a:r>
-                <a:r>
-                  <a:rPr lang="zh-CN" altLang="en-US" dirty="0" smtClean="0">
-                    <a:solidFill>
-                      <a:srgbClr val="C00000"/>
-                    </a:solidFill>
-                  </a:rPr>
-                  <a:t>反冲得到反中子的动量、角度分辨，</a:t>
-                </a:r>
-                <a:r>
-                  <a:rPr lang="zh-CN" altLang="en-US" dirty="0">
-                    <a:solidFill>
-                      <a:srgbClr val="C00000"/>
-                    </a:solidFill>
-                  </a:rPr>
-                  <a:t>及其对于动量、</a:t>
-                </a:r>
-                <a:r>
-                  <a:rPr lang="en-US" altLang="zh-CN" dirty="0">
-                    <a:solidFill>
-                      <a:srgbClr val="C00000"/>
-                    </a:solidFill>
-                  </a:rPr>
-                  <a:t>theta</a:t>
-                </a:r>
-                <a:r>
-                  <a:rPr lang="zh-CN" altLang="en-US" dirty="0">
-                    <a:solidFill>
-                      <a:srgbClr val="C00000"/>
-                    </a:solidFill>
-                  </a:rPr>
-                  <a:t>的依赖</a:t>
-                </a:r>
-                <a:endParaRPr lang="en-US" altLang="zh-CN" dirty="0" smtClean="0">
-                  <a:solidFill>
-                    <a:srgbClr val="C00000"/>
-                  </a:solidFill>
-                </a:endParaRPr>
+                  <a:t>/workfs2/bes/liuliang/workarea-7.0.5/Analysis/Physics/PNbarPiAlg/PNbarPi-00-00-01/src</a:t>
+                </a:r>
+                <a:endParaRPr lang="zh-CN" altLang="en-US" dirty="0"/>
               </a:p>
             </p:txBody>
           </p:sp>
@@ -6838,10 +7287,14 @@
               </p:nvPr>
             </p:nvSpPr>
             <p:spPr>
+              <a:xfrm>
+                <a:off x="482600" y="1027889"/>
+                <a:ext cx="11214100" cy="5328770"/>
+              </a:xfrm>
               <a:blipFill>
                 <a:blip r:embed="rId2"/>
                 <a:stretch>
-                  <a:fillRect l="-707" t="-229" r="-2772"/>
+                  <a:fillRect l="-707" t="-229"/>
                 </a:stretch>
               </a:blipFill>
             </p:spPr>
@@ -6877,7 +7330,7 @@
           <a:p>
             <a:fld id="{3F066E0A-57EC-403C-9412-4C2312A1DE14}" type="datetime1">
               <a:rPr lang="zh-CN" altLang="en-US" smtClean="0"/>
-              <a:t>2023/1/14</a:t>
+              <a:t>2023/1/17</a:t>
             </a:fld>
             <a:endParaRPr lang="zh-CN" altLang="en-US" dirty="0"/>
           </a:p>
@@ -6901,7 +7354,7 @@
             <a:fld id="{90E01221-190F-488C-BDE8-A1E8F9F1EF4F}" type="slidenum">
               <a:rPr lang="zh-CN" altLang="en-US" smtClean="0"/>
               <a:pPr/>
-              <a:t>5</a:t>
+              <a:t>21</a:t>
             </a:fld>
             <a:endParaRPr lang="zh-CN" altLang="en-US" dirty="0"/>
           </a:p>
@@ -6910,13 +7363,21 @@
     </p:spTree>
     <p:extLst>
       <p:ext uri="{BB962C8B-B14F-4D97-AF65-F5344CB8AC3E}">
-        <p14:creationId xmlns:p14="http://schemas.microsoft.com/office/powerpoint/2010/main" val="2894070350"/>
+        <p14:creationId xmlns:p14="http://schemas.microsoft.com/office/powerpoint/2010/main" val="4170972374"/>
       </p:ext>
     </p:extLst>
   </p:cSld>
   <p:clrMapOvr>
     <a:masterClrMapping/>
   </p:clrMapOvr>
+  <mc:AlternateContent xmlns:mc="http://schemas.openxmlformats.org/markup-compatibility/2006">
+    <mc:Choice xmlns:p14="http://schemas.microsoft.com/office/powerpoint/2010/main" Requires="p14">
+      <p:transition spd="slow" p14:dur="2000"/>
+    </mc:Choice>
+    <mc:Fallback>
+      <p:transition spd="slow"/>
+    </mc:Fallback>
+  </mc:AlternateContent>
   <p:timing>
     <p:tnLst>
       <p:par>
@@ -6924,6 +7385,1532 @@
       </p:par>
     </p:tnLst>
   </p:timing>
+</p:sld>
+</file>
+
+<file path=ppt/slides/slide3.xml><?xml version="1.0" encoding="utf-8"?>
+<p:sld xmlns:a="http://schemas.openxmlformats.org/drawingml/2006/main" xmlns:r="http://schemas.openxmlformats.org/officeDocument/2006/relationships" xmlns:p="http://schemas.openxmlformats.org/presentationml/2006/main">
+  <p:cSld>
+    <p:spTree>
+      <p:nvGrpSpPr>
+        <p:cNvPr id="1" name=""/>
+        <p:cNvGrpSpPr/>
+        <p:nvPr/>
+      </p:nvGrpSpPr>
+      <p:grpSpPr>
+        <a:xfrm>
+          <a:off x="0" y="0"/>
+          <a:ext cx="0" cy="0"/>
+          <a:chOff x="0" y="0"/>
+          <a:chExt cx="0" cy="0"/>
+        </a:xfrm>
+      </p:grpSpPr>
+      <p:sp>
+        <p:nvSpPr>
+          <p:cNvPr id="2" name="标题 1"/>
+          <p:cNvSpPr>
+            <a:spLocks noGrp="1"/>
+          </p:cNvSpPr>
+          <p:nvPr>
+            <p:ph type="title"/>
+          </p:nvPr>
+        </p:nvSpPr>
+        <p:spPr/>
+        <p:txBody>
+          <a:bodyPr>
+            <a:normAutofit/>
+          </a:bodyPr>
+          <a:lstStyle/>
+          <a:p>
+            <a:r>
+              <a:rPr lang="zh-CN" altLang="en-US" dirty="0"/>
+              <a:t>物理背景</a:t>
+            </a:r>
+          </a:p>
+        </p:txBody>
+      </p:sp>
+      <mc:AlternateContent xmlns:mc="http://schemas.openxmlformats.org/markup-compatibility/2006" xmlns:a14="http://schemas.microsoft.com/office/drawing/2010/main">
+        <mc:Choice Requires="a14">
+          <p:sp>
+            <p:nvSpPr>
+              <p:cNvPr id="3" name="内容占位符 2"/>
+              <p:cNvSpPr>
+                <a:spLocks noGrp="1"/>
+              </p:cNvSpPr>
+              <p:nvPr>
+                <p:ph sz="quarter" idx="13"/>
+              </p:nvPr>
+            </p:nvSpPr>
+            <p:spPr/>
+            <p:txBody>
+              <a:bodyPr>
+                <a:normAutofit/>
+              </a:bodyPr>
+              <a:lstStyle/>
+              <a:p>
+                <a:r>
+                  <a:rPr lang="zh-CN" altLang="en-US" dirty="0"/>
+                  <a:t>目前</a:t>
+                </a:r>
+                <a:r>
+                  <a:rPr lang="en-US" altLang="zh-CN" dirty="0"/>
+                  <a:t>BESIII</a:t>
+                </a:r>
+                <a:r>
+                  <a:rPr lang="zh-CN" altLang="en-US" dirty="0"/>
+                  <a:t>实验反中子和</a:t>
+                </a:r>
+                <a:r>
+                  <a:rPr lang="en-US" altLang="zh-CN" dirty="0"/>
+                  <a:t>CsI</a:t>
+                </a:r>
+                <a:r>
+                  <a:rPr lang="zh-CN" altLang="en-US" dirty="0"/>
+                  <a:t>相互作用的数据测量不准确，导致量能器模拟和数据不一致</a:t>
+                </a:r>
+                <a:endParaRPr lang="en-US" altLang="zh-CN" dirty="0"/>
+              </a:p>
+              <a:p>
+                <a:pPr lvl="1"/>
+                <a:r>
+                  <a:rPr lang="zh-CN" altLang="en-US" dirty="0">
+                    <a:solidFill>
+                      <a:srgbClr val="C00000"/>
+                    </a:solidFill>
+                  </a:rPr>
+                  <a:t>哪些截面、分支比不准确？</a:t>
+                </a:r>
+                <a:endParaRPr lang="en-US" altLang="zh-CN" dirty="0">
+                  <a:solidFill>
+                    <a:srgbClr val="C00000"/>
+                  </a:solidFill>
+                </a:endParaRPr>
+              </a:p>
+              <a:p>
+                <a:r>
+                  <a:rPr lang="zh-CN" altLang="en-US" dirty="0"/>
+                  <a:t>使用抽样或深度学习方法可以跳过</a:t>
+                </a:r>
+                <a:r>
+                  <a:rPr lang="en-US" altLang="zh-CN" dirty="0"/>
+                  <a:t>Monte Carlo</a:t>
+                </a:r>
+                <a:r>
+                  <a:rPr lang="zh-CN" altLang="en-US" dirty="0"/>
+                  <a:t>过程，提供物理分析需要的数据，但是存在一些局限</a:t>
+                </a:r>
+                <a:endParaRPr lang="en-US" altLang="zh-CN" dirty="0"/>
+              </a:p>
+              <a:p>
+                <a:pPr lvl="1"/>
+                <a:r>
+                  <a:rPr lang="en-US" altLang="zh-CN" dirty="0"/>
+                  <a:t>data-driven</a:t>
+                </a:r>
+                <a:r>
+                  <a:rPr lang="zh-CN" altLang="en-US" dirty="0"/>
+                  <a:t>方法损失了更详细的信息，只提供了探测器的结果</a:t>
+                </a:r>
+                <a:endParaRPr lang="en-US" altLang="zh-CN" dirty="0"/>
+              </a:p>
+              <a:p>
+                <a:pPr lvl="1"/>
+                <a:r>
+                  <a:rPr lang="zh-CN" altLang="en-US" dirty="0"/>
+                  <a:t>如果使用生成网络等大模型，在相同</a:t>
+                </a:r>
+                <a:r>
+                  <a:rPr lang="en-US" altLang="zh-CN" dirty="0"/>
+                  <a:t>cpu</a:t>
+                </a:r>
+                <a:r>
+                  <a:rPr lang="zh-CN" altLang="en-US" dirty="0"/>
+                  <a:t>上模拟速度会下降，使用</a:t>
+                </a:r>
+                <a:r>
+                  <a:rPr lang="en-US" altLang="zh-CN" dirty="0"/>
+                  <a:t>gpu</a:t>
+                </a:r>
+                <a:r>
+                  <a:rPr lang="zh-CN" altLang="en-US" dirty="0"/>
+                  <a:t>成本大幅提高</a:t>
+                </a:r>
+                <a:endParaRPr lang="en-US" altLang="zh-CN" dirty="0"/>
+              </a:p>
+              <a:p>
+                <a:pPr lvl="1"/>
+                <a:r>
+                  <a:rPr lang="en-US" altLang="zh-CN" dirty="0">
+                    <a:solidFill>
+                      <a:srgbClr val="C00000"/>
+                    </a:solidFill>
+                  </a:rPr>
+                  <a:t>tbd</a:t>
+                </a:r>
+              </a:p>
+              <a:p>
+                <a:r>
+                  <a:rPr lang="en-US" altLang="zh-CN" dirty="0"/>
+                  <a:t>BESIII</a:t>
+                </a:r>
+                <a:r>
+                  <a:rPr lang="zh-CN" altLang="en-US" dirty="0"/>
+                  <a:t>实验可以产生大量</a:t>
+                </a:r>
+                <a14:m>
+                  <m:oMath xmlns:m="http://schemas.openxmlformats.org/officeDocument/2006/math">
+                    <m:r>
+                      <a:rPr lang="en-US" altLang="zh-CN" i="1">
+                        <a:latin typeface="Cambria Math" panose="02040503050406030204" pitchFamily="18" charset="0"/>
+                        <a:cs typeface="+mn-ea"/>
+                        <a:sym typeface="+mn-lt"/>
+                      </a:rPr>
+                      <m:t>𝐽</m:t>
+                    </m:r>
+                    <m:r>
+                      <a:rPr lang="en-US" altLang="zh-CN" i="1">
+                        <a:latin typeface="Cambria Math" panose="02040503050406030204" pitchFamily="18" charset="0"/>
+                        <a:cs typeface="+mn-ea"/>
+                        <a:sym typeface="+mn-lt"/>
+                      </a:rPr>
+                      <m:t>/</m:t>
+                    </m:r>
+                    <m:r>
+                      <a:rPr lang="el-GR" altLang="zh-CN" i="1">
+                        <a:latin typeface="Cambria Math" panose="02040503050406030204" pitchFamily="18" charset="0"/>
+                        <a:cs typeface="+mn-ea"/>
+                        <a:sym typeface="+mn-lt"/>
+                      </a:rPr>
+                      <m:t>𝜓</m:t>
+                    </m:r>
+                  </m:oMath>
+                </a14:m>
+                <a:r>
+                  <a:rPr lang="zh-CN" altLang="en-US" dirty="0"/>
+                  <a:t>事例，使用</a:t>
+                </a:r>
+                <a14:m>
+                  <m:oMath xmlns:m="http://schemas.openxmlformats.org/officeDocument/2006/math">
+                    <m:r>
+                      <a:rPr lang="en-US" altLang="zh-CN" i="1">
+                        <a:latin typeface="Cambria Math" panose="02040503050406030204" pitchFamily="18" charset="0"/>
+                        <a:cs typeface="+mn-ea"/>
+                        <a:sym typeface="+mn-lt"/>
+                      </a:rPr>
+                      <m:t>𝐽</m:t>
+                    </m:r>
+                    <m:r>
+                      <a:rPr lang="en-US" altLang="zh-CN" i="1">
+                        <a:latin typeface="Cambria Math" panose="02040503050406030204" pitchFamily="18" charset="0"/>
+                        <a:cs typeface="+mn-ea"/>
+                        <a:sym typeface="+mn-lt"/>
+                      </a:rPr>
+                      <m:t>/</m:t>
+                    </m:r>
+                    <m:r>
+                      <a:rPr lang="el-GR" altLang="zh-CN" i="1">
+                        <a:latin typeface="Cambria Math" panose="02040503050406030204" pitchFamily="18" charset="0"/>
+                        <a:cs typeface="+mn-ea"/>
+                        <a:sym typeface="+mn-lt"/>
+                      </a:rPr>
+                      <m:t>𝜓</m:t>
+                    </m:r>
+                    <m:r>
+                      <a:rPr lang="el-GR" altLang="zh-CN" i="1">
+                        <a:latin typeface="Cambria Math" panose="02040503050406030204" pitchFamily="18" charset="0"/>
+                        <a:cs typeface="+mn-ea"/>
+                        <a:sym typeface="+mn-lt"/>
+                      </a:rPr>
+                      <m:t>→</m:t>
+                    </m:r>
+                    <m:r>
+                      <a:rPr lang="en-US" altLang="zh-CN" i="1">
+                        <a:latin typeface="Cambria Math" panose="02040503050406030204" pitchFamily="18" charset="0"/>
+                        <a:cs typeface="+mn-ea"/>
+                        <a:sym typeface="+mn-lt"/>
+                      </a:rPr>
+                      <m:t>𝑝</m:t>
+                    </m:r>
+                    <m:acc>
+                      <m:accPr>
+                        <m:chr m:val="̅"/>
+                        <m:ctrlPr>
+                          <a:rPr lang="en-US" altLang="zh-CN" i="1">
+                            <a:latin typeface="Cambria Math" panose="02040503050406030204" pitchFamily="18" charset="0"/>
+                            <a:cs typeface="+mn-ea"/>
+                            <a:sym typeface="+mn-lt"/>
+                          </a:rPr>
+                        </m:ctrlPr>
+                      </m:accPr>
+                      <m:e>
+                        <m:r>
+                          <a:rPr lang="en-US" altLang="zh-CN" i="1">
+                            <a:latin typeface="Cambria Math" panose="02040503050406030204" pitchFamily="18" charset="0"/>
+                            <a:cs typeface="+mn-ea"/>
+                            <a:sym typeface="+mn-lt"/>
+                          </a:rPr>
+                          <m:t>𝑛</m:t>
+                        </m:r>
+                      </m:e>
+                    </m:acc>
+                    <m:sSup>
+                      <m:sSupPr>
+                        <m:ctrlPr>
+                          <a:rPr lang="en-US" altLang="zh-CN" i="1">
+                            <a:latin typeface="Cambria Math" panose="02040503050406030204" pitchFamily="18" charset="0"/>
+                            <a:cs typeface="+mn-ea"/>
+                            <a:sym typeface="+mn-lt"/>
+                          </a:rPr>
+                        </m:ctrlPr>
+                      </m:sSupPr>
+                      <m:e>
+                        <m:r>
+                          <a:rPr lang="zh-CN" altLang="en-US" i="1">
+                            <a:latin typeface="Cambria Math" panose="02040503050406030204" pitchFamily="18" charset="0"/>
+                            <a:cs typeface="+mn-ea"/>
+                            <a:sym typeface="+mn-lt"/>
+                          </a:rPr>
+                          <m:t>𝜋</m:t>
+                        </m:r>
+                      </m:e>
+                      <m:sup>
+                        <m:r>
+                          <a:rPr lang="en-US" altLang="zh-CN" i="1">
+                            <a:latin typeface="Cambria Math" panose="02040503050406030204" pitchFamily="18" charset="0"/>
+                            <a:cs typeface="+mn-ea"/>
+                            <a:sym typeface="+mn-lt"/>
+                          </a:rPr>
+                          <m:t>−</m:t>
+                        </m:r>
+                      </m:sup>
+                    </m:sSup>
+                  </m:oMath>
+                </a14:m>
+                <a:r>
+                  <a:rPr lang="zh-CN" altLang="en-US" dirty="0"/>
+                  <a:t>可以挑选出非常纯净的反中子</a:t>
+                </a:r>
+                <a:endParaRPr lang="en-US" altLang="zh-CN" dirty="0"/>
+              </a:p>
+              <a:p>
+                <a:pPr lvl="1"/>
+                <a:r>
+                  <a:rPr lang="zh-CN" altLang="en-US" dirty="0">
+                    <a:solidFill>
+                      <a:srgbClr val="C00000"/>
+                    </a:solidFill>
+                  </a:rPr>
+                  <a:t>估算：</a:t>
+                </a:r>
+                <a:r>
+                  <a:rPr lang="en-US" altLang="zh-CN" dirty="0">
+                    <a:solidFill>
+                      <a:srgbClr val="C00000"/>
+                    </a:solidFill>
+                  </a:rPr>
+                  <a:t>total_jpsi * ppinbar_ratio * select_efficiency</a:t>
+                </a:r>
+                <a:endParaRPr lang="zh-CN" altLang="en-US" dirty="0">
+                  <a:solidFill>
+                    <a:srgbClr val="C00000"/>
+                  </a:solidFill>
+                </a:endParaRPr>
+              </a:p>
+            </p:txBody>
+          </p:sp>
+        </mc:Choice>
+        <mc:Fallback xmlns="">
+          <p:sp>
+            <p:nvSpPr>
+              <p:cNvPr id="3" name="内容占位符 2"/>
+              <p:cNvSpPr>
+                <a:spLocks noGrp="1" noRot="1" noChangeAspect="1" noMove="1" noResize="1" noEditPoints="1" noAdjustHandles="1" noChangeArrowheads="1" noChangeShapeType="1" noTextEdit="1"/>
+              </p:cNvSpPr>
+              <p:nvPr>
+                <p:ph sz="quarter" idx="13"/>
+              </p:nvPr>
+            </p:nvSpPr>
+            <p:spPr>
+              <a:blipFill>
+                <a:blip r:embed="rId2"/>
+                <a:stretch>
+                  <a:fillRect l="-707" t="-229" r="-2283"/>
+                </a:stretch>
+              </a:blipFill>
+            </p:spPr>
+            <p:txBody>
+              <a:bodyPr/>
+              <a:lstStyle/>
+              <a:p>
+                <a:r>
+                  <a:rPr lang="zh-CN" altLang="en-US">
+                    <a:noFill/>
+                  </a:rPr>
+                  <a:t> </a:t>
+                </a:r>
+              </a:p>
+            </p:txBody>
+          </p:sp>
+        </mc:Fallback>
+      </mc:AlternateContent>
+      <p:sp>
+        <p:nvSpPr>
+          <p:cNvPr id="4" name="日期占位符 3"/>
+          <p:cNvSpPr>
+            <a:spLocks noGrp="1"/>
+          </p:cNvSpPr>
+          <p:nvPr>
+            <p:ph type="dt" sz="half" idx="10"/>
+          </p:nvPr>
+        </p:nvSpPr>
+        <p:spPr/>
+        <p:txBody>
+          <a:bodyPr/>
+          <a:lstStyle/>
+          <a:p>
+            <a:fld id="{3F066E0A-57EC-403C-9412-4C2312A1DE14}" type="datetime1">
+              <a:rPr lang="zh-CN" altLang="en-US" smtClean="0"/>
+              <a:t>2023/1/17</a:t>
+            </a:fld>
+            <a:endParaRPr lang="zh-CN" altLang="en-US" dirty="0"/>
+          </a:p>
+        </p:txBody>
+      </p:sp>
+      <p:sp>
+        <p:nvSpPr>
+          <p:cNvPr id="5" name="灯片编号占位符 4"/>
+          <p:cNvSpPr>
+            <a:spLocks noGrp="1"/>
+          </p:cNvSpPr>
+          <p:nvPr>
+            <p:ph type="sldNum" sz="quarter" idx="12"/>
+          </p:nvPr>
+        </p:nvSpPr>
+        <p:spPr/>
+        <p:txBody>
+          <a:bodyPr/>
+          <a:lstStyle/>
+          <a:p>
+            <a:fld id="{90E01221-190F-488C-BDE8-A1E8F9F1EF4F}" type="slidenum">
+              <a:rPr lang="zh-CN" altLang="en-US" smtClean="0"/>
+              <a:pPr/>
+              <a:t>3</a:t>
+            </a:fld>
+            <a:endParaRPr lang="zh-CN" altLang="en-US" dirty="0"/>
+          </a:p>
+        </p:txBody>
+      </p:sp>
+    </p:spTree>
+    <p:extLst>
+      <p:ext uri="{BB962C8B-B14F-4D97-AF65-F5344CB8AC3E}">
+        <p14:creationId xmlns:p14="http://schemas.microsoft.com/office/powerpoint/2010/main" val="2038079703"/>
+      </p:ext>
+    </p:extLst>
+  </p:cSld>
+  <p:clrMapOvr>
+    <a:masterClrMapping/>
+  </p:clrMapOvr>
+</p:sld>
+</file>
+
+<file path=ppt/slides/slide4.xml><?xml version="1.0" encoding="utf-8"?>
+<p:sld xmlns:a="http://schemas.openxmlformats.org/drawingml/2006/main" xmlns:r="http://schemas.openxmlformats.org/officeDocument/2006/relationships" xmlns:p="http://schemas.openxmlformats.org/presentationml/2006/main">
+  <p:cSld>
+    <p:spTree>
+      <p:nvGrpSpPr>
+        <p:cNvPr id="1" name=""/>
+        <p:cNvGrpSpPr/>
+        <p:nvPr/>
+      </p:nvGrpSpPr>
+      <p:grpSpPr>
+        <a:xfrm>
+          <a:off x="0" y="0"/>
+          <a:ext cx="0" cy="0"/>
+          <a:chOff x="0" y="0"/>
+          <a:chExt cx="0" cy="0"/>
+        </a:xfrm>
+      </p:grpSpPr>
+      <p:sp>
+        <p:nvSpPr>
+          <p:cNvPr id="2" name="标题 1"/>
+          <p:cNvSpPr>
+            <a:spLocks noGrp="1"/>
+          </p:cNvSpPr>
+          <p:nvPr>
+            <p:ph type="title"/>
+          </p:nvPr>
+        </p:nvSpPr>
+        <p:spPr/>
+        <p:txBody>
+          <a:bodyPr>
+            <a:normAutofit/>
+          </a:bodyPr>
+          <a:lstStyle/>
+          <a:p>
+            <a:r>
+              <a:rPr lang="zh-CN" altLang="en-US" dirty="0"/>
+              <a:t>文献综述</a:t>
+            </a:r>
+            <a:endParaRPr lang="en-US" altLang="zh-CN" dirty="0"/>
+          </a:p>
+        </p:txBody>
+      </p:sp>
+      <mc:AlternateContent xmlns:mc="http://schemas.openxmlformats.org/markup-compatibility/2006" xmlns:a14="http://schemas.microsoft.com/office/drawing/2010/main">
+        <mc:Choice Requires="a14">
+          <p:sp>
+            <p:nvSpPr>
+              <p:cNvPr id="3" name="内容占位符 2"/>
+              <p:cNvSpPr>
+                <a:spLocks noGrp="1"/>
+              </p:cNvSpPr>
+              <p:nvPr>
+                <p:ph sz="quarter" idx="13"/>
+              </p:nvPr>
+            </p:nvSpPr>
+            <p:spPr/>
+            <p:txBody>
+              <a:bodyPr/>
+              <a:lstStyle/>
+              <a:p>
+                <a:r>
+                  <a:rPr lang="zh-CN" altLang="en-US" dirty="0"/>
+                  <a:t>抽样方法模拟反中子数据</a:t>
+                </a:r>
+                <a:endParaRPr lang="en-US" altLang="zh-CN" dirty="0"/>
+              </a:p>
+              <a:p>
+                <a:pPr lvl="1"/>
+                <a:r>
+                  <a:rPr lang="en-US" altLang="zh-CN" dirty="0">
+                    <a:hlinkClick r:id="rId2"/>
+                  </a:rPr>
+                  <a:t>BESIII DocDB-doc-908-v15: Development of a Data-Driven Algorithm to Simulate Anti-neutron with Bootstrapping at BESIII (ihep.ac.cn)</a:t>
+                </a:r>
+                <a:endParaRPr lang="en-US" altLang="zh-CN" dirty="0"/>
+              </a:p>
+              <a:p>
+                <a:r>
+                  <a:rPr lang="zh-CN" altLang="en-US" dirty="0"/>
+                  <a:t>超级</a:t>
+                </a:r>
+                <a14:m>
+                  <m:oMath xmlns:m="http://schemas.openxmlformats.org/officeDocument/2006/math">
+                    <m:r>
+                      <a:rPr lang="en-US" altLang="zh-CN" i="1">
+                        <a:latin typeface="Cambria Math" panose="02040503050406030204" pitchFamily="18" charset="0"/>
+                      </a:rPr>
+                      <m:t>𝐽</m:t>
+                    </m:r>
+                    <m:r>
+                      <a:rPr lang="en-US" altLang="zh-CN" i="1">
+                        <a:latin typeface="Cambria Math" panose="02040503050406030204" pitchFamily="18" charset="0"/>
+                      </a:rPr>
+                      <m:t>/</m:t>
+                    </m:r>
+                    <m:r>
+                      <a:rPr lang="en-US" altLang="zh-CN" i="1">
+                        <a:latin typeface="Cambria Math" panose="02040503050406030204" pitchFamily="18" charset="0"/>
+                      </a:rPr>
+                      <m:t>𝜓</m:t>
+                    </m:r>
+                  </m:oMath>
+                </a14:m>
+                <a:r>
+                  <a:rPr lang="zh-CN" altLang="en-US" dirty="0"/>
+                  <a:t>工厂</a:t>
+                </a:r>
+                <a:endParaRPr lang="en-US" altLang="zh-CN" dirty="0"/>
+              </a:p>
+              <a:p>
+                <a:pPr lvl="1"/>
+                <a:r>
+                  <a:rPr lang="en-US" altLang="zh-CN" dirty="0">
+                    <a:hlinkClick r:id="rId3"/>
+                  </a:rPr>
+                  <a:t>Cornucopia of Antineutrons and Hyperons from a Super J/</a:t>
+                </a:r>
+                <a:r>
+                  <a:rPr lang="el-GR" altLang="zh-CN" dirty="0">
+                    <a:hlinkClick r:id="rId3"/>
+                  </a:rPr>
+                  <a:t>ψ </a:t>
+                </a:r>
+                <a:r>
+                  <a:rPr lang="en-US" altLang="zh-CN" dirty="0">
+                    <a:hlinkClick r:id="rId3"/>
+                  </a:rPr>
+                  <a:t>Factory for Next-Generation Nuclear and Particle Physics High-Precision Experiments - INSPIRE (inspirehep.net)</a:t>
+                </a:r>
+                <a:endParaRPr lang="zh-CN" altLang="en-US" dirty="0"/>
+              </a:p>
+            </p:txBody>
+          </p:sp>
+        </mc:Choice>
+        <mc:Fallback xmlns="">
+          <p:sp>
+            <p:nvSpPr>
+              <p:cNvPr id="3" name="内容占位符 2"/>
+              <p:cNvSpPr>
+                <a:spLocks noGrp="1" noRot="1" noChangeAspect="1" noMove="1" noResize="1" noEditPoints="1" noAdjustHandles="1" noChangeArrowheads="1" noChangeShapeType="1" noTextEdit="1"/>
+              </p:cNvSpPr>
+              <p:nvPr>
+                <p:ph sz="quarter" idx="13"/>
+              </p:nvPr>
+            </p:nvSpPr>
+            <p:spPr>
+              <a:blipFill>
+                <a:blip r:embed="rId4"/>
+                <a:stretch>
+                  <a:fillRect l="-707" t="-229"/>
+                </a:stretch>
+              </a:blipFill>
+            </p:spPr>
+            <p:txBody>
+              <a:bodyPr/>
+              <a:lstStyle/>
+              <a:p>
+                <a:r>
+                  <a:rPr lang="zh-CN" altLang="en-US">
+                    <a:noFill/>
+                  </a:rPr>
+                  <a:t> </a:t>
+                </a:r>
+              </a:p>
+            </p:txBody>
+          </p:sp>
+        </mc:Fallback>
+      </mc:AlternateContent>
+      <p:sp>
+        <p:nvSpPr>
+          <p:cNvPr id="4" name="日期占位符 3"/>
+          <p:cNvSpPr>
+            <a:spLocks noGrp="1"/>
+          </p:cNvSpPr>
+          <p:nvPr>
+            <p:ph type="dt" sz="half" idx="10"/>
+          </p:nvPr>
+        </p:nvSpPr>
+        <p:spPr/>
+        <p:txBody>
+          <a:bodyPr/>
+          <a:lstStyle/>
+          <a:p>
+            <a:fld id="{3F066E0A-57EC-403C-9412-4C2312A1DE14}" type="datetime1">
+              <a:rPr lang="zh-CN" altLang="en-US" smtClean="0"/>
+              <a:t>2023/1/17</a:t>
+            </a:fld>
+            <a:endParaRPr lang="zh-CN" altLang="en-US" dirty="0"/>
+          </a:p>
+        </p:txBody>
+      </p:sp>
+      <p:sp>
+        <p:nvSpPr>
+          <p:cNvPr id="5" name="灯片编号占位符 4"/>
+          <p:cNvSpPr>
+            <a:spLocks noGrp="1"/>
+          </p:cNvSpPr>
+          <p:nvPr>
+            <p:ph type="sldNum" sz="quarter" idx="12"/>
+          </p:nvPr>
+        </p:nvSpPr>
+        <p:spPr/>
+        <p:txBody>
+          <a:bodyPr/>
+          <a:lstStyle/>
+          <a:p>
+            <a:fld id="{90E01221-190F-488C-BDE8-A1E8F9F1EF4F}" type="slidenum">
+              <a:rPr lang="zh-CN" altLang="en-US" smtClean="0"/>
+              <a:pPr/>
+              <a:t>4</a:t>
+            </a:fld>
+            <a:endParaRPr lang="zh-CN" altLang="en-US" dirty="0"/>
+          </a:p>
+        </p:txBody>
+      </p:sp>
+    </p:spTree>
+    <p:extLst>
+      <p:ext uri="{BB962C8B-B14F-4D97-AF65-F5344CB8AC3E}">
+        <p14:creationId xmlns:p14="http://schemas.microsoft.com/office/powerpoint/2010/main" val="2158029059"/>
+      </p:ext>
+    </p:extLst>
+  </p:cSld>
+  <p:clrMapOvr>
+    <a:masterClrMapping/>
+  </p:clrMapOvr>
+</p:sld>
+</file>
+
+<file path=ppt/slides/slide5.xml><?xml version="1.0" encoding="utf-8"?>
+<p:sld xmlns:a="http://schemas.openxmlformats.org/drawingml/2006/main" xmlns:r="http://schemas.openxmlformats.org/officeDocument/2006/relationships" xmlns:p="http://schemas.openxmlformats.org/presentationml/2006/main">
+  <p:cSld>
+    <p:spTree>
+      <p:nvGrpSpPr>
+        <p:cNvPr id="1" name=""/>
+        <p:cNvGrpSpPr/>
+        <p:nvPr/>
+      </p:nvGrpSpPr>
+      <p:grpSpPr>
+        <a:xfrm>
+          <a:off x="0" y="0"/>
+          <a:ext cx="0" cy="0"/>
+          <a:chOff x="0" y="0"/>
+          <a:chExt cx="0" cy="0"/>
+        </a:xfrm>
+      </p:grpSpPr>
+      <p:sp>
+        <p:nvSpPr>
+          <p:cNvPr id="2" name="标题 1"/>
+          <p:cNvSpPr>
+            <a:spLocks noGrp="1"/>
+          </p:cNvSpPr>
+          <p:nvPr>
+            <p:ph type="title"/>
+          </p:nvPr>
+        </p:nvSpPr>
+        <p:spPr/>
+        <p:txBody>
+          <a:bodyPr>
+            <a:normAutofit/>
+          </a:bodyPr>
+          <a:lstStyle/>
+          <a:p>
+            <a:r>
+              <a:rPr lang="zh-CN" altLang="en-US" dirty="0"/>
+              <a:t>实验设计</a:t>
+            </a:r>
+            <a:endParaRPr lang="en-US" altLang="zh-CN" dirty="0"/>
+          </a:p>
+        </p:txBody>
+      </p:sp>
+      <mc:AlternateContent xmlns:mc="http://schemas.openxmlformats.org/markup-compatibility/2006" xmlns:a14="http://schemas.microsoft.com/office/drawing/2010/main">
+        <mc:Choice Requires="a14">
+          <p:sp>
+            <p:nvSpPr>
+              <p:cNvPr id="3" name="内容占位符 2"/>
+              <p:cNvSpPr>
+                <a:spLocks noGrp="1"/>
+              </p:cNvSpPr>
+              <p:nvPr>
+                <p:ph sz="quarter" idx="13"/>
+              </p:nvPr>
+            </p:nvSpPr>
+            <p:spPr>
+              <a:xfrm>
+                <a:off x="482603" y="1008531"/>
+                <a:ext cx="5613397" cy="2649069"/>
+              </a:xfrm>
+            </p:spPr>
+            <p:txBody>
+              <a:bodyPr>
+                <a:normAutofit/>
+              </a:bodyPr>
+              <a:lstStyle/>
+              <a:p>
+                <a:r>
+                  <a:rPr lang="zh-CN" altLang="en-US" sz="2000" dirty="0"/>
+                  <a:t>使用</a:t>
+                </a:r>
+                <a14:m>
+                  <m:oMath xmlns:m="http://schemas.openxmlformats.org/officeDocument/2006/math">
+                    <m:r>
+                      <a:rPr lang="en-US" altLang="zh-CN" sz="2000" i="1">
+                        <a:latin typeface="Cambria Math" panose="02040503050406030204" pitchFamily="18" charset="0"/>
+                        <a:cs typeface="+mn-ea"/>
+                        <a:sym typeface="+mn-lt"/>
+                      </a:rPr>
+                      <m:t>𝐽</m:t>
+                    </m:r>
+                    <m:r>
+                      <a:rPr lang="en-US" altLang="zh-CN" sz="2000" i="1">
+                        <a:latin typeface="Cambria Math" panose="02040503050406030204" pitchFamily="18" charset="0"/>
+                        <a:cs typeface="+mn-ea"/>
+                        <a:sym typeface="+mn-lt"/>
+                      </a:rPr>
+                      <m:t>/</m:t>
+                    </m:r>
+                    <m:r>
+                      <a:rPr lang="el-GR" altLang="zh-CN" sz="2000" i="1">
+                        <a:latin typeface="Cambria Math" panose="02040503050406030204" pitchFamily="18" charset="0"/>
+                        <a:cs typeface="+mn-ea"/>
+                        <a:sym typeface="+mn-lt"/>
+                      </a:rPr>
+                      <m:t>𝜓</m:t>
+                    </m:r>
+                    <m:r>
+                      <a:rPr lang="el-GR" altLang="zh-CN" sz="2000" i="1">
+                        <a:latin typeface="Cambria Math" panose="02040503050406030204" pitchFamily="18" charset="0"/>
+                        <a:cs typeface="+mn-ea"/>
+                        <a:sym typeface="+mn-lt"/>
+                      </a:rPr>
+                      <m:t>→</m:t>
+                    </m:r>
+                    <m:r>
+                      <a:rPr lang="en-US" altLang="zh-CN" sz="2000" i="1">
+                        <a:latin typeface="Cambria Math" panose="02040503050406030204" pitchFamily="18" charset="0"/>
+                        <a:cs typeface="+mn-ea"/>
+                        <a:sym typeface="+mn-lt"/>
+                      </a:rPr>
+                      <m:t>𝑝</m:t>
+                    </m:r>
+                    <m:acc>
+                      <m:accPr>
+                        <m:chr m:val="̅"/>
+                        <m:ctrlPr>
+                          <a:rPr lang="en-US" altLang="zh-CN" sz="2000" i="1">
+                            <a:latin typeface="Cambria Math" panose="02040503050406030204" pitchFamily="18" charset="0"/>
+                            <a:cs typeface="+mn-ea"/>
+                            <a:sym typeface="+mn-lt"/>
+                          </a:rPr>
+                        </m:ctrlPr>
+                      </m:accPr>
+                      <m:e>
+                        <m:r>
+                          <a:rPr lang="en-US" altLang="zh-CN" sz="2000" i="1">
+                            <a:latin typeface="Cambria Math" panose="02040503050406030204" pitchFamily="18" charset="0"/>
+                            <a:cs typeface="+mn-ea"/>
+                            <a:sym typeface="+mn-lt"/>
+                          </a:rPr>
+                          <m:t>𝑛</m:t>
+                        </m:r>
+                      </m:e>
+                    </m:acc>
+                    <m:sSup>
+                      <m:sSupPr>
+                        <m:ctrlPr>
+                          <a:rPr lang="en-US" altLang="zh-CN" sz="2000" i="1">
+                            <a:latin typeface="Cambria Math" panose="02040503050406030204" pitchFamily="18" charset="0"/>
+                            <a:cs typeface="+mn-ea"/>
+                            <a:sym typeface="+mn-lt"/>
+                          </a:rPr>
+                        </m:ctrlPr>
+                      </m:sSupPr>
+                      <m:e>
+                        <m:r>
+                          <a:rPr lang="zh-CN" altLang="en-US" sz="2000" i="1">
+                            <a:latin typeface="Cambria Math" panose="02040503050406030204" pitchFamily="18" charset="0"/>
+                            <a:cs typeface="+mn-ea"/>
+                            <a:sym typeface="+mn-lt"/>
+                          </a:rPr>
+                          <m:t>𝜋</m:t>
+                        </m:r>
+                      </m:e>
+                      <m:sup>
+                        <m:r>
+                          <a:rPr lang="en-US" altLang="zh-CN" sz="2000" i="1">
+                            <a:latin typeface="Cambria Math" panose="02040503050406030204" pitchFamily="18" charset="0"/>
+                            <a:cs typeface="+mn-ea"/>
+                            <a:sym typeface="+mn-lt"/>
+                          </a:rPr>
+                          <m:t>−</m:t>
+                        </m:r>
+                      </m:sup>
+                    </m:sSup>
+                  </m:oMath>
+                </a14:m>
+                <a:r>
+                  <a:rPr lang="zh-CN" altLang="en-US" sz="2000" dirty="0"/>
+                  <a:t>物理道</a:t>
+                </a:r>
+                <a:endParaRPr lang="en-US" altLang="zh-CN" sz="2000" dirty="0"/>
+              </a:p>
+              <a:p>
+                <a:r>
+                  <a:rPr lang="zh-CN" altLang="en-US" sz="2000" dirty="0"/>
+                  <a:t>束流管外加入碘化铯</a:t>
+                </a:r>
+                <a:endParaRPr lang="en-US" altLang="zh-CN" sz="2000" dirty="0">
+                  <a:solidFill>
+                    <a:srgbClr val="C00000"/>
+                  </a:solidFill>
+                </a:endParaRPr>
+              </a:p>
+              <a:p>
+                <a:r>
+                  <a:rPr lang="zh-CN" altLang="en-US" sz="2000" dirty="0"/>
+                  <a:t>在不大幅降低</a:t>
+                </a:r>
+                <a:r>
+                  <a:rPr lang="en-US" altLang="zh-CN" sz="2000" dirty="0"/>
+                  <a:t>p</a:t>
+                </a:r>
+                <a:r>
+                  <a:rPr lang="zh-CN" altLang="en-US" sz="2000" dirty="0"/>
+                  <a:t>、</a:t>
+                </a:r>
+                <a:r>
+                  <a:rPr lang="en-US" altLang="zh-CN" sz="2000" dirty="0"/>
+                  <a:t>pi</a:t>
+                </a:r>
+                <a:r>
+                  <a:rPr lang="zh-CN" altLang="en-US" sz="2000" dirty="0"/>
+                  <a:t>效率和分辨的条件下，产生尽可能多的反中子打靶事例</a:t>
+                </a:r>
+                <a:endParaRPr lang="en-US" altLang="zh-CN" sz="2000" dirty="0"/>
+              </a:p>
+            </p:txBody>
+          </p:sp>
+        </mc:Choice>
+        <mc:Fallback xmlns="">
+          <p:sp>
+            <p:nvSpPr>
+              <p:cNvPr id="3" name="内容占位符 2"/>
+              <p:cNvSpPr>
+                <a:spLocks noGrp="1" noRot="1" noChangeAspect="1" noMove="1" noResize="1" noEditPoints="1" noAdjustHandles="1" noChangeArrowheads="1" noChangeShapeType="1" noTextEdit="1"/>
+              </p:cNvSpPr>
+              <p:nvPr>
+                <p:ph sz="quarter" idx="13"/>
+              </p:nvPr>
+            </p:nvSpPr>
+            <p:spPr>
+              <a:xfrm>
+                <a:off x="482603" y="1008531"/>
+                <a:ext cx="5613397" cy="2649069"/>
+              </a:xfrm>
+              <a:blipFill>
+                <a:blip r:embed="rId2"/>
+                <a:stretch>
+                  <a:fillRect l="-977"/>
+                </a:stretch>
+              </a:blipFill>
+            </p:spPr>
+            <p:txBody>
+              <a:bodyPr/>
+              <a:lstStyle/>
+              <a:p>
+                <a:r>
+                  <a:rPr lang="zh-CN" altLang="en-US">
+                    <a:noFill/>
+                  </a:rPr>
+                  <a:t> </a:t>
+                </a:r>
+              </a:p>
+            </p:txBody>
+          </p:sp>
+        </mc:Fallback>
+      </mc:AlternateContent>
+      <p:sp>
+        <p:nvSpPr>
+          <p:cNvPr id="4" name="日期占位符 3"/>
+          <p:cNvSpPr>
+            <a:spLocks noGrp="1"/>
+          </p:cNvSpPr>
+          <p:nvPr>
+            <p:ph type="dt" sz="half" idx="10"/>
+          </p:nvPr>
+        </p:nvSpPr>
+        <p:spPr/>
+        <p:txBody>
+          <a:bodyPr/>
+          <a:lstStyle/>
+          <a:p>
+            <a:fld id="{3F066E0A-57EC-403C-9412-4C2312A1DE14}" type="datetime1">
+              <a:rPr lang="zh-CN" altLang="en-US" smtClean="0"/>
+              <a:t>2023/1/17</a:t>
+            </a:fld>
+            <a:endParaRPr lang="zh-CN" altLang="en-US" dirty="0"/>
+          </a:p>
+        </p:txBody>
+      </p:sp>
+      <p:sp>
+        <p:nvSpPr>
+          <p:cNvPr id="5" name="灯片编号占位符 4"/>
+          <p:cNvSpPr>
+            <a:spLocks noGrp="1"/>
+          </p:cNvSpPr>
+          <p:nvPr>
+            <p:ph type="sldNum" sz="quarter" idx="12"/>
+          </p:nvPr>
+        </p:nvSpPr>
+        <p:spPr/>
+        <p:txBody>
+          <a:bodyPr/>
+          <a:lstStyle/>
+          <a:p>
+            <a:fld id="{90E01221-190F-488C-BDE8-A1E8F9F1EF4F}" type="slidenum">
+              <a:rPr lang="zh-CN" altLang="en-US" smtClean="0"/>
+              <a:pPr/>
+              <a:t>5</a:t>
+            </a:fld>
+            <a:endParaRPr lang="zh-CN" altLang="en-US" dirty="0"/>
+          </a:p>
+        </p:txBody>
+      </p:sp>
+      <p:pic>
+        <p:nvPicPr>
+          <p:cNvPr id="6" name="图片 5"/>
+          <p:cNvPicPr>
+            <a:picLocks noChangeAspect="1"/>
+          </p:cNvPicPr>
+          <p:nvPr/>
+        </p:nvPicPr>
+        <p:blipFill>
+          <a:blip r:embed="rId3"/>
+          <a:stretch>
+            <a:fillRect/>
+          </a:stretch>
+        </p:blipFill>
+        <p:spPr>
+          <a:xfrm>
+            <a:off x="6096000" y="1008531"/>
+            <a:ext cx="5600700" cy="2503493"/>
+          </a:xfrm>
+          <a:prstGeom prst="rect">
+            <a:avLst/>
+          </a:prstGeom>
+        </p:spPr>
+      </p:pic>
+      <mc:AlternateContent xmlns:mc="http://schemas.openxmlformats.org/markup-compatibility/2006" xmlns:a14="http://schemas.microsoft.com/office/drawing/2010/main">
+        <mc:Choice Requires="a14">
+          <p:sp>
+            <p:nvSpPr>
+              <p:cNvPr id="7" name="内容占位符 2"/>
+              <p:cNvSpPr txBox="1">
+                <a:spLocks/>
+              </p:cNvSpPr>
+              <p:nvPr/>
+            </p:nvSpPr>
+            <p:spPr>
+              <a:xfrm>
+                <a:off x="482600" y="3657599"/>
+                <a:ext cx="11214100" cy="2679700"/>
+              </a:xfrm>
+              <a:prstGeom prst="rect">
+                <a:avLst/>
+              </a:prstGeom>
+            </p:spPr>
+            <p:txBody>
+              <a:bodyPr vert="horz" lIns="91440" tIns="45720" rIns="91440" bIns="45720" rtlCol="0">
+                <a:normAutofit/>
+              </a:bodyPr>
+              <a:lstStyle>
+                <a:lvl1pPr marL="228594" indent="-228594" algn="l" defTabSz="914377" rtl="0" eaLnBrk="1" latinLnBrk="0" hangingPunct="1">
+                  <a:lnSpc>
+                    <a:spcPct val="120000"/>
+                  </a:lnSpc>
+                  <a:spcBef>
+                    <a:spcPts val="1000"/>
+                  </a:spcBef>
+                  <a:buFont typeface="Arial" panose="020B0604020202020204" pitchFamily="34" charset="0"/>
+                  <a:buChar char="•"/>
+                  <a:defRPr sz="2400" kern="1200">
+                    <a:solidFill>
+                      <a:schemeClr val="tx1"/>
+                    </a:solidFill>
+                    <a:latin typeface="微软雅黑" panose="020B0503020204020204" pitchFamily="34" charset="-122"/>
+                    <a:ea typeface="微软雅黑" panose="020B0503020204020204" pitchFamily="34" charset="-122"/>
+                    <a:cs typeface="+mn-cs"/>
+                  </a:defRPr>
+                </a:lvl1pPr>
+                <a:lvl2pPr marL="685783" indent="-228594" algn="l" defTabSz="914377" rtl="0" eaLnBrk="1" latinLnBrk="0" hangingPunct="1">
+                  <a:lnSpc>
+                    <a:spcPct val="120000"/>
+                  </a:lnSpc>
+                  <a:spcBef>
+                    <a:spcPts val="500"/>
+                  </a:spcBef>
+                  <a:buFont typeface="Arial" panose="020B0604020202020204" pitchFamily="34" charset="0"/>
+                  <a:buChar char="•"/>
+                  <a:defRPr sz="2000" kern="1200">
+                    <a:solidFill>
+                      <a:schemeClr val="tx1"/>
+                    </a:solidFill>
+                    <a:latin typeface="微软雅黑" panose="020B0503020204020204" pitchFamily="34" charset="-122"/>
+                    <a:ea typeface="微软雅黑" panose="020B0503020204020204" pitchFamily="34" charset="-122"/>
+                    <a:cs typeface="+mn-cs"/>
+                  </a:defRPr>
+                </a:lvl2pPr>
+                <a:lvl3pPr marL="1142971" indent="-228594" algn="l" defTabSz="914377" rtl="0" eaLnBrk="1" latinLnBrk="0" hangingPunct="1">
+                  <a:lnSpc>
+                    <a:spcPct val="120000"/>
+                  </a:lnSpc>
+                  <a:spcBef>
+                    <a:spcPts val="500"/>
+                  </a:spcBef>
+                  <a:buFont typeface="Arial" panose="020B0604020202020204" pitchFamily="34" charset="0"/>
+                  <a:buChar char="•"/>
+                  <a:defRPr sz="1800" kern="1200">
+                    <a:solidFill>
+                      <a:schemeClr val="tx1"/>
+                    </a:solidFill>
+                    <a:latin typeface="微软雅黑" panose="020B0503020204020204" pitchFamily="34" charset="-122"/>
+                    <a:ea typeface="微软雅黑" panose="020B0503020204020204" pitchFamily="34" charset="-122"/>
+                    <a:cs typeface="+mn-cs"/>
+                  </a:defRPr>
+                </a:lvl3pPr>
+                <a:lvl4pPr marL="1600160" indent="-228594" algn="l" defTabSz="914377" rtl="0" eaLnBrk="1" latinLnBrk="0" hangingPunct="1">
+                  <a:lnSpc>
+                    <a:spcPct val="120000"/>
+                  </a:lnSpc>
+                  <a:spcBef>
+                    <a:spcPts val="500"/>
+                  </a:spcBef>
+                  <a:buFont typeface="Arial" panose="020B0604020202020204" pitchFamily="34" charset="0"/>
+                  <a:buChar char="•"/>
+                  <a:defRPr sz="1600" kern="1200">
+                    <a:solidFill>
+                      <a:schemeClr val="tx1"/>
+                    </a:solidFill>
+                    <a:latin typeface="微软雅黑" panose="020B0503020204020204" pitchFamily="34" charset="-122"/>
+                    <a:ea typeface="微软雅黑" panose="020B0503020204020204" pitchFamily="34" charset="-122"/>
+                    <a:cs typeface="+mn-cs"/>
+                  </a:defRPr>
+                </a:lvl4pPr>
+                <a:lvl5pPr marL="2057349" indent="-228594" algn="l" defTabSz="914377" rtl="0" eaLnBrk="1" latinLnBrk="0" hangingPunct="1">
+                  <a:lnSpc>
+                    <a:spcPct val="120000"/>
+                  </a:lnSpc>
+                  <a:spcBef>
+                    <a:spcPts val="500"/>
+                  </a:spcBef>
+                  <a:buFont typeface="Arial" panose="020B0604020202020204" pitchFamily="34" charset="0"/>
+                  <a:buChar char="•"/>
+                  <a:defRPr sz="1600" kern="1200">
+                    <a:solidFill>
+                      <a:schemeClr val="tx1"/>
+                    </a:solidFill>
+                    <a:latin typeface="微软雅黑" panose="020B0503020204020204" pitchFamily="34" charset="-122"/>
+                    <a:ea typeface="微软雅黑" panose="020B0503020204020204" pitchFamily="34" charset="-122"/>
+                    <a:cs typeface="+mn-cs"/>
+                  </a:defRPr>
+                </a:lvl5pPr>
+                <a:lvl6pPr marL="2514537" indent="-228594" algn="l" defTabSz="914377" rtl="0" eaLnBrk="1" latinLnBrk="0" hangingPunct="1">
+                  <a:lnSpc>
+                    <a:spcPct val="90000"/>
+                  </a:lnSpc>
+                  <a:spcBef>
+                    <a:spcPts val="500"/>
+                  </a:spcBef>
+                  <a:buFont typeface="Arial" panose="020B0604020202020204" pitchFamily="34" charset="0"/>
+                  <a:buChar char="•"/>
+                  <a:defRPr sz="1800" kern="1200">
+                    <a:solidFill>
+                      <a:schemeClr val="tx1"/>
+                    </a:solidFill>
+                    <a:latin typeface="+mn-lt"/>
+                    <a:ea typeface="+mn-ea"/>
+                    <a:cs typeface="+mn-cs"/>
+                  </a:defRPr>
+                </a:lvl6pPr>
+                <a:lvl7pPr marL="2971726" indent="-228594" algn="l" defTabSz="914377" rtl="0" eaLnBrk="1" latinLnBrk="0" hangingPunct="1">
+                  <a:lnSpc>
+                    <a:spcPct val="90000"/>
+                  </a:lnSpc>
+                  <a:spcBef>
+                    <a:spcPts val="500"/>
+                  </a:spcBef>
+                  <a:buFont typeface="Arial" panose="020B0604020202020204" pitchFamily="34" charset="0"/>
+                  <a:buChar char="•"/>
+                  <a:defRPr sz="1800" kern="1200">
+                    <a:solidFill>
+                      <a:schemeClr val="tx1"/>
+                    </a:solidFill>
+                    <a:latin typeface="+mn-lt"/>
+                    <a:ea typeface="+mn-ea"/>
+                    <a:cs typeface="+mn-cs"/>
+                  </a:defRPr>
+                </a:lvl7pPr>
+                <a:lvl8pPr marL="3428914" indent="-228594" algn="l" defTabSz="914377" rtl="0" eaLnBrk="1" latinLnBrk="0" hangingPunct="1">
+                  <a:lnSpc>
+                    <a:spcPct val="90000"/>
+                  </a:lnSpc>
+                  <a:spcBef>
+                    <a:spcPts val="500"/>
+                  </a:spcBef>
+                  <a:buFont typeface="Arial" panose="020B0604020202020204" pitchFamily="34" charset="0"/>
+                  <a:buChar char="•"/>
+                  <a:defRPr sz="1800" kern="1200">
+                    <a:solidFill>
+                      <a:schemeClr val="tx1"/>
+                    </a:solidFill>
+                    <a:latin typeface="+mn-lt"/>
+                    <a:ea typeface="+mn-ea"/>
+                    <a:cs typeface="+mn-cs"/>
+                  </a:defRPr>
+                </a:lvl8pPr>
+                <a:lvl9pPr marL="3886103" indent="-228594" algn="l" defTabSz="914377" rtl="0" eaLnBrk="1" latinLnBrk="0" hangingPunct="1">
+                  <a:lnSpc>
+                    <a:spcPct val="90000"/>
+                  </a:lnSpc>
+                  <a:spcBef>
+                    <a:spcPts val="500"/>
+                  </a:spcBef>
+                  <a:buFont typeface="Arial" panose="020B0604020202020204" pitchFamily="34" charset="0"/>
+                  <a:buChar char="•"/>
+                  <a:defRPr sz="1800" kern="1200">
+                    <a:solidFill>
+                      <a:schemeClr val="tx1"/>
+                    </a:solidFill>
+                    <a:latin typeface="+mn-lt"/>
+                    <a:ea typeface="+mn-ea"/>
+                    <a:cs typeface="+mn-cs"/>
+                  </a:defRPr>
+                </a:lvl9pPr>
+              </a:lstStyle>
+              <a:p>
+                <a:r>
+                  <a:rPr lang="zh-CN" altLang="en-US" sz="2000" dirty="0"/>
+                  <a:t>需要先通过对模拟数据的研究</a:t>
+                </a:r>
+                <a:endParaRPr lang="en-US" altLang="zh-CN" sz="2000" dirty="0"/>
+              </a:p>
+              <a:p>
+                <a:pPr lvl="1"/>
+                <a:r>
+                  <a:rPr lang="zh-CN" altLang="en-US" sz="1800" dirty="0"/>
+                  <a:t>模拟</a:t>
+                </a:r>
+                <a:r>
+                  <a:rPr lang="en-US" altLang="zh-CN" sz="1800" dirty="0"/>
+                  <a:t>p</a:t>
+                </a:r>
+                <a:r>
+                  <a:rPr lang="zh-CN" altLang="en-US" sz="1800" dirty="0"/>
+                  <a:t>、</a:t>
+                </a:r>
+                <a:r>
+                  <a:rPr lang="en-US" altLang="zh-CN" sz="1800" dirty="0"/>
+                  <a:t>pi</a:t>
+                </a:r>
+                <a:r>
+                  <a:rPr lang="zh-CN" altLang="en-US" sz="1800" dirty="0"/>
+                  <a:t>单粒子，加入不同厚度的物质时，</a:t>
+                </a:r>
+                <a:r>
+                  <a:rPr lang="en-US" altLang="zh-CN" sz="1800" dirty="0"/>
+                  <a:t> p</a:t>
+                </a:r>
+                <a:r>
+                  <a:rPr lang="zh-CN" altLang="en-US" sz="1800" dirty="0"/>
+                  <a:t>、</a:t>
+                </a:r>
+                <a:r>
+                  <a:rPr lang="en-US" altLang="zh-CN" sz="1800" dirty="0"/>
+                  <a:t>pi</a:t>
+                </a:r>
+                <a:r>
+                  <a:rPr lang="zh-CN" altLang="en-US" sz="1800" dirty="0"/>
+                  <a:t>的效率和分辨，及其对于动量、</a:t>
+                </a:r>
+                <a:r>
+                  <a:rPr lang="en-US" altLang="zh-CN" sz="1800" dirty="0"/>
+                  <a:t>theta</a:t>
+                </a:r>
+                <a:r>
+                  <a:rPr lang="zh-CN" altLang="en-US" sz="1800" dirty="0"/>
+                  <a:t>的依赖</a:t>
+                </a:r>
+                <a:endParaRPr lang="en-US" altLang="zh-CN" sz="1800" dirty="0"/>
+              </a:p>
+              <a:p>
+                <a:pPr lvl="1"/>
+                <a:r>
+                  <a:rPr lang="zh-CN" altLang="en-US" sz="1800" dirty="0"/>
+                  <a:t>模拟反中子单粒子，在现有的模拟参数下，加入不同厚度的物质可以产生多少反中子打靶的事例，及其对于动量、</a:t>
+                </a:r>
+                <a:r>
+                  <a:rPr lang="en-US" altLang="zh-CN" sz="1800" dirty="0"/>
+                  <a:t>theta</a:t>
+                </a:r>
+                <a:r>
+                  <a:rPr lang="zh-CN" altLang="en-US" sz="1800" dirty="0"/>
+                  <a:t>的依赖</a:t>
+                </a:r>
+                <a:endParaRPr lang="en-US" altLang="zh-CN" sz="1800" dirty="0"/>
+              </a:p>
+              <a:p>
+                <a:pPr lvl="1"/>
+                <a:r>
+                  <a:rPr lang="zh-CN" altLang="en-US" sz="1800" dirty="0">
+                    <a:solidFill>
+                      <a:srgbClr val="C00000"/>
+                    </a:solidFill>
+                  </a:rPr>
+                  <a:t>模拟</a:t>
+                </a:r>
+                <a14:m>
+                  <m:oMath xmlns:m="http://schemas.openxmlformats.org/officeDocument/2006/math">
+                    <m:r>
+                      <a:rPr lang="en-US" altLang="zh-CN" sz="1800" i="1">
+                        <a:solidFill>
+                          <a:srgbClr val="C00000"/>
+                        </a:solidFill>
+                        <a:latin typeface="Cambria Math" panose="02040503050406030204" pitchFamily="18" charset="0"/>
+                        <a:cs typeface="+mn-ea"/>
+                        <a:sym typeface="+mn-lt"/>
+                      </a:rPr>
+                      <m:t>𝐽</m:t>
+                    </m:r>
+                    <m:r>
+                      <a:rPr lang="en-US" altLang="zh-CN" sz="1800" i="1">
+                        <a:solidFill>
+                          <a:srgbClr val="C00000"/>
+                        </a:solidFill>
+                        <a:latin typeface="Cambria Math" panose="02040503050406030204" pitchFamily="18" charset="0"/>
+                        <a:cs typeface="+mn-ea"/>
+                        <a:sym typeface="+mn-lt"/>
+                      </a:rPr>
+                      <m:t>/</m:t>
+                    </m:r>
+                    <m:r>
+                      <a:rPr lang="el-GR" altLang="zh-CN" sz="1800" i="1">
+                        <a:solidFill>
+                          <a:srgbClr val="C00000"/>
+                        </a:solidFill>
+                        <a:latin typeface="Cambria Math" panose="02040503050406030204" pitchFamily="18" charset="0"/>
+                        <a:cs typeface="+mn-ea"/>
+                        <a:sym typeface="+mn-lt"/>
+                      </a:rPr>
+                      <m:t>𝜓</m:t>
+                    </m:r>
+                    <m:r>
+                      <a:rPr lang="el-GR" altLang="zh-CN" sz="1800" i="1">
+                        <a:solidFill>
+                          <a:srgbClr val="C00000"/>
+                        </a:solidFill>
+                        <a:latin typeface="Cambria Math" panose="02040503050406030204" pitchFamily="18" charset="0"/>
+                        <a:cs typeface="+mn-ea"/>
+                        <a:sym typeface="+mn-lt"/>
+                      </a:rPr>
+                      <m:t>→</m:t>
+                    </m:r>
+                    <m:r>
+                      <a:rPr lang="en-US" altLang="zh-CN" sz="1800" i="1">
+                        <a:solidFill>
+                          <a:srgbClr val="C00000"/>
+                        </a:solidFill>
+                        <a:latin typeface="Cambria Math" panose="02040503050406030204" pitchFamily="18" charset="0"/>
+                        <a:cs typeface="+mn-ea"/>
+                        <a:sym typeface="+mn-lt"/>
+                      </a:rPr>
+                      <m:t>𝑝</m:t>
+                    </m:r>
+                    <m:acc>
+                      <m:accPr>
+                        <m:chr m:val="̅"/>
+                        <m:ctrlPr>
+                          <a:rPr lang="en-US" altLang="zh-CN" sz="1800" i="1">
+                            <a:solidFill>
+                              <a:srgbClr val="C00000"/>
+                            </a:solidFill>
+                            <a:latin typeface="Cambria Math" panose="02040503050406030204" pitchFamily="18" charset="0"/>
+                            <a:cs typeface="+mn-ea"/>
+                            <a:sym typeface="+mn-lt"/>
+                          </a:rPr>
+                        </m:ctrlPr>
+                      </m:accPr>
+                      <m:e>
+                        <m:r>
+                          <a:rPr lang="en-US" altLang="zh-CN" sz="1800" i="1">
+                            <a:solidFill>
+                              <a:srgbClr val="C00000"/>
+                            </a:solidFill>
+                            <a:latin typeface="Cambria Math" panose="02040503050406030204" pitchFamily="18" charset="0"/>
+                            <a:cs typeface="+mn-ea"/>
+                            <a:sym typeface="+mn-lt"/>
+                          </a:rPr>
+                          <m:t>𝑛</m:t>
+                        </m:r>
+                      </m:e>
+                    </m:acc>
+                    <m:sSup>
+                      <m:sSupPr>
+                        <m:ctrlPr>
+                          <a:rPr lang="en-US" altLang="zh-CN" sz="1800" i="1">
+                            <a:solidFill>
+                              <a:srgbClr val="C00000"/>
+                            </a:solidFill>
+                            <a:latin typeface="Cambria Math" panose="02040503050406030204" pitchFamily="18" charset="0"/>
+                            <a:cs typeface="+mn-ea"/>
+                            <a:sym typeface="+mn-lt"/>
+                          </a:rPr>
+                        </m:ctrlPr>
+                      </m:sSupPr>
+                      <m:e>
+                        <m:r>
+                          <a:rPr lang="zh-CN" altLang="en-US" sz="1800" i="1">
+                            <a:solidFill>
+                              <a:srgbClr val="C00000"/>
+                            </a:solidFill>
+                            <a:latin typeface="Cambria Math" panose="02040503050406030204" pitchFamily="18" charset="0"/>
+                            <a:cs typeface="+mn-ea"/>
+                            <a:sym typeface="+mn-lt"/>
+                          </a:rPr>
+                          <m:t>𝜋</m:t>
+                        </m:r>
+                      </m:e>
+                      <m:sup>
+                        <m:r>
+                          <a:rPr lang="en-US" altLang="zh-CN" sz="1800" i="1">
+                            <a:solidFill>
+                              <a:srgbClr val="C00000"/>
+                            </a:solidFill>
+                            <a:latin typeface="Cambria Math" panose="02040503050406030204" pitchFamily="18" charset="0"/>
+                            <a:cs typeface="+mn-ea"/>
+                            <a:sym typeface="+mn-lt"/>
+                          </a:rPr>
+                          <m:t>−</m:t>
+                        </m:r>
+                      </m:sup>
+                    </m:sSup>
+                  </m:oMath>
+                </a14:m>
+                <a:r>
+                  <a:rPr lang="zh-CN" altLang="en-US" sz="1800" dirty="0">
+                    <a:solidFill>
+                      <a:srgbClr val="C00000"/>
+                    </a:solidFill>
+                  </a:rPr>
+                  <a:t>，加入不同厚度的物质时，事例挑选的效率，</a:t>
+                </a:r>
+                <a:r>
+                  <a:rPr lang="en-US" altLang="zh-CN" sz="1800" dirty="0">
+                    <a:solidFill>
+                      <a:srgbClr val="C00000"/>
+                    </a:solidFill>
+                  </a:rPr>
+                  <a:t> p</a:t>
+                </a:r>
+                <a:r>
+                  <a:rPr lang="zh-CN" altLang="en-US" sz="1800" dirty="0">
+                    <a:solidFill>
+                      <a:srgbClr val="C00000"/>
+                    </a:solidFill>
+                  </a:rPr>
+                  <a:t>、</a:t>
+                </a:r>
+                <a:r>
+                  <a:rPr lang="en-US" altLang="zh-CN" sz="1800" dirty="0">
+                    <a:solidFill>
+                      <a:srgbClr val="C00000"/>
+                    </a:solidFill>
+                  </a:rPr>
+                  <a:t>pi</a:t>
+                </a:r>
+                <a:r>
+                  <a:rPr lang="zh-CN" altLang="en-US" sz="1800" dirty="0">
+                    <a:solidFill>
+                      <a:srgbClr val="C00000"/>
+                    </a:solidFill>
+                  </a:rPr>
+                  <a:t>反冲得到反中子的动量、角度分辨，及其对于动量、</a:t>
+                </a:r>
+                <a:r>
+                  <a:rPr lang="en-US" altLang="zh-CN" sz="1800" dirty="0">
+                    <a:solidFill>
+                      <a:srgbClr val="C00000"/>
+                    </a:solidFill>
+                  </a:rPr>
+                  <a:t>theta</a:t>
+                </a:r>
+                <a:r>
+                  <a:rPr lang="zh-CN" altLang="en-US" sz="1800" dirty="0">
+                    <a:solidFill>
+                      <a:srgbClr val="C00000"/>
+                    </a:solidFill>
+                  </a:rPr>
+                  <a:t>的依赖</a:t>
+                </a:r>
+                <a:endParaRPr lang="en-US" altLang="zh-CN" sz="1800" dirty="0">
+                  <a:solidFill>
+                    <a:srgbClr val="C00000"/>
+                  </a:solidFill>
+                </a:endParaRPr>
+              </a:p>
+            </p:txBody>
+          </p:sp>
+        </mc:Choice>
+        <mc:Fallback xmlns="">
+          <p:sp>
+            <p:nvSpPr>
+              <p:cNvPr id="7" name="内容占位符 2"/>
+              <p:cNvSpPr txBox="1">
+                <a:spLocks noRot="1" noChangeAspect="1" noMove="1" noResize="1" noEditPoints="1" noAdjustHandles="1" noChangeArrowheads="1" noChangeShapeType="1" noTextEdit="1"/>
+              </p:cNvSpPr>
+              <p:nvPr/>
+            </p:nvSpPr>
+            <p:spPr>
+              <a:xfrm>
+                <a:off x="482600" y="3657599"/>
+                <a:ext cx="11214100" cy="2679700"/>
+              </a:xfrm>
+              <a:prstGeom prst="rect">
+                <a:avLst/>
+              </a:prstGeom>
+              <a:blipFill>
+                <a:blip r:embed="rId4"/>
+                <a:stretch>
+                  <a:fillRect l="-489" r="-2446"/>
+                </a:stretch>
+              </a:blipFill>
+            </p:spPr>
+            <p:txBody>
+              <a:bodyPr/>
+              <a:lstStyle/>
+              <a:p>
+                <a:r>
+                  <a:rPr lang="zh-CN" altLang="en-US">
+                    <a:noFill/>
+                  </a:rPr>
+                  <a:t> </a:t>
+                </a:r>
+              </a:p>
+            </p:txBody>
+          </p:sp>
+        </mc:Fallback>
+      </mc:AlternateContent>
+      <p:sp>
+        <p:nvSpPr>
+          <p:cNvPr id="8" name="矩形 7"/>
+          <p:cNvSpPr/>
+          <p:nvPr/>
+        </p:nvSpPr>
+        <p:spPr>
+          <a:xfrm>
+            <a:off x="8706253" y="1410511"/>
+            <a:ext cx="218063" cy="1284051"/>
+          </a:xfrm>
+          <a:prstGeom prst="rect">
+            <a:avLst/>
+          </a:prstGeom>
+        </p:spPr>
+        <p:style>
+          <a:lnRef idx="2">
+            <a:schemeClr val="accent1">
+              <a:shade val="50000"/>
+            </a:schemeClr>
+          </a:lnRef>
+          <a:fillRef idx="1">
+            <a:schemeClr val="accent1"/>
+          </a:fillRef>
+          <a:effectRef idx="0">
+            <a:schemeClr val="accent1"/>
+          </a:effectRef>
+          <a:fontRef idx="minor">
+            <a:schemeClr val="lt1"/>
+          </a:fontRef>
+        </p:style>
+        <p:txBody>
+          <a:bodyPr rtlCol="0" anchor="ctr"/>
+          <a:lstStyle/>
+          <a:p>
+            <a:pPr algn="ctr"/>
+            <a:r>
+              <a:rPr lang="zh-CN" altLang="en-US" sz="1100" dirty="0"/>
+              <a:t>碘化铯</a:t>
+            </a:r>
+          </a:p>
+        </p:txBody>
+      </p:sp>
+    </p:spTree>
+    <p:extLst>
+      <p:ext uri="{BB962C8B-B14F-4D97-AF65-F5344CB8AC3E}">
+        <p14:creationId xmlns:p14="http://schemas.microsoft.com/office/powerpoint/2010/main" val="3432467766"/>
+      </p:ext>
+    </p:extLst>
+  </p:cSld>
+  <p:clrMapOvr>
+    <a:masterClrMapping/>
+  </p:clrMapOvr>
 </p:sld>
 </file>
 
@@ -6963,18 +8950,14 @@
           <a:p>
             <a:r>
               <a:rPr lang="zh-CN" altLang="en-US" dirty="0"/>
-              <a:t>模拟研</a:t>
-            </a:r>
-            <a:r>
-              <a:rPr lang="zh-CN" altLang="en-US" dirty="0" smtClean="0"/>
-              <a:t>究 </a:t>
-            </a:r>
-            <a:r>
-              <a:rPr lang="en-US" altLang="zh-CN" dirty="0" smtClean="0"/>
+              <a:t>模拟研究 </a:t>
+            </a:r>
+            <a:r>
+              <a:rPr lang="en-US" altLang="zh-CN" dirty="0"/>
               <a:t>—— </a:t>
             </a:r>
             <a:r>
-              <a:rPr lang="zh-CN" altLang="en-US" dirty="0" smtClean="0"/>
+              <a:rPr lang="zh-CN" altLang="en-US" dirty="0"/>
               <a:t>数据产生</a:t>
             </a:r>
             <a:endParaRPr lang="en-US" altLang="zh-CN" dirty="0"/>
@@ -6998,49 +8981,41 @@
           <a:p>
             <a:r>
               <a:rPr lang="zh-CN" altLang="en-US" dirty="0"/>
-              <a:t>束</a:t>
-            </a:r>
-            <a:r>
-              <a:rPr lang="zh-CN" altLang="en-US" dirty="0" smtClean="0"/>
-              <a:t>流管外加入厚度</a:t>
-            </a:r>
-            <a:r>
-              <a:rPr lang="en-US" altLang="zh-CN" dirty="0" smtClean="0"/>
+              <a:t>束流管外加入厚度</a:t>
+            </a:r>
+            <a:r>
+              <a:rPr lang="en-US" altLang="zh-CN" dirty="0"/>
               <a:t>[0, 2, 4, …, 10]mm</a:t>
             </a:r>
             <a:r>
-              <a:rPr lang="zh-CN" altLang="en-US" dirty="0" smtClean="0"/>
+              <a:rPr lang="zh-CN" altLang="en-US" dirty="0"/>
               <a:t>碘化铯晶体，长度与束流管外层铍管一致，紧贴外层铍管</a:t>
             </a:r>
-            <a:endParaRPr lang="en-US" altLang="zh-CN" dirty="0" smtClean="0"/>
+            <a:endParaRPr lang="en-US" altLang="zh-CN" dirty="0"/>
           </a:p>
           <a:p>
             <a:pPr lvl="1"/>
             <a:r>
               <a:rPr lang="zh-CN" altLang="en-US" dirty="0"/>
-              <a:t>使</a:t>
-            </a:r>
-            <a:r>
-              <a:rPr lang="zh-CN" altLang="en-US" dirty="0" smtClean="0"/>
-              <a:t>用</a:t>
-            </a:r>
-            <a:r>
-              <a:rPr lang="en-US" altLang="zh-CN" dirty="0" smtClean="0"/>
+              <a:t>使用</a:t>
+            </a:r>
+            <a:r>
+              <a:rPr lang="en-US" altLang="zh-CN" dirty="0"/>
               <a:t>svc</a:t>
             </a:r>
             <a:r>
-              <a:rPr lang="zh-CN" altLang="en-US" dirty="0" smtClean="0"/>
+              <a:rPr lang="zh-CN" altLang="en-US" dirty="0"/>
               <a:t>控制模拟时加入材料的厚度及</a:t>
             </a:r>
             <a:r>
-              <a:rPr lang="en-US" altLang="zh-CN" dirty="0" smtClean="0"/>
+              <a:rPr lang="en-US" altLang="zh-CN" dirty="0"/>
               <a:t>KalFit</a:t>
             </a:r>
             <a:r>
-              <a:rPr lang="zh-CN" altLang="en-US" dirty="0" smtClean="0"/>
+              <a:rPr lang="zh-CN" altLang="en-US" dirty="0"/>
               <a:t>时添加相同的物质</a:t>
             </a:r>
-            <a:endParaRPr lang="en-US" altLang="zh-CN" dirty="0" smtClean="0"/>
+            <a:endParaRPr lang="en-US" altLang="zh-CN" dirty="0"/>
           </a:p>
           <a:p>
             <a:pPr lvl="2"/>
@@ -7048,15 +9023,9 @@
               <a:rPr lang="en-US" altLang="zh-CN" dirty="0">
                 <a:hlinkClick r:id="rId2"/>
               </a:rPr>
-              <a:t>bes3_add_layer/code/boss/workarea/AddLayerSvc/AddLayerSvc-00-00-01 at master · yuansicheng/bes3_add_layer (github.com</a:t>
-            </a:r>
-            <a:r>
-              <a:rPr lang="en-US" altLang="zh-CN" dirty="0" smtClean="0">
-                <a:hlinkClick r:id="rId2"/>
-              </a:rPr>
-              <a:t>)</a:t>
-            </a:r>
-            <a:endParaRPr lang="en-US" altLang="zh-CN" dirty="0" smtClean="0"/>
+              <a:t>bes3_add_layer/code/boss/workarea/AddLayerSvc/AddLayerSvc-00-00-01 at master · yuansicheng/bes3_add_layer (github.com)</a:t>
+            </a:r>
+            <a:endParaRPr lang="en-US" altLang="zh-CN" dirty="0"/>
           </a:p>
           <a:p>
             <a:pPr lvl="2"/>
@@ -7064,15 +9033,9 @@
               <a:rPr lang="en-US" altLang="zh-CN" dirty="0">
                 <a:hlinkClick r:id="rId3"/>
               </a:rPr>
-              <a:t>bes3_add_layer/BesPip.cc at master · yuansicheng/bes3_add_layer (github.com</a:t>
-            </a:r>
-            <a:r>
-              <a:rPr lang="en-US" altLang="zh-CN" dirty="0" smtClean="0">
-                <a:hlinkClick r:id="rId3"/>
-              </a:rPr>
-              <a:t>)</a:t>
-            </a:r>
-            <a:endParaRPr lang="en-US" altLang="zh-CN" dirty="0" smtClean="0"/>
+              <a:t>bes3_add_layer/BesPip.cc at master · yuansicheng/bes3_add_layer (github.com)</a:t>
+            </a:r>
+            <a:endParaRPr lang="en-US" altLang="zh-CN" dirty="0"/>
           </a:p>
           <a:p>
             <a:pPr lvl="2"/>
@@ -7080,15 +9043,9 @@
               <a:rPr lang="en-US" altLang="zh-CN" dirty="0">
                 <a:hlinkClick r:id="rId4"/>
               </a:rPr>
-              <a:t>bes3_add_layer/KalFitReadGdml.cxx at master · yuansicheng/bes3_add_layer (github.com</a:t>
-            </a:r>
-            <a:r>
-              <a:rPr lang="en-US" altLang="zh-CN" dirty="0" smtClean="0">
-                <a:hlinkClick r:id="rId4"/>
-              </a:rPr>
-              <a:t>)</a:t>
-            </a:r>
-            <a:endParaRPr lang="en-US" altLang="zh-CN" dirty="0" smtClean="0"/>
+              <a:t>bes3_add_layer/KalFitReadGdml.cxx at master · yuansicheng/bes3_add_layer (github.com)</a:t>
+            </a:r>
+            <a:endParaRPr lang="en-US" altLang="zh-CN" dirty="0"/>
           </a:p>
         </p:txBody>
       </p:sp>
@@ -7109,7 +9066,7 @@
           <a:p>
             <a:fld id="{3F066E0A-57EC-403C-9412-4C2312A1DE14}" type="datetime1">
               <a:rPr lang="zh-CN" altLang="en-US" smtClean="0"/>
-              <a:t>2023/1/14</a:t>
+              <a:t>2023/1/17</a:t>
             </a:fld>
             <a:endParaRPr lang="zh-CN" altLang="en-US" dirty="0"/>
           </a:p>
@@ -7149,13 +9106,6 @@
   <p:clrMapOvr>
     <a:masterClrMapping/>
   </p:clrMapOvr>
-  <p:timing>
-    <p:tnLst>
-      <p:par>
-        <p:cTn id="1" dur="indefinite" restart="never" nodeType="tmRoot"/>
-      </p:par>
-    </p:tnLst>
-  </p:timing>
 </p:sld>
 </file>
 
@@ -7194,24 +9144,16 @@
           <a:lstStyle/>
           <a:p>
             <a:r>
-              <a:rPr lang="zh-CN" altLang="en-US" dirty="0" smtClean="0"/>
+              <a:rPr lang="zh-CN" altLang="en-US" dirty="0"/>
               <a:t>模拟研究 </a:t>
             </a:r>
             <a:r>
-              <a:rPr lang="en-US" altLang="zh-CN" dirty="0" smtClean="0"/>
-              <a:t>—— </a:t>
-            </a:r>
-            <a:r>
               <a:rPr lang="en-US" altLang="zh-CN" dirty="0"/>
-              <a:t>tag</a:t>
+              <a:t>—— tag</a:t>
             </a:r>
             <a:r>
               <a:rPr lang="zh-CN" altLang="en-US" dirty="0"/>
-              <a:t>粒子模</a:t>
-            </a:r>
-            <a:r>
-              <a:rPr lang="zh-CN" altLang="en-US" dirty="0" smtClean="0"/>
-              <a:t>拟</a:t>
+              <a:t>粒子模拟</a:t>
             </a:r>
             <a:endParaRPr lang="en-US" altLang="zh-CN" dirty="0"/>
           </a:p>
@@ -7234,127 +9176,111 @@
           <a:p>
             <a:r>
               <a:rPr lang="zh-CN" altLang="en-US" dirty="0"/>
-              <a:t>束</a:t>
-            </a:r>
-            <a:r>
-              <a:rPr lang="zh-CN" altLang="en-US" dirty="0" smtClean="0"/>
-              <a:t>流管外加入厚度</a:t>
-            </a:r>
-            <a:r>
-              <a:rPr lang="en-US" altLang="zh-CN" dirty="0" smtClean="0"/>
+              <a:t>束流管外加入厚度</a:t>
+            </a:r>
+            <a:r>
+              <a:rPr lang="en-US" altLang="zh-CN" dirty="0"/>
               <a:t>[0, 2, 4, …, 10]mm</a:t>
             </a:r>
             <a:r>
-              <a:rPr lang="zh-CN" altLang="en-US" dirty="0" smtClean="0"/>
+              <a:rPr lang="zh-CN" altLang="en-US" dirty="0"/>
               <a:t>碘化铯晶体，长度与束流管外层铍管一致，紧贴外层铍管</a:t>
             </a:r>
-            <a:endParaRPr lang="en-US" altLang="zh-CN" dirty="0" smtClean="0"/>
+            <a:endParaRPr lang="en-US" altLang="zh-CN" dirty="0"/>
           </a:p>
           <a:p>
             <a:pPr lvl="1"/>
             <a:r>
-              <a:rPr lang="en-US" altLang="zh-CN" dirty="0" smtClean="0"/>
+              <a:rPr lang="en-US" altLang="zh-CN" dirty="0"/>
               <a:t>tag</a:t>
             </a:r>
             <a:r>
-              <a:rPr lang="zh-CN" altLang="en-US" dirty="0" smtClean="0"/>
+              <a:rPr lang="zh-CN" altLang="en-US" dirty="0"/>
               <a:t>粒子模拟</a:t>
             </a:r>
-            <a:endParaRPr lang="en-US" altLang="zh-CN" dirty="0" smtClean="0"/>
+            <a:endParaRPr lang="en-US" altLang="zh-CN" dirty="0"/>
           </a:p>
           <a:p>
             <a:pPr lvl="2"/>
             <a:r>
-              <a:rPr lang="zh-CN" altLang="en-US" dirty="0" smtClean="0"/>
+              <a:rPr lang="zh-CN" altLang="en-US" dirty="0"/>
               <a:t>模拟动量和</a:t>
             </a:r>
             <a:r>
-              <a:rPr lang="en-US" altLang="zh-CN" dirty="0" smtClean="0"/>
+              <a:rPr lang="en-US" altLang="zh-CN" dirty="0"/>
               <a:t>cos_theta</a:t>
             </a:r>
             <a:r>
-              <a:rPr lang="zh-CN" altLang="en-US" dirty="0" smtClean="0"/>
+              <a:rPr lang="zh-CN" altLang="en-US" dirty="0"/>
               <a:t>随机的单粒子，</a:t>
             </a:r>
             <a:r>
-              <a:rPr lang="en-US" altLang="zh-CN" dirty="0" smtClean="0"/>
+              <a:rPr lang="en-US" altLang="zh-CN" dirty="0"/>
               <a:t>cos_theta</a:t>
             </a:r>
             <a:r>
-              <a:rPr lang="zh-CN" altLang="en-US" dirty="0" smtClean="0"/>
+              <a:rPr lang="zh-CN" altLang="en-US" dirty="0"/>
               <a:t>区间为</a:t>
             </a:r>
             <a:r>
-              <a:rPr lang="en-US" altLang="zh-CN" dirty="0" smtClean="0"/>
+              <a:rPr lang="en-US" altLang="zh-CN" dirty="0"/>
               <a:t>[0, 0.93]</a:t>
             </a:r>
             <a:r>
-              <a:rPr lang="zh-CN" altLang="en-US" dirty="0" smtClean="0"/>
+              <a:rPr lang="zh-CN" altLang="en-US" dirty="0"/>
               <a:t>，</a:t>
             </a:r>
             <a:r>
-              <a:rPr lang="en-US" altLang="zh-CN" dirty="0" smtClean="0"/>
+              <a:rPr lang="en-US" altLang="zh-CN" dirty="0"/>
               <a:t>p+</a:t>
             </a:r>
             <a:r>
-              <a:rPr lang="zh-CN" altLang="en-US" dirty="0" smtClean="0"/>
+              <a:rPr lang="zh-CN" altLang="en-US" dirty="0"/>
               <a:t>动量区间为</a:t>
             </a:r>
             <a:r>
-              <a:rPr lang="en-US" altLang="zh-CN" dirty="0" smtClean="0"/>
-              <a:t>[0.3, 1.3]</a:t>
-            </a:r>
-            <a:r>
-              <a:rPr lang="zh-CN" altLang="en-US" dirty="0" smtClean="0"/>
+              <a:rPr lang="en-US" altLang="zh-CN" dirty="0"/>
+              <a:t>[0.3, 1.2]</a:t>
+            </a:r>
+            <a:r>
+              <a:rPr lang="zh-CN" altLang="en-US" dirty="0"/>
               <a:t>，</a:t>
             </a:r>
             <a:r>
-              <a:rPr lang="en-US" altLang="zh-CN" dirty="0" smtClean="0"/>
+              <a:rPr lang="en-US" altLang="zh-CN" dirty="0"/>
               <a:t>pi-</a:t>
             </a:r>
             <a:r>
-              <a:rPr lang="zh-CN" altLang="en-US" dirty="0" smtClean="0"/>
+              <a:rPr lang="zh-CN" altLang="en-US" dirty="0"/>
               <a:t>动量区间为</a:t>
             </a:r>
             <a:r>
-              <a:rPr lang="en-US" altLang="zh-CN" dirty="0" smtClean="0"/>
-              <a:t>[0.1, 1.3]</a:t>
-            </a:r>
-            <a:r>
-              <a:rPr lang="zh-CN" altLang="en-US" dirty="0" smtClean="0"/>
+              <a:rPr lang="en-US" altLang="zh-CN" dirty="0"/>
+              <a:t>[0.1, 1.2]</a:t>
+            </a:r>
+            <a:r>
+              <a:rPr lang="zh-CN" altLang="en-US" dirty="0"/>
               <a:t>，每个厚度</a:t>
             </a:r>
             <a:r>
-              <a:rPr lang="en-US" altLang="zh-CN" dirty="0" smtClean="0"/>
-              <a:t>1e5</a:t>
-            </a:r>
-            <a:r>
-              <a:rPr lang="zh-CN" altLang="en-US" dirty="0" smtClean="0"/>
+              <a:rPr lang="en-US" altLang="zh-CN" dirty="0"/>
+              <a:t>1e6</a:t>
+            </a:r>
+            <a:r>
+              <a:rPr lang="zh-CN" altLang="en-US" dirty="0"/>
               <a:t>个事例</a:t>
             </a:r>
-            <a:endParaRPr lang="en-US" altLang="zh-CN" dirty="0" smtClean="0"/>
+            <a:endParaRPr lang="en-US" altLang="zh-CN" dirty="0"/>
           </a:p>
           <a:p>
             <a:pPr lvl="3"/>
-            <a:r>
-              <a:rPr lang="en-US" altLang="zh-CN" dirty="0" smtClean="0">
-                <a:hlinkClick r:id="rId2"/>
-              </a:rPr>
-              <a:t>bes3_add_layer/gen_single_p</a:t>
-            </a:r>
             <a:r>
               <a:rPr lang="en-US" altLang="zh-CN" dirty="0">
                 <a:hlinkClick r:id="rId2"/>
               </a:rPr>
-              <a:t>+_random.py at master · yuansicheng/bes3_add_layer (github.com</a:t>
-            </a:r>
-            <a:r>
-              <a:rPr lang="en-US" altLang="zh-CN" dirty="0" smtClean="0">
-                <a:hlinkClick r:id="rId2"/>
-              </a:rPr>
-              <a:t>)</a:t>
-            </a:r>
-            <a:endParaRPr lang="en-US" altLang="zh-CN" dirty="0" smtClean="0"/>
+              <a:t>bes3_add_layer/gen_single_p+_random.py at master · yuansicheng/bes3_add_layer (github.com)</a:t>
+            </a:r>
+            <a:endParaRPr lang="en-US" altLang="zh-CN" dirty="0"/>
           </a:p>
           <a:p>
             <a:pPr lvl="3"/>
@@ -7364,127 +9290,37 @@
               </a:rPr>
               <a:t>bes3_add_layer/gen_single_pi-_random.py at master · yuansicheng/bes3_add_layer (github.com)</a:t>
             </a:r>
-            <a:endParaRPr lang="en-US" altLang="zh-CN" dirty="0" smtClean="0"/>
+            <a:endParaRPr lang="en-US" altLang="zh-CN" dirty="0"/>
           </a:p>
           <a:p>
             <a:pPr lvl="2"/>
             <a:r>
               <a:rPr lang="zh-CN" altLang="en-US" dirty="0"/>
-              <a:t>提</a:t>
-            </a:r>
-            <a:r>
-              <a:rPr lang="zh-CN" altLang="en-US" dirty="0" smtClean="0"/>
-              <a:t>取</a:t>
-            </a:r>
-            <a:r>
-              <a:rPr lang="en-US" altLang="zh-CN" dirty="0" smtClean="0"/>
+              <a:t>提取</a:t>
+            </a:r>
+            <a:r>
+              <a:rPr lang="en-US" altLang="zh-CN" dirty="0"/>
               <a:t>mc_truth</a:t>
             </a:r>
             <a:r>
-              <a:rPr lang="zh-CN" altLang="en-US" dirty="0" smtClean="0"/>
+              <a:rPr lang="zh-CN" altLang="en-US" dirty="0"/>
               <a:t>和</a:t>
             </a:r>
             <a:r>
-              <a:rPr lang="en-US" altLang="zh-CN" dirty="0" smtClean="0"/>
+              <a:rPr lang="en-US" altLang="zh-CN" dirty="0"/>
               <a:t>Kal_Fit</a:t>
             </a:r>
             <a:r>
-              <a:rPr lang="zh-CN" altLang="en-US" dirty="0" smtClean="0"/>
-              <a:t>的动量、角度信息，</a:t>
-            </a:r>
-            <a:r>
               <a:rPr lang="zh-CN" altLang="en-US" dirty="0"/>
-              <a:t>动</a:t>
-            </a:r>
-            <a:r>
-              <a:rPr lang="zh-CN" altLang="en-US" dirty="0" smtClean="0"/>
-              <a:t>量和</a:t>
-            </a:r>
-            <a:r>
-              <a:rPr lang="en-US" altLang="zh-CN" dirty="0" smtClean="0"/>
-              <a:t>cos_theta</a:t>
-            </a:r>
-            <a:r>
-              <a:rPr lang="zh-CN" altLang="en-US" dirty="0" smtClean="0"/>
-              <a:t>按照</a:t>
-            </a:r>
-            <a:r>
-              <a:rPr lang="en-US" altLang="zh-CN" dirty="0" smtClean="0"/>
-              <a:t>0.1</a:t>
-            </a:r>
-            <a:r>
-              <a:rPr lang="zh-CN" altLang="en-US" dirty="0" smtClean="0"/>
-              <a:t>的宽度分</a:t>
-            </a:r>
-            <a:r>
-              <a:rPr lang="en-US" altLang="zh-CN" dirty="0" smtClean="0"/>
-              <a:t>bin</a:t>
-            </a:r>
-            <a:r>
-              <a:rPr lang="zh-CN" altLang="en-US" dirty="0" smtClean="0"/>
-              <a:t>，计算</a:t>
+              <a:t>的动量、角度信息，计算动量、角度分辨和效率（重建出的事例数量</a:t>
+            </a:r>
+            <a:r>
+              <a:rPr lang="en-US" altLang="zh-CN" dirty="0"/>
+              <a:t>/</a:t>
             </a:r>
             <a:r>
               <a:rPr lang="zh-CN" altLang="en-US" dirty="0"/>
-              <a:t>动量、角</a:t>
-            </a:r>
-            <a:r>
-              <a:rPr lang="zh-CN" altLang="en-US" dirty="0" smtClean="0"/>
-              <a:t>度分辨和效率（重建出的事例数量</a:t>
-            </a:r>
-            <a:r>
-              <a:rPr lang="en-US" altLang="zh-CN" dirty="0" smtClean="0"/>
-              <a:t>/</a:t>
-            </a:r>
-            <a:r>
-              <a:rPr lang="zh-CN" altLang="en-US" dirty="0" smtClean="0"/>
               <a:t>模拟总数）</a:t>
-            </a:r>
-            <a:endParaRPr lang="en-US" altLang="zh-CN" dirty="0" smtClean="0"/>
-          </a:p>
-          <a:p>
-            <a:pPr lvl="2"/>
-            <a:r>
-              <a:rPr lang="zh-CN" altLang="en-US" dirty="0"/>
-              <a:t>动量、角度分</a:t>
-            </a:r>
-            <a:r>
-              <a:rPr lang="zh-CN" altLang="en-US" dirty="0" smtClean="0"/>
-              <a:t>辨计算方式：剔除异常值后高斯拟合</a:t>
-            </a:r>
-            <a:endParaRPr lang="en-US" altLang="zh-CN" dirty="0" smtClean="0"/>
-          </a:p>
-          <a:p>
-            <a:pPr lvl="2"/>
-            <a:r>
-              <a:rPr lang="en-US" altLang="zh-CN" dirty="0" smtClean="0">
-                <a:hlinkClick r:id="rId4"/>
-              </a:rPr>
-              <a:t>bes3_add_layer/single_ppi.csv </a:t>
-            </a:r>
-            <a:r>
-              <a:rPr lang="en-US" altLang="zh-CN" dirty="0">
-                <a:hlinkClick r:id="rId4"/>
-              </a:rPr>
-              <a:t>at master · yuansicheng/bes3_add_layer (github.com</a:t>
-            </a:r>
-            <a:r>
-              <a:rPr lang="en-US" altLang="zh-CN" dirty="0" smtClean="0">
-                <a:hlinkClick r:id="rId4"/>
-              </a:rPr>
-              <a:t>)</a:t>
-            </a:r>
-            <a:endParaRPr lang="en-US" altLang="zh-CN" dirty="0" smtClean="0"/>
-          </a:p>
-          <a:p>
-            <a:pPr lvl="2"/>
-            <a:r>
-              <a:rPr lang="zh-CN" altLang="en-US" dirty="0" smtClean="0">
-                <a:solidFill>
-                  <a:srgbClr val="C00000"/>
-                </a:solidFill>
-              </a:rPr>
-              <a:t>画图分析计</a:t>
             </a:r>
             <a:r>
               <a:rPr lang="zh-CN" altLang="en-US" dirty="0">
@@ -7492,37 +9328,47 @@
                   <a:srgbClr val="C00000"/>
                 </a:solidFill>
               </a:rPr>
-              <a:t>算动量、角度分辨和效</a:t>
-            </a:r>
-            <a:r>
-              <a:rPr lang="zh-CN" altLang="en-US" dirty="0" smtClean="0">
-                <a:solidFill>
-                  <a:srgbClr val="C00000"/>
-                </a:solidFill>
-              </a:rPr>
-              <a:t>率关于动量、</a:t>
-            </a:r>
-            <a:r>
-              <a:rPr lang="en-US" altLang="zh-CN" dirty="0" smtClean="0">
-                <a:solidFill>
-                  <a:srgbClr val="C00000"/>
-                </a:solidFill>
-              </a:rPr>
-              <a:t>theta</a:t>
-            </a:r>
-            <a:r>
-              <a:rPr lang="zh-CN" altLang="en-US" dirty="0" smtClean="0">
-                <a:solidFill>
-                  <a:srgbClr val="C00000"/>
-                </a:solidFill>
-              </a:rPr>
-              <a:t>的依赖关系</a:t>
-            </a:r>
-            <a:endParaRPr lang="en-US" altLang="zh-CN" dirty="0" smtClean="0">
+              <a:t>*效率的计算方式</a:t>
+            </a:r>
+            <a:endParaRPr lang="en-US" altLang="zh-CN" dirty="0">
               <a:solidFill>
                 <a:srgbClr val="C00000"/>
               </a:solidFill>
             </a:endParaRPr>
+          </a:p>
+          <a:p>
+            <a:pPr lvl="2"/>
+            <a:r>
+              <a:rPr lang="zh-CN" altLang="en-US" dirty="0"/>
+              <a:t>动量、角度分辨计算方式：剔除异常值后高斯拟合</a:t>
+            </a:r>
+            <a:endParaRPr lang="en-US" altLang="zh-CN" dirty="0"/>
+          </a:p>
+          <a:p>
+            <a:pPr lvl="2"/>
+            <a:r>
+              <a:rPr lang="en-US" altLang="zh-CN" dirty="0">
+                <a:hlinkClick r:id="rId4"/>
+              </a:rPr>
+              <a:t>bes3_add_layer/single_ppi.csv at master · yuansicheng/bes3_add_layer (github.com)</a:t>
+            </a:r>
+            <a:endParaRPr lang="en-US" altLang="zh-CN" dirty="0"/>
+          </a:p>
+          <a:p>
+            <a:pPr lvl="2"/>
+            <a:r>
+              <a:rPr lang="zh-CN" altLang="en-US" dirty="0"/>
+              <a:t>画图分析计算动量、角度分辨和效率关于动量、</a:t>
+            </a:r>
+            <a:r>
+              <a:rPr lang="en-US" altLang="zh-CN" dirty="0"/>
+              <a:t>theta</a:t>
+            </a:r>
+            <a:r>
+              <a:rPr lang="zh-CN" altLang="en-US" dirty="0"/>
+              <a:t>的依赖关系</a:t>
+            </a:r>
+            <a:endParaRPr lang="en-US" altLang="zh-CN" dirty="0"/>
           </a:p>
           <a:p>
             <a:pPr lvl="2"/>
@@ -7547,7 +9393,7 @@
           <a:p>
             <a:fld id="{3F066E0A-57EC-403C-9412-4C2312A1DE14}" type="datetime1">
               <a:rPr lang="zh-CN" altLang="en-US" smtClean="0"/>
-              <a:t>2023/1/14</a:t>
+              <a:t>2023/1/17</a:t>
             </a:fld>
             <a:endParaRPr lang="zh-CN" altLang="en-US" dirty="0"/>
           </a:p>
@@ -7614,8 +9460,8 @@
           <a:chExt cx="0" cy="0"/>
         </a:xfrm>
       </p:grpSpPr>
-      <mc:AlternateContent xmlns:mc="http://schemas.openxmlformats.org/markup-compatibility/2006">
-        <mc:Choice xmlns:a14="http://schemas.microsoft.com/office/drawing/2010/main" Requires="a14">
+      <mc:AlternateContent xmlns:mc="http://schemas.openxmlformats.org/markup-compatibility/2006" xmlns:a14="http://schemas.microsoft.com/office/drawing/2010/main">
+        <mc:Choice Requires="a14">
           <p:sp>
             <p:nvSpPr>
               <p:cNvPr id="2" name="标题 1"/>
@@ -7634,36 +9480,28 @@
               <a:lstStyle/>
               <a:p>
                 <a:r>
-                  <a:rPr lang="zh-CN" altLang="en-US" dirty="0" smtClean="0"/>
+                  <a:rPr lang="zh-CN" altLang="en-US" dirty="0"/>
                   <a:t>模拟研究 </a:t>
                 </a:r>
                 <a:r>
-                  <a:rPr lang="en-US" altLang="zh-CN" dirty="0" smtClean="0"/>
-                  <a:t>—— </a:t>
-                </a:r>
-                <a:r>
                   <a:rPr lang="en-US" altLang="zh-CN" dirty="0"/>
-                  <a:t>tag</a:t>
+                  <a:t>—— tag</a:t>
                 </a:r>
                 <a:r>
                   <a:rPr lang="zh-CN" altLang="en-US" dirty="0"/>
-                  <a:t>粒子模</a:t>
-                </a:r>
-                <a:r>
-                  <a:rPr lang="zh-CN" altLang="en-US" dirty="0" smtClean="0"/>
-                  <a:t>拟  </a:t>
-                </a:r>
-                <a:r>
-                  <a:rPr lang="en-US" altLang="zh-CN" dirty="0" smtClean="0"/>
+                  <a:t>粒子模拟  </a:t>
+                </a:r>
+                <a:r>
+                  <a:rPr lang="en-US" altLang="zh-CN" dirty="0"/>
                   <a:t>p</a:t>
                 </a:r>
                 <a:r>
-                  <a:rPr lang="zh-CN" altLang="en-US" dirty="0" smtClean="0"/>
+                  <a:rPr lang="zh-CN" altLang="en-US" dirty="0"/>
                   <a:t>依赖 </a:t>
                 </a:r>
                 <a:r>
-                  <a:rPr lang="en-US" altLang="zh-CN" dirty="0" smtClean="0"/>
-                  <a:t>0.4&lt;</a:t>
+                  <a:rPr lang="en-US" altLang="zh-CN" dirty="0"/>
+                  <a:t>0.60&lt;</a:t>
                 </a:r>
                 <a14:m>
                   <m:oMath xmlns:m="http://schemas.openxmlformats.org/officeDocument/2006/math">
@@ -7682,15 +9520,14 @@
                   </m:oMath>
                 </a14:m>
                 <a:r>
-                  <a:rPr lang="en-US" altLang="zh-CN" dirty="0" smtClean="0"/>
-                  <a:t>&lt;0.5</a:t>
-                </a:r>
-                <a:endParaRPr lang="en-US" altLang="zh-CN" dirty="0"/>
+                  <a:rPr lang="en-US" altLang="zh-CN" dirty="0"/>
+                  <a:t>&lt;0.66</a:t>
+                </a:r>
               </a:p>
             </p:txBody>
           </p:sp>
         </mc:Choice>
-        <mc:Fallback>
+        <mc:Fallback xmlns="">
           <p:sp>
             <p:nvSpPr>
               <p:cNvPr id="2" name="标题 1"/>
@@ -7741,7 +9578,7 @@
           <a:p>
             <a:fld id="{3F066E0A-57EC-403C-9412-4C2312A1DE14}" type="datetime1">
               <a:rPr lang="zh-CN" altLang="en-US" smtClean="0"/>
-              <a:t>2023/1/14</a:t>
+              <a:t>2023/1/17</a:t>
             </a:fld>
             <a:endParaRPr lang="zh-CN" altLang="en-US" dirty="0"/>
           </a:p>
@@ -7773,21 +9610,21 @@
       </p:sp>
       <p:grpSp>
         <p:nvGrpSpPr>
-          <p:cNvPr id="28" name="组合 27"/>
+          <p:cNvPr id="11" name="组合 10"/>
           <p:cNvGrpSpPr/>
           <p:nvPr/>
         </p:nvGrpSpPr>
         <p:grpSpPr>
           <a:xfrm>
-            <a:off x="750533" y="990600"/>
-            <a:ext cx="5012415" cy="5322674"/>
-            <a:chOff x="1083585" y="1014626"/>
-            <a:chExt cx="5012415" cy="5322674"/>
+            <a:off x="482600" y="990600"/>
+            <a:ext cx="5286913" cy="5317136"/>
+            <a:chOff x="809087" y="990600"/>
+            <a:chExt cx="5286913" cy="5317136"/>
           </a:xfrm>
         </p:grpSpPr>
         <p:pic>
           <p:nvPicPr>
-            <p:cNvPr id="20" name="图片 19"/>
+            <p:cNvPr id="8" name="图片 7"/>
             <p:cNvPicPr>
               <a:picLocks noChangeAspect="1"/>
             </p:cNvPicPr>
@@ -7801,8 +9638,8 @@
           </p:blipFill>
           <p:spPr>
             <a:xfrm>
-              <a:off x="1083585" y="1014626"/>
-              <a:ext cx="5012415" cy="1359958"/>
+              <a:off x="809088" y="990600"/>
+              <a:ext cx="5286912" cy="1689709"/>
             </a:xfrm>
             <a:prstGeom prst="rect">
               <a:avLst/>
@@ -7811,7 +9648,7 @@
         </p:pic>
         <p:pic>
           <p:nvPicPr>
-            <p:cNvPr id="21" name="图片 20"/>
+            <p:cNvPr id="9" name="图片 8"/>
             <p:cNvPicPr>
               <a:picLocks noChangeAspect="1"/>
             </p:cNvPicPr>
@@ -7825,8 +9662,8 @@
           </p:blipFill>
           <p:spPr>
             <a:xfrm>
-              <a:off x="1083585" y="2306748"/>
-              <a:ext cx="5012415" cy="1381374"/>
+              <a:off x="809088" y="2766709"/>
+              <a:ext cx="5286912" cy="1689709"/>
             </a:xfrm>
             <a:prstGeom prst="rect">
               <a:avLst/>
@@ -7835,7 +9672,7 @@
         </p:pic>
         <p:pic>
           <p:nvPicPr>
-            <p:cNvPr id="22" name="图片 21"/>
+            <p:cNvPr id="10" name="图片 9"/>
             <p:cNvPicPr>
               <a:picLocks noChangeAspect="1"/>
             </p:cNvPicPr>
@@ -7849,17 +9686,32 @@
           </p:blipFill>
           <p:spPr>
             <a:xfrm>
-              <a:off x="1083585" y="4955926"/>
-              <a:ext cx="5012415" cy="1381374"/>
+              <a:off x="809087" y="4542817"/>
+              <a:ext cx="5286913" cy="1764919"/>
             </a:xfrm>
             <a:prstGeom prst="rect">
               <a:avLst/>
             </a:prstGeom>
           </p:spPr>
         </p:pic>
+      </p:grpSp>
+      <p:grpSp>
+        <p:nvGrpSpPr>
+          <p:cNvPr id="12" name="组合 11"/>
+          <p:cNvGrpSpPr/>
+          <p:nvPr/>
+        </p:nvGrpSpPr>
+        <p:grpSpPr>
+          <a:xfrm>
+            <a:off x="6409788" y="990600"/>
+            <a:ext cx="5286912" cy="5346700"/>
+            <a:chOff x="6400800" y="990600"/>
+            <a:chExt cx="5286912" cy="5346700"/>
+          </a:xfrm>
+        </p:grpSpPr>
         <p:pic>
           <p:nvPicPr>
-            <p:cNvPr id="23" name="图片 22"/>
+            <p:cNvPr id="3" name="图片 2"/>
             <p:cNvPicPr>
               <a:picLocks noChangeAspect="1"/>
             </p:cNvPicPr>
@@ -7873,32 +9725,17 @@
           </p:blipFill>
           <p:spPr>
             <a:xfrm>
-              <a:off x="1083585" y="3620286"/>
-              <a:ext cx="5012415" cy="1403476"/>
+              <a:off x="6400800" y="990600"/>
+              <a:ext cx="5286912" cy="1689709"/>
             </a:xfrm>
             <a:prstGeom prst="rect">
               <a:avLst/>
             </a:prstGeom>
           </p:spPr>
         </p:pic>
-      </p:grpSp>
-      <p:grpSp>
-        <p:nvGrpSpPr>
-          <p:cNvPr id="29" name="组合 28"/>
-          <p:cNvGrpSpPr/>
-          <p:nvPr/>
-        </p:nvGrpSpPr>
-        <p:grpSpPr>
-          <a:xfrm>
-            <a:off x="6429052" y="990600"/>
-            <a:ext cx="5012415" cy="5346700"/>
-            <a:chOff x="6684285" y="990600"/>
-            <a:chExt cx="5012415" cy="5346700"/>
-          </a:xfrm>
-        </p:grpSpPr>
         <p:pic>
           <p:nvPicPr>
-            <p:cNvPr id="24" name="图片 23"/>
+            <p:cNvPr id="6" name="图片 5"/>
             <p:cNvPicPr>
               <a:picLocks noChangeAspect="1"/>
             </p:cNvPicPr>
@@ -7912,8 +9749,8 @@
           </p:blipFill>
           <p:spPr>
             <a:xfrm>
-              <a:off x="6684285" y="990600"/>
-              <a:ext cx="5012415" cy="1339195"/>
+              <a:off x="6400800" y="2781491"/>
+              <a:ext cx="5286912" cy="1689709"/>
             </a:xfrm>
             <a:prstGeom prst="rect">
               <a:avLst/>
@@ -7922,7 +9759,7 @@
         </p:pic>
         <p:pic>
           <p:nvPicPr>
-            <p:cNvPr id="25" name="图片 24"/>
+            <p:cNvPr id="7" name="图片 6"/>
             <p:cNvPicPr>
               <a:picLocks noChangeAspect="1"/>
             </p:cNvPicPr>
@@ -7936,56 +9773,8 @@
           </p:blipFill>
           <p:spPr>
             <a:xfrm>
-              <a:off x="6684285" y="2269521"/>
-              <a:ext cx="5012415" cy="1381374"/>
-            </a:xfrm>
-            <a:prstGeom prst="rect">
-              <a:avLst/>
-            </a:prstGeom>
-          </p:spPr>
-        </p:pic>
-        <p:pic>
-          <p:nvPicPr>
-            <p:cNvPr id="26" name="图片 25"/>
-            <p:cNvPicPr>
-              <a:picLocks noChangeAspect="1"/>
-            </p:cNvPicPr>
-            <p:nvPr/>
-          </p:nvPicPr>
-          <p:blipFill>
-            <a:blip r:embed="rId9"/>
-            <a:stretch>
-              <a:fillRect/>
-            </a:stretch>
-          </p:blipFill>
-          <p:spPr>
-            <a:xfrm>
-              <a:off x="6684285" y="3590621"/>
-              <a:ext cx="5012415" cy="1403476"/>
-            </a:xfrm>
-            <a:prstGeom prst="rect">
-              <a:avLst/>
-            </a:prstGeom>
-          </p:spPr>
-        </p:pic>
-        <p:pic>
-          <p:nvPicPr>
-            <p:cNvPr id="27" name="图片 26"/>
-            <p:cNvPicPr>
-              <a:picLocks noChangeAspect="1"/>
-            </p:cNvPicPr>
-            <p:nvPr/>
-          </p:nvPicPr>
-          <p:blipFill>
-            <a:blip r:embed="rId10"/>
-            <a:stretch>
-              <a:fillRect/>
-            </a:stretch>
-          </p:blipFill>
-          <p:spPr>
-            <a:xfrm>
-              <a:off x="6684285" y="4933824"/>
-              <a:ext cx="5012415" cy="1403476"/>
+              <a:off x="6400800" y="4572381"/>
+              <a:ext cx="5286912" cy="1764919"/>
             </a:xfrm>
             <a:prstGeom prst="rect">
               <a:avLst/>
@@ -8030,8 +9819,8 @@
           <a:chExt cx="0" cy="0"/>
         </a:xfrm>
       </p:grpSpPr>
-      <mc:AlternateContent xmlns:mc="http://schemas.openxmlformats.org/markup-compatibility/2006">
-        <mc:Choice xmlns:a14="http://schemas.microsoft.com/office/drawing/2010/main" Requires="a14">
+      <mc:AlternateContent xmlns:mc="http://schemas.openxmlformats.org/markup-compatibility/2006" xmlns:a14="http://schemas.microsoft.com/office/drawing/2010/main">
+        <mc:Choice Requires="a14">
           <p:sp>
             <p:nvSpPr>
               <p:cNvPr id="2" name="标题 1"/>
@@ -8050,24 +9839,16 @@
               <a:lstStyle/>
               <a:p>
                 <a:r>
-                  <a:rPr lang="zh-CN" altLang="en-US" dirty="0" smtClean="0"/>
+                  <a:rPr lang="zh-CN" altLang="en-US" dirty="0"/>
                   <a:t>模拟研究 </a:t>
                 </a:r>
                 <a:r>
-                  <a:rPr lang="en-US" altLang="zh-CN" dirty="0" smtClean="0"/>
-                  <a:t>—— </a:t>
-                </a:r>
-                <a:r>
                   <a:rPr lang="en-US" altLang="zh-CN" dirty="0"/>
-                  <a:t>tag</a:t>
+                  <a:t>—— tag</a:t>
                 </a:r>
                 <a:r>
                   <a:rPr lang="zh-CN" altLang="en-US" dirty="0"/>
-                  <a:t>粒子模</a:t>
-                </a:r>
-                <a:r>
-                  <a:rPr lang="zh-CN" altLang="en-US" dirty="0" smtClean="0"/>
-                  <a:t>拟  </a:t>
+                  <a:t>粒子模拟  </a:t>
                 </a:r>
                 <a14:m>
                   <m:oMath xmlns:m="http://schemas.openxmlformats.org/officeDocument/2006/math">
@@ -8080,19 +9861,18 @@
                   </m:oMath>
                 </a14:m>
                 <a:r>
-                  <a:rPr lang="zh-CN" altLang="en-US" dirty="0" smtClean="0"/>
+                  <a:rPr lang="zh-CN" altLang="en-US" dirty="0"/>
                   <a:t>依赖 </a:t>
                 </a:r>
                 <a:r>
-                  <a:rPr lang="en-US" altLang="zh-CN" dirty="0" smtClean="0"/>
-                  <a:t>0.5&lt;p&lt;0.6</a:t>
-                </a:r>
-                <a:endParaRPr lang="en-US" altLang="zh-CN" dirty="0"/>
+                  <a:rPr lang="en-US" altLang="zh-CN" dirty="0"/>
+                  <a:t>0.34&lt;p&lt;0.36</a:t>
+                </a:r>
               </a:p>
             </p:txBody>
           </p:sp>
         </mc:Choice>
-        <mc:Fallback>
+        <mc:Fallback xmlns="">
           <p:sp>
             <p:nvSpPr>
               <p:cNvPr id="2" name="标题 1"/>
@@ -8143,7 +9923,7 @@
           <a:p>
             <a:fld id="{3F066E0A-57EC-403C-9412-4C2312A1DE14}" type="datetime1">
               <a:rPr lang="zh-CN" altLang="en-US" smtClean="0"/>
-              <a:t>2023/1/14</a:t>
+              <a:t>2023/1/17</a:t>
             </a:fld>
             <a:endParaRPr lang="zh-CN" altLang="en-US" dirty="0"/>
           </a:p>
@@ -8175,21 +9955,21 @@
       </p:sp>
       <p:grpSp>
         <p:nvGrpSpPr>
-          <p:cNvPr id="13" name="组合 12"/>
+          <p:cNvPr id="23" name="组合 22"/>
           <p:cNvGrpSpPr/>
           <p:nvPr/>
         </p:nvGrpSpPr>
         <p:grpSpPr>
           <a:xfrm>
-            <a:off x="750533" y="990600"/>
-            <a:ext cx="5012415" cy="5346700"/>
-            <a:chOff x="750533" y="990600"/>
-            <a:chExt cx="5012415" cy="5346700"/>
+            <a:off x="482600" y="990600"/>
+            <a:ext cx="5286912" cy="5346700"/>
+            <a:chOff x="482600" y="990600"/>
+            <a:chExt cx="5286912" cy="5346700"/>
           </a:xfrm>
         </p:grpSpPr>
         <p:pic>
           <p:nvPicPr>
-            <p:cNvPr id="3" name="图片 2"/>
+            <p:cNvPr id="15" name="图片 14"/>
             <p:cNvPicPr>
               <a:picLocks noChangeAspect="1"/>
             </p:cNvPicPr>
@@ -8203,8 +9983,8 @@
           </p:blipFill>
           <p:spPr>
             <a:xfrm>
-              <a:off x="750533" y="990600"/>
-              <a:ext cx="5012415" cy="1346847"/>
+              <a:off x="482600" y="990600"/>
+              <a:ext cx="5286912" cy="1697219"/>
             </a:xfrm>
             <a:prstGeom prst="rect">
               <a:avLst/>
@@ -8213,7 +9993,7 @@
         </p:pic>
         <p:pic>
           <p:nvPicPr>
-            <p:cNvPr id="7" name="图片 6"/>
+            <p:cNvPr id="17" name="图片 16"/>
             <p:cNvPicPr>
               <a:picLocks noChangeAspect="1"/>
             </p:cNvPicPr>
@@ -8227,8 +10007,8 @@
           </p:blipFill>
           <p:spPr>
             <a:xfrm>
-              <a:off x="750533" y="2281234"/>
-              <a:ext cx="5012415" cy="1367729"/>
+              <a:off x="482600" y="2815341"/>
+              <a:ext cx="5286912" cy="1697219"/>
             </a:xfrm>
             <a:prstGeom prst="rect">
               <a:avLst/>
@@ -8237,7 +10017,7 @@
         </p:pic>
         <p:pic>
           <p:nvPicPr>
-            <p:cNvPr id="8" name="图片 7"/>
+            <p:cNvPr id="18" name="图片 17"/>
             <p:cNvPicPr>
               <a:picLocks noChangeAspect="1"/>
             </p:cNvPicPr>
@@ -8251,17 +10031,32 @@
           </p:blipFill>
           <p:spPr>
             <a:xfrm>
-              <a:off x="750533" y="4925804"/>
-              <a:ext cx="5012415" cy="1411496"/>
+              <a:off x="482600" y="4640081"/>
+              <a:ext cx="5286912" cy="1697219"/>
             </a:xfrm>
             <a:prstGeom prst="rect">
               <a:avLst/>
             </a:prstGeom>
           </p:spPr>
         </p:pic>
+      </p:grpSp>
+      <p:grpSp>
+        <p:nvGrpSpPr>
+          <p:cNvPr id="22" name="组合 21"/>
+          <p:cNvGrpSpPr/>
+          <p:nvPr/>
+        </p:nvGrpSpPr>
+        <p:grpSpPr>
+          <a:xfrm>
+            <a:off x="6409788" y="990600"/>
+            <a:ext cx="5286912" cy="5346700"/>
+            <a:chOff x="6409788" y="990600"/>
+            <a:chExt cx="5286912" cy="5346700"/>
+          </a:xfrm>
+        </p:grpSpPr>
         <p:pic>
           <p:nvPicPr>
-            <p:cNvPr id="9" name="图片 8"/>
+            <p:cNvPr id="19" name="图片 18"/>
             <p:cNvPicPr>
               <a:picLocks noChangeAspect="1"/>
             </p:cNvPicPr>
@@ -8275,32 +10070,17 @@
           </p:blipFill>
           <p:spPr>
             <a:xfrm>
-              <a:off x="750533" y="3592750"/>
-              <a:ext cx="5012415" cy="1389268"/>
+              <a:off x="6409788" y="990600"/>
+              <a:ext cx="5286912" cy="1697219"/>
             </a:xfrm>
             <a:prstGeom prst="rect">
               <a:avLst/>
             </a:prstGeom>
           </p:spPr>
         </p:pic>
-      </p:grpSp>
-      <p:grpSp>
-        <p:nvGrpSpPr>
-          <p:cNvPr id="14" name="组合 13"/>
-          <p:cNvGrpSpPr/>
-          <p:nvPr/>
-        </p:nvGrpSpPr>
-        <p:grpSpPr>
-          <a:xfrm>
-            <a:off x="6429052" y="990600"/>
-            <a:ext cx="5012415" cy="5346700"/>
-            <a:chOff x="6429052" y="990600"/>
-            <a:chExt cx="5012415" cy="5346700"/>
-          </a:xfrm>
-        </p:grpSpPr>
         <p:pic>
           <p:nvPicPr>
-            <p:cNvPr id="6" name="图片 5"/>
+            <p:cNvPr id="20" name="图片 19"/>
             <p:cNvPicPr>
               <a:picLocks noChangeAspect="1"/>
             </p:cNvPicPr>
@@ -8314,8 +10094,8 @@
           </p:blipFill>
           <p:spPr>
             <a:xfrm>
-              <a:off x="6429052" y="990600"/>
-              <a:ext cx="5012415" cy="1367729"/>
+              <a:off x="6409788" y="4640081"/>
+              <a:ext cx="5286912" cy="1697219"/>
             </a:xfrm>
             <a:prstGeom prst="rect">
               <a:avLst/>
@@ -8324,7 +10104,7 @@
         </p:pic>
         <p:pic>
           <p:nvPicPr>
-            <p:cNvPr id="10" name="图片 9"/>
+            <p:cNvPr id="21" name="图片 20"/>
             <p:cNvPicPr>
               <a:picLocks noChangeAspect="1"/>
             </p:cNvPicPr>
@@ -8338,56 +10118,8 @@
           </p:blipFill>
           <p:spPr>
             <a:xfrm>
-              <a:off x="6429052" y="2295385"/>
-              <a:ext cx="5012415" cy="1389268"/>
-            </a:xfrm>
-            <a:prstGeom prst="rect">
-              <a:avLst/>
-            </a:prstGeom>
-          </p:spPr>
-        </p:pic>
-        <p:pic>
-          <p:nvPicPr>
-            <p:cNvPr id="11" name="图片 10"/>
-            <p:cNvPicPr>
-              <a:picLocks noChangeAspect="1"/>
-            </p:cNvPicPr>
-            <p:nvPr/>
-          </p:nvPicPr>
-          <p:blipFill>
-            <a:blip r:embed="rId9"/>
-            <a:stretch>
-              <a:fillRect/>
-            </a:stretch>
-          </p:blipFill>
-          <p:spPr>
-            <a:xfrm>
-              <a:off x="6429052" y="3621709"/>
-              <a:ext cx="5012415" cy="1389268"/>
-            </a:xfrm>
-            <a:prstGeom prst="rect">
-              <a:avLst/>
-            </a:prstGeom>
-          </p:spPr>
-        </p:pic>
-        <p:pic>
-          <p:nvPicPr>
-            <p:cNvPr id="12" name="图片 11"/>
-            <p:cNvPicPr>
-              <a:picLocks noChangeAspect="1"/>
-            </p:cNvPicPr>
-            <p:nvPr/>
-          </p:nvPicPr>
-          <p:blipFill>
-            <a:blip r:embed="rId10"/>
-            <a:stretch>
-              <a:fillRect/>
-            </a:stretch>
-          </p:blipFill>
-          <p:spPr>
-            <a:xfrm>
-              <a:off x="6429052" y="4948032"/>
-              <a:ext cx="5012415" cy="1389268"/>
+              <a:off x="6409788" y="2815341"/>
+              <a:ext cx="5286912" cy="1697219"/>
             </a:xfrm>
             <a:prstGeom prst="rect">
               <a:avLst/>

--- a/bes3_n0_source.pptx
+++ b/bes3_n0_source.pptx
@@ -261,7 +261,7 @@
           <a:p>
             <a:fld id="{A38AE9A9-4953-4162-B01A-C91545D9A857}" type="datetimeFigureOut">
               <a:rPr lang="zh-CN" altLang="en-US" smtClean="0"/>
-              <a:t>2023/1/17</a:t>
+              <a:t>2023/1/23</a:t>
             </a:fld>
             <a:endParaRPr lang="zh-CN" altLang="en-US"/>
           </a:p>
@@ -1897,7 +1897,7 @@
             <a:fld id="{8A91777A-9D00-456A-8AB0-A9098686DE3E}" type="datetime1">
               <a:rPr lang="zh-CN" altLang="en-US" smtClean="0"/>
               <a:pPr/>
-              <a:t>2023/1/17</a:t>
+              <a:t>2023/1/23</a:t>
             </a:fld>
             <a:endParaRPr lang="zh-CN" altLang="en-US" dirty="0"/>
           </a:p>
@@ -2266,7 +2266,7 @@
             <a:fld id="{8A91777A-9D00-456A-8AB0-A9098686DE3E}" type="datetime1">
               <a:rPr lang="zh-CN" altLang="en-US" smtClean="0"/>
               <a:pPr/>
-              <a:t>2023/1/17</a:t>
+              <a:t>2023/1/23</a:t>
             </a:fld>
             <a:endParaRPr lang="zh-CN" altLang="en-US" dirty="0"/>
           </a:p>
@@ -2472,7 +2472,7 @@
           <a:p>
             <a:fld id="{0C113937-BF06-4992-A793-B29C1201D39C}" type="datetime1">
               <a:rPr lang="zh-CN" altLang="en-US" smtClean="0"/>
-              <a:t>2023/1/17</a:t>
+              <a:t>2023/1/23</a:t>
             </a:fld>
             <a:endParaRPr lang="zh-CN" altLang="en-US" dirty="0"/>
           </a:p>
@@ -2682,7 +2682,7 @@
           <a:p>
             <a:fld id="{0C113937-BF06-4992-A793-B29C1201D39C}" type="datetime1">
               <a:rPr lang="zh-CN" altLang="en-US" smtClean="0"/>
-              <a:t>2023/1/17</a:t>
+              <a:t>2023/1/23</a:t>
             </a:fld>
             <a:endParaRPr lang="zh-CN" altLang="en-US" dirty="0"/>
           </a:p>
@@ -3386,7 +3386,7 @@
           <a:p>
             <a:fld id="{0C113937-BF06-4992-A793-B29C1201D39C}" type="datetime1">
               <a:rPr lang="zh-CN" altLang="en-US" smtClean="0"/>
-              <a:t>2023/1/17</a:t>
+              <a:t>2023/1/23</a:t>
             </a:fld>
             <a:endParaRPr lang="zh-CN" altLang="en-US" dirty="0"/>
           </a:p>
@@ -4254,7 +4254,7 @@
           <a:p>
             <a:fld id="{3F066E0A-57EC-403C-9412-4C2312A1DE14}" type="datetime1">
               <a:rPr lang="zh-CN" altLang="en-US" smtClean="0"/>
-              <a:t>2023/1/17</a:t>
+              <a:t>2023/1/23</a:t>
             </a:fld>
             <a:endParaRPr lang="zh-CN" altLang="en-US" dirty="0"/>
           </a:p>
@@ -4371,7 +4371,7 @@
           <a:p>
             <a:fld id="{3F066E0A-57EC-403C-9412-4C2312A1DE14}" type="datetime1">
               <a:rPr lang="zh-CN" altLang="en-US" smtClean="0"/>
-              <a:t>2023/1/17</a:t>
+              <a:t>2023/1/23</a:t>
             </a:fld>
             <a:endParaRPr lang="zh-CN" altLang="en-US" dirty="0"/>
           </a:p>
@@ -4770,8 +4770,8 @@
           </p:sp>
         </mc:Fallback>
       </mc:AlternateContent>
-      <mc:AlternateContent xmlns:mc="http://schemas.openxmlformats.org/markup-compatibility/2006">
-        <mc:Choice xmlns:a14="http://schemas.microsoft.com/office/drawing/2010/main" Requires="a14">
+      <mc:AlternateContent xmlns:mc="http://schemas.openxmlformats.org/markup-compatibility/2006" xmlns:a14="http://schemas.microsoft.com/office/drawing/2010/main">
+        <mc:Choice Requires="a14">
           <p:sp>
             <p:nvSpPr>
               <p:cNvPr id="3" name="内容占位符 2"/>
@@ -4949,7 +4949,7 @@
             </p:txBody>
           </p:sp>
         </mc:Choice>
-        <mc:Fallback>
+        <mc:Fallback xmlns="">
           <p:sp>
             <p:nvSpPr>
               <p:cNvPr id="3" name="内容占位符 2"/>
@@ -5000,7 +5000,7 @@
           <a:p>
             <a:fld id="{3F066E0A-57EC-403C-9412-4C2312A1DE14}" type="datetime1">
               <a:rPr lang="zh-CN" altLang="en-US" smtClean="0"/>
-              <a:t>2023/1/17</a:t>
+              <a:t>2023/1/23</a:t>
             </a:fld>
             <a:endParaRPr lang="zh-CN" altLang="en-US" dirty="0"/>
           </a:p>
@@ -5109,7 +5109,7 @@
           <a:p>
             <a:fld id="{3F066E0A-57EC-403C-9412-4C2312A1DE14}" type="datetime1">
               <a:rPr lang="zh-CN" altLang="en-US" smtClean="0"/>
-              <a:t>2023/1/17</a:t>
+              <a:t>2023/1/23</a:t>
             </a:fld>
             <a:endParaRPr lang="zh-CN" altLang="en-US" dirty="0"/>
           </a:p>
@@ -5478,7 +5478,7 @@
           <a:p>
             <a:fld id="{3F066E0A-57EC-403C-9412-4C2312A1DE14}" type="datetime1">
               <a:rPr lang="zh-CN" altLang="en-US" smtClean="0"/>
-              <a:t>2023/1/17</a:t>
+              <a:t>2023/1/23</a:t>
             </a:fld>
             <a:endParaRPr lang="zh-CN" altLang="en-US" dirty="0"/>
           </a:p>
@@ -5823,7 +5823,7 @@
           <a:p>
             <a:fld id="{3F066E0A-57EC-403C-9412-4C2312A1DE14}" type="datetime1">
               <a:rPr lang="zh-CN" altLang="en-US" smtClean="0"/>
-              <a:t>2023/1/17</a:t>
+              <a:t>2023/1/23</a:t>
             </a:fld>
             <a:endParaRPr lang="zh-CN" altLang="en-US" dirty="0"/>
           </a:p>
@@ -6114,7 +6114,7 @@
           <a:p>
             <a:fld id="{3F066E0A-57EC-403C-9412-4C2312A1DE14}" type="datetime1">
               <a:rPr lang="zh-CN" altLang="en-US" smtClean="0"/>
-              <a:t>2023/1/17</a:t>
+              <a:t>2023/1/23</a:t>
             </a:fld>
             <a:endParaRPr lang="zh-CN" altLang="en-US" dirty="0"/>
           </a:p>
@@ -6329,7 +6329,7 @@
           <a:p>
             <a:fld id="{3F066E0A-57EC-403C-9412-4C2312A1DE14}" type="datetime1">
               <a:rPr lang="zh-CN" altLang="en-US" smtClean="0"/>
-              <a:t>2023/1/17</a:t>
+              <a:t>2023/1/23</a:t>
             </a:fld>
             <a:endParaRPr lang="zh-CN" altLang="en-US" dirty="0"/>
           </a:p>
@@ -6544,7 +6544,7 @@
           <a:p>
             <a:fld id="{3F066E0A-57EC-403C-9412-4C2312A1DE14}" type="datetime1">
               <a:rPr lang="zh-CN" altLang="en-US" smtClean="0"/>
-              <a:t>2023/1/17</a:t>
+              <a:t>2023/1/23</a:t>
             </a:fld>
             <a:endParaRPr lang="zh-CN" altLang="en-US" dirty="0"/>
           </a:p>
@@ -6782,15 +6782,19 @@
           <a:p>
             <a:r>
               <a:rPr lang="zh-CN" altLang="en-US" dirty="0"/>
-              <a:t>其他讨论</a:t>
-            </a:r>
-            <a:endParaRPr lang="en-US" altLang="zh-CN" dirty="0"/>
-          </a:p>
-          <a:p>
-            <a:r>
-              <a:rPr lang="zh-CN" altLang="en-US" dirty="0"/>
+              <a:t>其他讨</a:t>
+            </a:r>
+            <a:r>
+              <a:rPr lang="zh-CN" altLang="en-US" dirty="0" smtClean="0"/>
+              <a:t>论</a:t>
+            </a:r>
+          </a:p>
+          <a:p>
+            <a:r>
+              <a:rPr lang="zh-CN" altLang="en-US" dirty="0" smtClean="0"/>
               <a:t>附录</a:t>
             </a:r>
+            <a:endParaRPr lang="zh-CN" altLang="en-US" dirty="0"/>
           </a:p>
         </p:txBody>
       </p:sp>
@@ -6874,7 +6878,7 @@
           <a:p>
             <a:fld id="{3F066E0A-57EC-403C-9412-4C2312A1DE14}" type="datetime1">
               <a:rPr lang="zh-CN" altLang="en-US" smtClean="0"/>
-              <a:t>2023/1/17</a:t>
+              <a:t>2023/1/23</a:t>
             </a:fld>
             <a:endParaRPr lang="zh-CN" altLang="en-US" dirty="0"/>
           </a:p>
@@ -7135,8 +7139,8 @@
           </a:p>
         </p:txBody>
       </p:sp>
-      <mc:AlternateContent xmlns:mc="http://schemas.openxmlformats.org/markup-compatibility/2006">
-        <mc:Choice xmlns:a14="http://schemas.microsoft.com/office/drawing/2010/main" Requires="a14">
+      <mc:AlternateContent xmlns:mc="http://schemas.openxmlformats.org/markup-compatibility/2006" xmlns:a14="http://schemas.microsoft.com/office/drawing/2010/main">
+        <mc:Choice Requires="a14">
           <p:sp>
             <p:nvSpPr>
               <p:cNvPr id="3" name="内容占位符 2"/>
@@ -7275,7 +7279,7 @@
             </p:txBody>
           </p:sp>
         </mc:Choice>
-        <mc:Fallback>
+        <mc:Fallback xmlns="">
           <p:sp>
             <p:nvSpPr>
               <p:cNvPr id="3" name="内容占位符 2"/>
@@ -7330,7 +7334,7 @@
           <a:p>
             <a:fld id="{3F066E0A-57EC-403C-9412-4C2312A1DE14}" type="datetime1">
               <a:rPr lang="zh-CN" altLang="en-US" smtClean="0"/>
-              <a:t>2023/1/17</a:t>
+              <a:t>2023/1/23</a:t>
             </a:fld>
             <a:endParaRPr lang="zh-CN" altLang="en-US" dirty="0"/>
           </a:p>
@@ -7370,11 +7374,11 @@
   <p:clrMapOvr>
     <a:masterClrMapping/>
   </p:clrMapOvr>
-  <mc:AlternateContent xmlns:mc="http://schemas.openxmlformats.org/markup-compatibility/2006">
-    <mc:Choice xmlns:p14="http://schemas.microsoft.com/office/powerpoint/2010/main" Requires="p14">
+  <mc:AlternateContent xmlns:mc="http://schemas.openxmlformats.org/markup-compatibility/2006" xmlns:p14="http://schemas.microsoft.com/office/powerpoint/2010/main">
+    <mc:Choice Requires="p14">
       <p:transition spd="slow" p14:dur="2000"/>
     </mc:Choice>
-    <mc:Fallback>
+    <mc:Fallback xmlns="">
       <p:transition spd="slow"/>
     </mc:Fallback>
   </mc:AlternateContent>
@@ -7429,8 +7433,8 @@
           </a:p>
         </p:txBody>
       </p:sp>
-      <mc:AlternateContent xmlns:mc="http://schemas.openxmlformats.org/markup-compatibility/2006" xmlns:a14="http://schemas.microsoft.com/office/drawing/2010/main">
-        <mc:Choice Requires="a14">
+      <mc:AlternateContent xmlns:mc="http://schemas.openxmlformats.org/markup-compatibility/2006">
+        <mc:Choice xmlns:a14="http://schemas.microsoft.com/office/drawing/2010/main" Requires="a14">
           <p:sp>
             <p:nvSpPr>
               <p:cNvPr id="3" name="内容占位符 2"/>
@@ -7538,19 +7542,8 @@
                 <a:endParaRPr lang="en-US" altLang="zh-CN" dirty="0"/>
               </a:p>
               <a:p>
-                <a:pPr lvl="1"/>
-                <a:r>
-                  <a:rPr lang="en-US" altLang="zh-CN" dirty="0">
-                    <a:solidFill>
-                      <a:srgbClr val="C00000"/>
-                    </a:solidFill>
-                  </a:rPr>
-                  <a:t>tbd</a:t>
-                </a:r>
-              </a:p>
-              <a:p>
-                <a:r>
-                  <a:rPr lang="en-US" altLang="zh-CN" dirty="0"/>
+                <a:r>
+                  <a:rPr lang="en-US" altLang="zh-CN" dirty="0" smtClean="0"/>
                   <a:t>BESIII</a:t>
                 </a:r>
                 <a:r>
@@ -7695,31 +7688,19 @@
               <a:p>
                 <a:pPr lvl="1"/>
                 <a:r>
-                  <a:rPr lang="zh-CN" altLang="en-US" dirty="0">
-                    <a:solidFill>
-                      <a:srgbClr val="C00000"/>
-                    </a:solidFill>
-                  </a:rPr>
+                  <a:rPr lang="zh-CN" altLang="en-US" dirty="0"/>
                   <a:t>估算：</a:t>
                 </a:r>
                 <a:r>
-                  <a:rPr lang="en-US" altLang="zh-CN" dirty="0">
-                    <a:solidFill>
-                      <a:srgbClr val="C00000"/>
-                    </a:solidFill>
-                  </a:rPr>
+                  <a:rPr lang="en-US" altLang="zh-CN" dirty="0"/>
                   <a:t>total_jpsi * ppinbar_ratio * select_efficiency</a:t>
                 </a:r>
-                <a:endParaRPr lang="zh-CN" altLang="en-US" dirty="0">
-                  <a:solidFill>
-                    <a:srgbClr val="C00000"/>
-                  </a:solidFill>
-                </a:endParaRPr>
+                <a:endParaRPr lang="zh-CN" altLang="en-US" dirty="0"/>
               </a:p>
             </p:txBody>
           </p:sp>
         </mc:Choice>
-        <mc:Fallback xmlns="">
+        <mc:Fallback>
           <p:sp>
             <p:nvSpPr>
               <p:cNvPr id="3" name="内容占位符 2"/>
@@ -7770,7 +7751,7 @@
           <a:p>
             <a:fld id="{3F066E0A-57EC-403C-9412-4C2312A1DE14}" type="datetime1">
               <a:rPr lang="zh-CN" altLang="en-US" smtClean="0"/>
-              <a:t>2023/1/17</a:t>
+              <a:t>2023/1/23</a:t>
             </a:fld>
             <a:endParaRPr lang="zh-CN" altLang="en-US" dirty="0"/>
           </a:p>
@@ -7997,7 +7978,7 @@
           <a:p>
             <a:fld id="{3F066E0A-57EC-403C-9412-4C2312A1DE14}" type="datetime1">
               <a:rPr lang="zh-CN" altLang="en-US" smtClean="0"/>
-              <a:t>2023/1/17</a:t>
+              <a:t>2023/1/23</a:t>
             </a:fld>
             <a:endParaRPr lang="zh-CN" altLang="en-US" dirty="0"/>
           </a:p>
@@ -8305,7 +8286,7 @@
           <a:p>
             <a:fld id="{3F066E0A-57EC-403C-9412-4C2312A1DE14}" type="datetime1">
               <a:rPr lang="zh-CN" altLang="en-US" smtClean="0"/>
-              <a:t>2023/1/17</a:t>
+              <a:t>2023/1/23</a:t>
             </a:fld>
             <a:endParaRPr lang="zh-CN" altLang="en-US" dirty="0"/>
           </a:p>
@@ -8359,8 +8340,8 @@
           </a:prstGeom>
         </p:spPr>
       </p:pic>
-      <mc:AlternateContent xmlns:mc="http://schemas.openxmlformats.org/markup-compatibility/2006" xmlns:a14="http://schemas.microsoft.com/office/drawing/2010/main">
-        <mc:Choice Requires="a14">
+      <mc:AlternateContent xmlns:mc="http://schemas.openxmlformats.org/markup-compatibility/2006">
+        <mc:Choice xmlns:a14="http://schemas.microsoft.com/office/drawing/2010/main" Requires="a14">
           <p:sp>
             <p:nvSpPr>
               <p:cNvPr id="7" name="内容占位符 2"/>
@@ -8620,9 +8601,9 @@
               <a:p>
                 <a:pPr lvl="1"/>
                 <a:r>
-                  <a:rPr lang="zh-CN" altLang="en-US" sz="1800" dirty="0">
+                  <a:rPr lang="zh-CN" altLang="en-US" sz="1800" dirty="0" smtClean="0">
                     <a:solidFill>
-                      <a:srgbClr val="C00000"/>
+                      <a:schemeClr val="tx1"/>
                     </a:solidFill>
                   </a:rPr>
                   <a:t>模拟</a:t>
@@ -8632,7 +8613,7 @@
                     <m:r>
                       <a:rPr lang="en-US" altLang="zh-CN" sz="1800" i="1">
                         <a:solidFill>
-                          <a:srgbClr val="C00000"/>
+                          <a:schemeClr val="tx1"/>
                         </a:solidFill>
                         <a:latin typeface="Cambria Math" panose="02040503050406030204" pitchFamily="18" charset="0"/>
                         <a:cs typeface="+mn-ea"/>
@@ -8643,7 +8624,7 @@
                     <m:r>
                       <a:rPr lang="en-US" altLang="zh-CN" sz="1800" i="1">
                         <a:solidFill>
-                          <a:srgbClr val="C00000"/>
+                          <a:schemeClr val="tx1"/>
                         </a:solidFill>
                         <a:latin typeface="Cambria Math" panose="02040503050406030204" pitchFamily="18" charset="0"/>
                         <a:cs typeface="+mn-ea"/>
@@ -8654,7 +8635,7 @@
                     <m:r>
                       <a:rPr lang="el-GR" altLang="zh-CN" sz="1800" i="1">
                         <a:solidFill>
-                          <a:srgbClr val="C00000"/>
+                          <a:schemeClr val="tx1"/>
                         </a:solidFill>
                         <a:latin typeface="Cambria Math" panose="02040503050406030204" pitchFamily="18" charset="0"/>
                         <a:cs typeface="+mn-ea"/>
@@ -8665,7 +8646,7 @@
                     <m:r>
                       <a:rPr lang="el-GR" altLang="zh-CN" sz="1800" i="1">
                         <a:solidFill>
-                          <a:srgbClr val="C00000"/>
+                          <a:schemeClr val="tx1"/>
                         </a:solidFill>
                         <a:latin typeface="Cambria Math" panose="02040503050406030204" pitchFamily="18" charset="0"/>
                         <a:cs typeface="+mn-ea"/>
@@ -8676,7 +8657,7 @@
                     <m:r>
                       <a:rPr lang="en-US" altLang="zh-CN" sz="1800" i="1">
                         <a:solidFill>
-                          <a:srgbClr val="C00000"/>
+                          <a:schemeClr val="tx1"/>
                         </a:solidFill>
                         <a:latin typeface="Cambria Math" panose="02040503050406030204" pitchFamily="18" charset="0"/>
                         <a:cs typeface="+mn-ea"/>
@@ -8690,7 +8671,7 @@
                         <m:ctrlPr>
                           <a:rPr lang="en-US" altLang="zh-CN" sz="1800" i="1">
                             <a:solidFill>
-                              <a:srgbClr val="C00000"/>
+                              <a:schemeClr val="tx1"/>
                             </a:solidFill>
                             <a:latin typeface="Cambria Math" panose="02040503050406030204" pitchFamily="18" charset="0"/>
                             <a:cs typeface="+mn-ea"/>
@@ -8702,7 +8683,7 @@
                         <m:r>
                           <a:rPr lang="en-US" altLang="zh-CN" sz="1800" i="1">
                             <a:solidFill>
-                              <a:srgbClr val="C00000"/>
+                              <a:schemeClr val="tx1"/>
                             </a:solidFill>
                             <a:latin typeface="Cambria Math" panose="02040503050406030204" pitchFamily="18" charset="0"/>
                             <a:cs typeface="+mn-ea"/>
@@ -8717,7 +8698,7 @@
                         <m:ctrlPr>
                           <a:rPr lang="en-US" altLang="zh-CN" sz="1800" i="1">
                             <a:solidFill>
-                              <a:srgbClr val="C00000"/>
+                              <a:schemeClr val="tx1"/>
                             </a:solidFill>
                             <a:latin typeface="Cambria Math" panose="02040503050406030204" pitchFamily="18" charset="0"/>
                             <a:cs typeface="+mn-ea"/>
@@ -8729,7 +8710,7 @@
                         <m:r>
                           <a:rPr lang="zh-CN" altLang="en-US" sz="1800" i="1">
                             <a:solidFill>
-                              <a:srgbClr val="C00000"/>
+                              <a:schemeClr val="tx1"/>
                             </a:solidFill>
                             <a:latin typeface="Cambria Math" panose="02040503050406030204" pitchFamily="18" charset="0"/>
                             <a:cs typeface="+mn-ea"/>
@@ -8742,7 +8723,7 @@
                         <m:r>
                           <a:rPr lang="en-US" altLang="zh-CN" sz="1800" i="1">
                             <a:solidFill>
-                              <a:srgbClr val="C00000"/>
+                              <a:schemeClr val="tx1"/>
                             </a:solidFill>
                             <a:latin typeface="Cambria Math" panose="02040503050406030204" pitchFamily="18" charset="0"/>
                             <a:cs typeface="+mn-ea"/>
@@ -8757,7 +8738,7 @@
                 <a:r>
                   <a:rPr lang="zh-CN" altLang="en-US" sz="1800" dirty="0">
                     <a:solidFill>
-                      <a:srgbClr val="C00000"/>
+                      <a:schemeClr val="tx1"/>
                     </a:solidFill>
                   </a:rPr>
                   <a:t>，加入不同厚度的物质时，事例挑选的效率，</a:t>
@@ -8765,7 +8746,7 @@
                 <a:r>
                   <a:rPr lang="en-US" altLang="zh-CN" sz="1800" dirty="0">
                     <a:solidFill>
-                      <a:srgbClr val="C00000"/>
+                      <a:schemeClr val="tx1"/>
                     </a:solidFill>
                   </a:rPr>
                   <a:t> p</a:t>
@@ -8773,7 +8754,7 @@
                 <a:r>
                   <a:rPr lang="zh-CN" altLang="en-US" sz="1800" dirty="0">
                     <a:solidFill>
-                      <a:srgbClr val="C00000"/>
+                      <a:schemeClr val="tx1"/>
                     </a:solidFill>
                   </a:rPr>
                   <a:t>、</a:t>
@@ -8781,7 +8762,7 @@
                 <a:r>
                   <a:rPr lang="en-US" altLang="zh-CN" sz="1800" dirty="0">
                     <a:solidFill>
-                      <a:srgbClr val="C00000"/>
+                      <a:schemeClr val="tx1"/>
                     </a:solidFill>
                   </a:rPr>
                   <a:t>pi</a:t>
@@ -8789,7 +8770,7 @@
                 <a:r>
                   <a:rPr lang="zh-CN" altLang="en-US" sz="1800" dirty="0">
                     <a:solidFill>
-                      <a:srgbClr val="C00000"/>
+                      <a:schemeClr val="tx1"/>
                     </a:solidFill>
                   </a:rPr>
                   <a:t>反冲得到反中子的动量、角度分辨，及其对于动量、</a:t>
@@ -8797,7 +8778,7 @@
                 <a:r>
                   <a:rPr lang="en-US" altLang="zh-CN" sz="1800" dirty="0">
                     <a:solidFill>
-                      <a:srgbClr val="C00000"/>
+                      <a:schemeClr val="tx1"/>
                     </a:solidFill>
                   </a:rPr>
                   <a:t>theta</a:t>
@@ -8805,21 +8786,21 @@
                 <a:r>
                   <a:rPr lang="zh-CN" altLang="en-US" sz="1800" dirty="0">
                     <a:solidFill>
-                      <a:srgbClr val="C00000"/>
+                      <a:schemeClr val="tx1"/>
                     </a:solidFill>
                   </a:rPr>
                   <a:t>的依赖</a:t>
                 </a:r>
                 <a:endParaRPr lang="en-US" altLang="zh-CN" sz="1800" dirty="0">
                   <a:solidFill>
-                    <a:srgbClr val="C00000"/>
+                    <a:schemeClr val="tx1"/>
                   </a:solidFill>
                 </a:endParaRPr>
               </a:p>
             </p:txBody>
           </p:sp>
         </mc:Choice>
-        <mc:Fallback xmlns="">
+        <mc:Fallback>
           <p:sp>
             <p:nvSpPr>
               <p:cNvPr id="7" name="内容占位符 2"/>
@@ -9066,7 +9047,7 @@
           <a:p>
             <a:fld id="{3F066E0A-57EC-403C-9412-4C2312A1DE14}" type="datetime1">
               <a:rPr lang="zh-CN" altLang="en-US" smtClean="0"/>
-              <a:t>2023/1/17</a:t>
+              <a:t>2023/1/23</a:t>
             </a:fld>
             <a:endParaRPr lang="zh-CN" altLang="en-US" dirty="0"/>
           </a:p>
@@ -9180,7 +9161,27 @@
             </a:r>
             <a:r>
               <a:rPr lang="en-US" altLang="zh-CN" dirty="0"/>
-              <a:t>[0, 2, 4, …, 10]mm</a:t>
+              <a:t>[0, </a:t>
+            </a:r>
+            <a:r>
+              <a:rPr lang="en-US" altLang="zh-CN" dirty="0" smtClean="0"/>
+              <a:t>5, 10</a:t>
+            </a:r>
+            <a:r>
+              <a:rPr lang="zh-CN" altLang="en-US" dirty="0" smtClean="0"/>
+              <a:t>，</a:t>
+            </a:r>
+            <a:r>
+              <a:rPr lang="en-US" altLang="zh-CN" dirty="0" smtClean="0"/>
+              <a:t>15</a:t>
+            </a:r>
+            <a:r>
+              <a:rPr lang="zh-CN" altLang="en-US" dirty="0" smtClean="0"/>
+              <a:t>，</a:t>
+            </a:r>
+            <a:r>
+              <a:rPr lang="en-US" altLang="zh-CN" dirty="0" smtClean="0"/>
+              <a:t>20]mm</a:t>
             </a:r>
             <a:r>
               <a:rPr lang="zh-CN" altLang="en-US" dirty="0"/>
@@ -9320,27 +9321,23 @@
             </a:r>
             <a:r>
               <a:rPr lang="zh-CN" altLang="en-US" dirty="0"/>
-              <a:t>模拟总数）</a:t>
-            </a:r>
-            <a:r>
-              <a:rPr lang="zh-CN" altLang="en-US" dirty="0">
-                <a:solidFill>
-                  <a:srgbClr val="C00000"/>
-                </a:solidFill>
-              </a:rPr>
-              <a:t>*效率的计算方式</a:t>
-            </a:r>
-            <a:endParaRPr lang="en-US" altLang="zh-CN" dirty="0">
-              <a:solidFill>
-                <a:srgbClr val="C00000"/>
-              </a:solidFill>
-            </a:endParaRPr>
+              <a:t>模拟总数</a:t>
+            </a:r>
+            <a:r>
+              <a:rPr lang="zh-CN" altLang="en-US" dirty="0" smtClean="0"/>
+              <a:t>）</a:t>
+            </a:r>
+            <a:endParaRPr lang="en-US" altLang="zh-CN" dirty="0" smtClean="0"/>
           </a:p>
           <a:p>
             <a:pPr lvl="2"/>
             <a:r>
+              <a:rPr lang="zh-CN" altLang="en-US" dirty="0" smtClean="0"/>
+              <a:t>动</a:t>
+            </a:r>
+            <a:r>
               <a:rPr lang="zh-CN" altLang="en-US" dirty="0"/>
-              <a:t>动量、角度分辨计算方式：剔除异常值后高斯拟合</a:t>
+              <a:t>量、角度分辨计算方式：剔除异常值后高斯拟合</a:t>
             </a:r>
             <a:endParaRPr lang="en-US" altLang="zh-CN" dirty="0"/>
           </a:p>
@@ -9393,7 +9390,7 @@
           <a:p>
             <a:fld id="{3F066E0A-57EC-403C-9412-4C2312A1DE14}" type="datetime1">
               <a:rPr lang="zh-CN" altLang="en-US" smtClean="0"/>
-              <a:t>2023/1/17</a:t>
+              <a:t>2023/1/23</a:t>
             </a:fld>
             <a:endParaRPr lang="zh-CN" altLang="en-US" dirty="0"/>
           </a:p>
@@ -9460,107 +9457,59 @@
           <a:chExt cx="0" cy="0"/>
         </a:xfrm>
       </p:grpSpPr>
-      <mc:AlternateContent xmlns:mc="http://schemas.openxmlformats.org/markup-compatibility/2006" xmlns:a14="http://schemas.microsoft.com/office/drawing/2010/main">
-        <mc:Choice Requires="a14">
-          <p:sp>
-            <p:nvSpPr>
-              <p:cNvPr id="2" name="标题 1"/>
-              <p:cNvSpPr>
-                <a:spLocks noGrp="1"/>
-              </p:cNvSpPr>
-              <p:nvPr>
-                <p:ph type="title"/>
-              </p:nvPr>
-            </p:nvSpPr>
-            <p:spPr/>
-            <p:txBody>
-              <a:bodyPr>
-                <a:normAutofit/>
-              </a:bodyPr>
-              <a:lstStyle/>
-              <a:p>
-                <a:r>
-                  <a:rPr lang="zh-CN" altLang="en-US" dirty="0"/>
-                  <a:t>模拟研究 </a:t>
-                </a:r>
-                <a:r>
-                  <a:rPr lang="en-US" altLang="zh-CN" dirty="0"/>
-                  <a:t>—— tag</a:t>
-                </a:r>
-                <a:r>
-                  <a:rPr lang="zh-CN" altLang="en-US" dirty="0"/>
-                  <a:t>粒子模拟  </a:t>
-                </a:r>
-                <a:r>
-                  <a:rPr lang="en-US" altLang="zh-CN" dirty="0"/>
-                  <a:t>p</a:t>
-                </a:r>
-                <a:r>
-                  <a:rPr lang="zh-CN" altLang="en-US" dirty="0"/>
-                  <a:t>依赖 </a:t>
-                </a:r>
-                <a:r>
-                  <a:rPr lang="en-US" altLang="zh-CN" dirty="0"/>
-                  <a:t>0.60&lt;</a:t>
-                </a:r>
-                <a14:m>
-                  <m:oMath xmlns:m="http://schemas.openxmlformats.org/officeDocument/2006/math">
-                    <m:r>
-                      <a:rPr lang="en-US" altLang="zh-CN" b="0" i="1" smtClean="0">
-                        <a:latin typeface="Cambria Math" panose="02040503050406030204" pitchFamily="18" charset="0"/>
-                      </a:rPr>
-                      <m:t>𝑐𝑜𝑠</m:t>
-                    </m:r>
-                    <m:r>
-                      <a:rPr lang="en-US" altLang="zh-CN" b="0" i="1" smtClean="0">
-                        <a:latin typeface="Cambria Math" panose="02040503050406030204" pitchFamily="18" charset="0"/>
-                      </a:rPr>
-                      <m:t>𝜃</m:t>
-                    </m:r>
-                  </m:oMath>
-                </a14:m>
-                <a:r>
-                  <a:rPr lang="en-US" altLang="zh-CN" dirty="0"/>
-                  <a:t>&lt;0.66</a:t>
-                </a:r>
-              </a:p>
-            </p:txBody>
-          </p:sp>
-        </mc:Choice>
-        <mc:Fallback xmlns="">
-          <p:sp>
-            <p:nvSpPr>
-              <p:cNvPr id="2" name="标题 1"/>
-              <p:cNvSpPr>
-                <a:spLocks noGrp="1" noRot="1" noChangeAspect="1" noMove="1" noResize="1" noEditPoints="1" noAdjustHandles="1" noChangeArrowheads="1" noChangeShapeType="1" noTextEdit="1"/>
-              </p:cNvSpPr>
-              <p:nvPr>
-                <p:ph type="title"/>
-              </p:nvPr>
-            </p:nvSpPr>
-            <p:spPr>
-              <a:blipFill>
-                <a:blip r:embed="rId2"/>
-                <a:stretch>
-                  <a:fillRect l="-1630" b="-26027"/>
-                </a:stretch>
-              </a:blipFill>
-            </p:spPr>
-            <p:txBody>
-              <a:bodyPr/>
-              <a:lstStyle/>
-              <a:p>
-                <a:r>
-                  <a:rPr lang="zh-CN" altLang="en-US">
-                    <a:noFill/>
-                  </a:rPr>
-                  <a:t> </a:t>
-                </a:r>
-              </a:p>
-            </p:txBody>
-          </p:sp>
-        </mc:Fallback>
-      </mc:AlternateContent>
+      <p:sp>
+        <p:nvSpPr>
+          <p:cNvPr id="2" name="标题 1"/>
+          <p:cNvSpPr>
+            <a:spLocks noGrp="1"/>
+          </p:cNvSpPr>
+          <p:nvPr>
+            <p:ph type="title"/>
+          </p:nvPr>
+        </p:nvSpPr>
+        <p:spPr/>
+        <p:txBody>
+          <a:bodyPr>
+            <a:normAutofit/>
+          </a:bodyPr>
+          <a:lstStyle/>
+          <a:p>
+            <a:r>
+              <a:rPr lang="zh-CN" altLang="en-US" dirty="0"/>
+              <a:t>模拟研究 </a:t>
+            </a:r>
+            <a:r>
+              <a:rPr lang="en-US" altLang="zh-CN" dirty="0"/>
+              <a:t>—— tag</a:t>
+            </a:r>
+            <a:r>
+              <a:rPr lang="zh-CN" altLang="en-US" dirty="0"/>
+              <a:t>粒子模</a:t>
+            </a:r>
+            <a:r>
+              <a:rPr lang="zh-CN" altLang="en-US" dirty="0" smtClean="0"/>
+              <a:t>拟 </a:t>
+            </a:r>
+            <a:r>
+              <a:rPr lang="en-US" altLang="zh-CN" dirty="0" smtClean="0"/>
+              <a:t>p</a:t>
+            </a:r>
+            <a:r>
+              <a:rPr lang="zh-CN" altLang="en-US" dirty="0" smtClean="0"/>
+              <a:t>、</a:t>
+            </a:r>
+            <a:r>
+              <a:rPr lang="en-US" altLang="zh-CN" dirty="0" smtClean="0"/>
+              <a:t>theta</a:t>
+            </a:r>
+            <a:r>
+              <a:rPr lang="zh-CN" altLang="en-US" dirty="0" smtClean="0"/>
+              <a:t>依赖</a:t>
+            </a:r>
+            <a:endParaRPr lang="en-US" altLang="zh-CN" dirty="0"/>
+          </a:p>
+        </p:txBody>
+      </p:sp>
       <p:sp>
         <p:nvSpPr>
           <p:cNvPr id="4" name="日期占位符 3"/>
@@ -9578,7 +9527,7 @@
           <a:p>
             <a:fld id="{3F066E0A-57EC-403C-9412-4C2312A1DE14}" type="datetime1">
               <a:rPr lang="zh-CN" altLang="en-US" smtClean="0"/>
-              <a:t>2023/1/17</a:t>
+              <a:t>2023/1/25</a:t>
             </a:fld>
             <a:endParaRPr lang="zh-CN" altLang="en-US" dirty="0"/>
           </a:p>
@@ -9608,180 +9557,130 @@
           </a:p>
         </p:txBody>
       </p:sp>
-      <p:grpSp>
-        <p:nvGrpSpPr>
-          <p:cNvPr id="11" name="组合 10"/>
-          <p:cNvGrpSpPr/>
+      <p:sp>
+        <p:nvSpPr>
+          <p:cNvPr id="13" name="内容占位符 2"/>
+          <p:cNvSpPr>
+            <a:spLocks noGrp="1"/>
+          </p:cNvSpPr>
+          <p:nvPr>
+            <p:ph sz="quarter" idx="13"/>
+          </p:nvPr>
+        </p:nvSpPr>
+        <p:spPr>
+          <a:xfrm>
+            <a:off x="482603" y="1008531"/>
+            <a:ext cx="11214100" cy="5328770"/>
+          </a:xfrm>
+        </p:spPr>
+        <p:txBody>
+          <a:bodyPr/>
+          <a:lstStyle/>
+          <a:p>
+            <a:r>
+              <a:rPr lang="zh-CN" altLang="en-US" dirty="0" smtClean="0"/>
+              <a:t>效率</a:t>
+            </a:r>
+            <a:endParaRPr lang="zh-CN" altLang="en-US" dirty="0"/>
+          </a:p>
+        </p:txBody>
+      </p:sp>
+      <p:pic>
+        <p:nvPicPr>
+          <p:cNvPr id="14" name="图片 13"/>
+          <p:cNvPicPr>
+            <a:picLocks noChangeAspect="1"/>
+          </p:cNvPicPr>
           <p:nvPr/>
-        </p:nvGrpSpPr>
-        <p:grpSpPr>
+        </p:nvPicPr>
+        <p:blipFill>
+          <a:blip r:embed="rId2"/>
+          <a:stretch>
+            <a:fillRect/>
+          </a:stretch>
+        </p:blipFill>
+        <p:spPr>
           <a:xfrm>
-            <a:off x="482600" y="990600"/>
-            <a:ext cx="5286913" cy="5317136"/>
-            <a:chOff x="809087" y="990600"/>
-            <a:chExt cx="5286913" cy="5317136"/>
+            <a:off x="482600" y="1732559"/>
+            <a:ext cx="2564049" cy="2274361"/>
           </a:xfrm>
-        </p:grpSpPr>
-        <p:pic>
-          <p:nvPicPr>
-            <p:cNvPr id="8" name="图片 7"/>
-            <p:cNvPicPr>
-              <a:picLocks noChangeAspect="1"/>
-            </p:cNvPicPr>
-            <p:nvPr/>
-          </p:nvPicPr>
-          <p:blipFill>
-            <a:blip r:embed="rId3"/>
-            <a:stretch>
-              <a:fillRect/>
-            </a:stretch>
-          </p:blipFill>
-          <p:spPr>
-            <a:xfrm>
-              <a:off x="809088" y="990600"/>
-              <a:ext cx="5286912" cy="1689709"/>
-            </a:xfrm>
-            <a:prstGeom prst="rect">
-              <a:avLst/>
-            </a:prstGeom>
-          </p:spPr>
-        </p:pic>
-        <p:pic>
-          <p:nvPicPr>
-            <p:cNvPr id="9" name="图片 8"/>
-            <p:cNvPicPr>
-              <a:picLocks noChangeAspect="1"/>
-            </p:cNvPicPr>
-            <p:nvPr/>
-          </p:nvPicPr>
-          <p:blipFill>
-            <a:blip r:embed="rId4"/>
-            <a:stretch>
-              <a:fillRect/>
-            </a:stretch>
-          </p:blipFill>
-          <p:spPr>
-            <a:xfrm>
-              <a:off x="809088" y="2766709"/>
-              <a:ext cx="5286912" cy="1689709"/>
-            </a:xfrm>
-            <a:prstGeom prst="rect">
-              <a:avLst/>
-            </a:prstGeom>
-          </p:spPr>
-        </p:pic>
-        <p:pic>
-          <p:nvPicPr>
-            <p:cNvPr id="10" name="图片 9"/>
-            <p:cNvPicPr>
-              <a:picLocks noChangeAspect="1"/>
-            </p:cNvPicPr>
-            <p:nvPr/>
-          </p:nvPicPr>
-          <p:blipFill>
-            <a:blip r:embed="rId5"/>
-            <a:stretch>
-              <a:fillRect/>
-            </a:stretch>
-          </p:blipFill>
-          <p:spPr>
-            <a:xfrm>
-              <a:off x="809087" y="4542817"/>
-              <a:ext cx="5286913" cy="1764919"/>
-            </a:xfrm>
-            <a:prstGeom prst="rect">
-              <a:avLst/>
-            </a:prstGeom>
-          </p:spPr>
-        </p:pic>
-      </p:grpSp>
-      <p:grpSp>
-        <p:nvGrpSpPr>
-          <p:cNvPr id="12" name="组合 11"/>
-          <p:cNvGrpSpPr/>
+          <a:prstGeom prst="rect">
+            <a:avLst/>
+          </a:prstGeom>
+        </p:spPr>
+      </p:pic>
+      <p:pic>
+        <p:nvPicPr>
+          <p:cNvPr id="15" name="图片 14"/>
+          <p:cNvPicPr>
+            <a:picLocks noChangeAspect="1"/>
+          </p:cNvPicPr>
           <p:nvPr/>
-        </p:nvGrpSpPr>
-        <p:grpSpPr>
+        </p:nvPicPr>
+        <p:blipFill>
+          <a:blip r:embed="rId3"/>
+          <a:stretch>
+            <a:fillRect/>
+          </a:stretch>
+        </p:blipFill>
+        <p:spPr>
           <a:xfrm>
-            <a:off x="6409788" y="990600"/>
-            <a:ext cx="5286912" cy="5346700"/>
-            <a:chOff x="6400800" y="990600"/>
-            <a:chExt cx="5286912" cy="5346700"/>
+            <a:off x="3637133" y="1309317"/>
+            <a:ext cx="2564049" cy="2330379"/>
           </a:xfrm>
-        </p:grpSpPr>
-        <p:pic>
-          <p:nvPicPr>
-            <p:cNvPr id="3" name="图片 2"/>
-            <p:cNvPicPr>
-              <a:picLocks noChangeAspect="1"/>
-            </p:cNvPicPr>
-            <p:nvPr/>
-          </p:nvPicPr>
-          <p:blipFill>
-            <a:blip r:embed="rId6"/>
-            <a:stretch>
-              <a:fillRect/>
-            </a:stretch>
-          </p:blipFill>
-          <p:spPr>
-            <a:xfrm>
-              <a:off x="6400800" y="990600"/>
-              <a:ext cx="5286912" cy="1689709"/>
-            </a:xfrm>
-            <a:prstGeom prst="rect">
-              <a:avLst/>
-            </a:prstGeom>
-          </p:spPr>
-        </p:pic>
-        <p:pic>
-          <p:nvPicPr>
-            <p:cNvPr id="6" name="图片 5"/>
-            <p:cNvPicPr>
-              <a:picLocks noChangeAspect="1"/>
-            </p:cNvPicPr>
-            <p:nvPr/>
-          </p:nvPicPr>
-          <p:blipFill>
-            <a:blip r:embed="rId7"/>
-            <a:stretch>
-              <a:fillRect/>
-            </a:stretch>
-          </p:blipFill>
-          <p:spPr>
-            <a:xfrm>
-              <a:off x="6400800" y="2781491"/>
-              <a:ext cx="5286912" cy="1689709"/>
-            </a:xfrm>
-            <a:prstGeom prst="rect">
-              <a:avLst/>
-            </a:prstGeom>
-          </p:spPr>
-        </p:pic>
-        <p:pic>
-          <p:nvPicPr>
-            <p:cNvPr id="7" name="图片 6"/>
-            <p:cNvPicPr>
-              <a:picLocks noChangeAspect="1"/>
-            </p:cNvPicPr>
-            <p:nvPr/>
-          </p:nvPicPr>
-          <p:blipFill>
-            <a:blip r:embed="rId8"/>
-            <a:stretch>
-              <a:fillRect/>
-            </a:stretch>
-          </p:blipFill>
-          <p:spPr>
-            <a:xfrm>
-              <a:off x="6400800" y="4572381"/>
-              <a:ext cx="5286912" cy="1764919"/>
-            </a:xfrm>
-            <a:prstGeom prst="rect">
-              <a:avLst/>
-            </a:prstGeom>
-          </p:spPr>
-        </p:pic>
-      </p:grpSp>
+          <a:prstGeom prst="rect">
+            <a:avLst/>
+          </a:prstGeom>
+        </p:spPr>
+      </p:pic>
+      <p:pic>
+        <p:nvPicPr>
+          <p:cNvPr id="16" name="图片 15"/>
+          <p:cNvPicPr>
+            <a:picLocks noChangeAspect="1"/>
+          </p:cNvPicPr>
+          <p:nvPr/>
+        </p:nvPicPr>
+        <p:blipFill>
+          <a:blip r:embed="rId4"/>
+          <a:stretch>
+            <a:fillRect/>
+          </a:stretch>
+        </p:blipFill>
+        <p:spPr>
+          <a:xfrm>
+            <a:off x="482600" y="4006921"/>
+            <a:ext cx="2564049" cy="2330379"/>
+          </a:xfrm>
+          <a:prstGeom prst="rect">
+            <a:avLst/>
+          </a:prstGeom>
+        </p:spPr>
+      </p:pic>
+      <p:pic>
+        <p:nvPicPr>
+          <p:cNvPr id="17" name="图片 16"/>
+          <p:cNvPicPr>
+            <a:picLocks noChangeAspect="1"/>
+          </p:cNvPicPr>
+          <p:nvPr/>
+        </p:nvPicPr>
+        <p:blipFill>
+          <a:blip r:embed="rId5"/>
+          <a:stretch>
+            <a:fillRect/>
+          </a:stretch>
+        </p:blipFill>
+        <p:spPr>
+          <a:xfrm>
+            <a:off x="7641686" y="2106140"/>
+            <a:ext cx="2564049" cy="2330379"/>
+          </a:xfrm>
+          <a:prstGeom prst="rect">
+            <a:avLst/>
+          </a:prstGeom>
+        </p:spPr>
+      </p:pic>
     </p:spTree>
     <p:extLst>
       <p:ext uri="{BB962C8B-B14F-4D97-AF65-F5344CB8AC3E}">
@@ -9923,7 +9822,7 @@
           <a:p>
             <a:fld id="{3F066E0A-57EC-403C-9412-4C2312A1DE14}" type="datetime1">
               <a:rPr lang="zh-CN" altLang="en-US" smtClean="0"/>
-              <a:t>2023/1/17</a:t>
+              <a:t>2023/1/23</a:t>
             </a:fld>
             <a:endParaRPr lang="zh-CN" altLang="en-US" dirty="0"/>
           </a:p>
